--- a/Capstone-01/Predict House Sales Prices Presentation.pptx
+++ b/Capstone-01/Predict House Sales Prices Presentation.pptx
@@ -10,32 +10,27 @@
     <p:sldId id="257" r:id="rId4"/>
     <p:sldId id="258" r:id="rId5"/>
     <p:sldId id="259" r:id="rId6"/>
-    <p:sldId id="263" r:id="rId7"/>
-    <p:sldId id="269" r:id="rId8"/>
-    <p:sldId id="264" r:id="rId9"/>
-    <p:sldId id="265" r:id="rId10"/>
-    <p:sldId id="266" r:id="rId11"/>
-    <p:sldId id="267" r:id="rId12"/>
-    <p:sldId id="268" r:id="rId13"/>
-    <p:sldId id="270" r:id="rId14"/>
-    <p:sldId id="271" r:id="rId15"/>
-    <p:sldId id="272" r:id="rId16"/>
-    <p:sldId id="273" r:id="rId17"/>
-    <p:sldId id="274" r:id="rId18"/>
-    <p:sldId id="276" r:id="rId19"/>
-    <p:sldId id="277" r:id="rId20"/>
-    <p:sldId id="278" r:id="rId21"/>
-    <p:sldId id="279" r:id="rId22"/>
-    <p:sldId id="280" r:id="rId23"/>
-    <p:sldId id="281" r:id="rId24"/>
-    <p:sldId id="282" r:id="rId25"/>
-    <p:sldId id="283" r:id="rId26"/>
-    <p:sldId id="284" r:id="rId27"/>
-    <p:sldId id="286" r:id="rId28"/>
-    <p:sldId id="287" r:id="rId29"/>
-    <p:sldId id="285" r:id="rId30"/>
-    <p:sldId id="288" r:id="rId31"/>
-    <p:sldId id="289" r:id="rId32"/>
+    <p:sldId id="273" r:id="rId7"/>
+    <p:sldId id="291" r:id="rId8"/>
+    <p:sldId id="292" r:id="rId9"/>
+    <p:sldId id="293" r:id="rId10"/>
+    <p:sldId id="274" r:id="rId11"/>
+    <p:sldId id="276" r:id="rId12"/>
+    <p:sldId id="277" r:id="rId13"/>
+    <p:sldId id="278" r:id="rId14"/>
+    <p:sldId id="279" r:id="rId15"/>
+    <p:sldId id="280" r:id="rId16"/>
+    <p:sldId id="281" r:id="rId17"/>
+    <p:sldId id="282" r:id="rId18"/>
+    <p:sldId id="283" r:id="rId19"/>
+    <p:sldId id="284" r:id="rId20"/>
+    <p:sldId id="286" r:id="rId21"/>
+    <p:sldId id="287" r:id="rId22"/>
+    <p:sldId id="285" r:id="rId23"/>
+    <p:sldId id="288" r:id="rId24"/>
+    <p:sldId id="294" r:id="rId25"/>
+    <p:sldId id="295" r:id="rId26"/>
+    <p:sldId id="289" r:id="rId27"/>
   </p:sldIdLst>
   <p:sldSz cx="12192000" cy="6858000"/>
   <p:notesSz cx="6858000" cy="9144000"/>
@@ -134,6 +129,11 @@
       </a:defRPr>
     </a:lvl9pPr>
   </p:defaultTextStyle>
+  <p:extLst>
+    <p:ext uri="{EFAFB233-063F-42B5-8137-9DF3F51BA10A}">
+      <p15:sldGuideLst xmlns:p15="http://schemas.microsoft.com/office/powerpoint/2012/main"/>
+    </p:ext>
+  </p:extLst>
 </p:presentation>
 </file>
 
@@ -268,7 +268,7 @@
           <a:p>
             <a:fld id="{D6B67E5F-B6A4-4BAD-AD4F-7827689952F0}" type="datetimeFigureOut">
               <a:rPr lang="en-US" smtClean="0"/>
-              <a:t>05/06/2018</a:t>
+              <a:t>05/12/2018</a:t>
             </a:fld>
             <a:endParaRPr lang="en-US"/>
           </a:p>
@@ -438,7 +438,7 @@
           <a:p>
             <a:fld id="{D6B67E5F-B6A4-4BAD-AD4F-7827689952F0}" type="datetimeFigureOut">
               <a:rPr lang="en-US" smtClean="0"/>
-              <a:t>05/06/2018</a:t>
+              <a:t>05/12/2018</a:t>
             </a:fld>
             <a:endParaRPr lang="en-US"/>
           </a:p>
@@ -618,7 +618,7 @@
           <a:p>
             <a:fld id="{D6B67E5F-B6A4-4BAD-AD4F-7827689952F0}" type="datetimeFigureOut">
               <a:rPr lang="en-US" smtClean="0"/>
-              <a:t>05/06/2018</a:t>
+              <a:t>05/12/2018</a:t>
             </a:fld>
             <a:endParaRPr lang="en-US"/>
           </a:p>
@@ -788,7 +788,7 @@
           <a:p>
             <a:fld id="{D6B67E5F-B6A4-4BAD-AD4F-7827689952F0}" type="datetimeFigureOut">
               <a:rPr lang="en-US" smtClean="0"/>
-              <a:t>05/06/2018</a:t>
+              <a:t>05/12/2018</a:t>
             </a:fld>
             <a:endParaRPr lang="en-US"/>
           </a:p>
@@ -1034,7 +1034,7 @@
           <a:p>
             <a:fld id="{D6B67E5F-B6A4-4BAD-AD4F-7827689952F0}" type="datetimeFigureOut">
               <a:rPr lang="en-US" smtClean="0"/>
-              <a:t>05/06/2018</a:t>
+              <a:t>05/12/2018</a:t>
             </a:fld>
             <a:endParaRPr lang="en-US"/>
           </a:p>
@@ -1266,7 +1266,7 @@
           <a:p>
             <a:fld id="{D6B67E5F-B6A4-4BAD-AD4F-7827689952F0}" type="datetimeFigureOut">
               <a:rPr lang="en-US" smtClean="0"/>
-              <a:t>05/06/2018</a:t>
+              <a:t>05/12/2018</a:t>
             </a:fld>
             <a:endParaRPr lang="en-US"/>
           </a:p>
@@ -1633,7 +1633,7 @@
           <a:p>
             <a:fld id="{D6B67E5F-B6A4-4BAD-AD4F-7827689952F0}" type="datetimeFigureOut">
               <a:rPr lang="en-US" smtClean="0"/>
-              <a:t>05/06/2018</a:t>
+              <a:t>05/12/2018</a:t>
             </a:fld>
             <a:endParaRPr lang="en-US"/>
           </a:p>
@@ -1751,7 +1751,7 @@
           <a:p>
             <a:fld id="{D6B67E5F-B6A4-4BAD-AD4F-7827689952F0}" type="datetimeFigureOut">
               <a:rPr lang="en-US" smtClean="0"/>
-              <a:t>05/06/2018</a:t>
+              <a:t>05/12/2018</a:t>
             </a:fld>
             <a:endParaRPr lang="en-US"/>
           </a:p>
@@ -1846,7 +1846,7 @@
           <a:p>
             <a:fld id="{D6B67E5F-B6A4-4BAD-AD4F-7827689952F0}" type="datetimeFigureOut">
               <a:rPr lang="en-US" smtClean="0"/>
-              <a:t>05/06/2018</a:t>
+              <a:t>05/12/2018</a:t>
             </a:fld>
             <a:endParaRPr lang="en-US"/>
           </a:p>
@@ -2123,7 +2123,7 @@
           <a:p>
             <a:fld id="{D6B67E5F-B6A4-4BAD-AD4F-7827689952F0}" type="datetimeFigureOut">
               <a:rPr lang="en-US" smtClean="0"/>
-              <a:t>05/06/2018</a:t>
+              <a:t>05/12/2018</a:t>
             </a:fld>
             <a:endParaRPr lang="en-US"/>
           </a:p>
@@ -2376,7 +2376,7 @@
           <a:p>
             <a:fld id="{D6B67E5F-B6A4-4BAD-AD4F-7827689952F0}" type="datetimeFigureOut">
               <a:rPr lang="en-US" smtClean="0"/>
-              <a:t>05/06/2018</a:t>
+              <a:t>05/12/2018</a:t>
             </a:fld>
             <a:endParaRPr lang="en-US"/>
           </a:p>
@@ -2619,7 +2619,7 @@
           <a:p>
             <a:fld id="{D6B67E5F-B6A4-4BAD-AD4F-7827689952F0}" type="datetimeFigureOut">
               <a:rPr lang="en-US" smtClean="0"/>
-              <a:t>05/06/2018</a:t>
+              <a:t>05/12/2018</a:t>
             </a:fld>
             <a:endParaRPr lang="en-US"/>
           </a:p>
@@ -3120,1725 +3120,6 @@
                 <a:ea typeface="Verdana" panose="020B0604030504040204" pitchFamily="34" charset="0"/>
                 <a:cs typeface="Verdana" panose="020B0604030504040204" pitchFamily="34" charset="0"/>
               </a:rPr>
-              <a:t>Data Description</a:t>
-            </a:r>
-            <a:endParaRPr lang="en-US" sz="4500" b="1" dirty="0">
-              <a:latin typeface="Verdana" panose="020B0604030504040204" pitchFamily="34" charset="0"/>
-              <a:ea typeface="Verdana" panose="020B0604030504040204" pitchFamily="34" charset="0"/>
-              <a:cs typeface="Verdana" panose="020B0604030504040204" pitchFamily="34" charset="0"/>
-            </a:endParaRPr>
-          </a:p>
-        </p:txBody>
-      </p:sp>
-      <p:sp>
-        <p:nvSpPr>
-          <p:cNvPr id="3" name="Subtitle 2"/>
-          <p:cNvSpPr>
-            <a:spLocks noGrp="1"/>
-          </p:cNvSpPr>
-          <p:nvPr>
-            <p:ph type="subTitle" idx="1"/>
-          </p:nvPr>
-        </p:nvSpPr>
-        <p:spPr>
-          <a:xfrm>
-            <a:off x="138545" y="1126836"/>
-            <a:ext cx="11877964" cy="5320146"/>
-          </a:xfrm>
-        </p:spPr>
-        <p:txBody>
-          <a:bodyPr>
-            <a:normAutofit fontScale="77500" lnSpcReduction="20000"/>
-          </a:bodyPr>
-          <a:lstStyle/>
-          <a:p>
-            <a:pPr algn="l" fontAlgn="base"/>
-            <a:r>
-              <a:rPr lang="en-US" dirty="0" err="1" smtClean="0"/>
-              <a:t>TotalBsmtSF</a:t>
-            </a:r>
-            <a:endParaRPr lang="en-US" dirty="0" smtClean="0"/>
-          </a:p>
-          <a:p>
-            <a:pPr algn="l" fontAlgn="base"/>
-            <a:r>
-              <a:rPr lang="en-US" dirty="0"/>
-              <a:t>	</a:t>
-            </a:r>
-            <a:r>
-              <a:rPr lang="en-US" dirty="0" smtClean="0"/>
-              <a:t>Total </a:t>
-            </a:r>
-            <a:r>
-              <a:rPr lang="en-US" dirty="0"/>
-              <a:t>square feet of basement area</a:t>
-            </a:r>
-          </a:p>
-          <a:p>
-            <a:pPr algn="l" fontAlgn="base"/>
-            <a:r>
-              <a:rPr lang="en-US" dirty="0" smtClean="0"/>
-              <a:t>Heating</a:t>
-            </a:r>
-          </a:p>
-          <a:p>
-            <a:pPr algn="l" fontAlgn="base"/>
-            <a:r>
-              <a:rPr lang="en-US" dirty="0"/>
-              <a:t>	</a:t>
-            </a:r>
-            <a:r>
-              <a:rPr lang="en-US" dirty="0" smtClean="0"/>
-              <a:t>Type </a:t>
-            </a:r>
-            <a:r>
-              <a:rPr lang="en-US" dirty="0"/>
-              <a:t>of heating</a:t>
-            </a:r>
-          </a:p>
-          <a:p>
-            <a:pPr algn="l" fontAlgn="base"/>
-            <a:r>
-              <a:rPr lang="en-US" dirty="0" err="1" smtClean="0"/>
-              <a:t>HeatingQC</a:t>
-            </a:r>
-            <a:endParaRPr lang="en-US" dirty="0" smtClean="0"/>
-          </a:p>
-          <a:p>
-            <a:pPr algn="l" fontAlgn="base"/>
-            <a:r>
-              <a:rPr lang="en-US" dirty="0"/>
-              <a:t>	</a:t>
-            </a:r>
-            <a:r>
-              <a:rPr lang="en-US" dirty="0" smtClean="0"/>
-              <a:t>Heating </a:t>
-            </a:r>
-            <a:r>
-              <a:rPr lang="en-US" dirty="0"/>
-              <a:t>quality and condition</a:t>
-            </a:r>
-          </a:p>
-          <a:p>
-            <a:pPr algn="l" fontAlgn="base"/>
-            <a:r>
-              <a:rPr lang="en-US" dirty="0" err="1" smtClean="0"/>
-              <a:t>CentralAir</a:t>
-            </a:r>
-            <a:endParaRPr lang="en-US" dirty="0" smtClean="0"/>
-          </a:p>
-          <a:p>
-            <a:pPr algn="l" fontAlgn="base"/>
-            <a:r>
-              <a:rPr lang="en-US" dirty="0"/>
-              <a:t>	</a:t>
-            </a:r>
-            <a:r>
-              <a:rPr lang="en-US" dirty="0" smtClean="0"/>
-              <a:t>Central </a:t>
-            </a:r>
-            <a:r>
-              <a:rPr lang="en-US" dirty="0"/>
-              <a:t>air conditioning</a:t>
-            </a:r>
-          </a:p>
-          <a:p>
-            <a:pPr algn="l" fontAlgn="base"/>
-            <a:r>
-              <a:rPr lang="en-US" dirty="0" smtClean="0"/>
-              <a:t>Electrical</a:t>
-            </a:r>
-          </a:p>
-          <a:p>
-            <a:pPr algn="l" fontAlgn="base"/>
-            <a:r>
-              <a:rPr lang="en-US" dirty="0"/>
-              <a:t>	</a:t>
-            </a:r>
-            <a:r>
-              <a:rPr lang="en-US" dirty="0" smtClean="0"/>
-              <a:t>Electrical </a:t>
-            </a:r>
-            <a:r>
-              <a:rPr lang="en-US" dirty="0"/>
-              <a:t>system</a:t>
-            </a:r>
-          </a:p>
-          <a:p>
-            <a:pPr algn="l" fontAlgn="base"/>
-            <a:r>
-              <a:rPr lang="en-US" dirty="0" smtClean="0"/>
-              <a:t>1stFlrSF</a:t>
-            </a:r>
-          </a:p>
-          <a:p>
-            <a:pPr algn="l" fontAlgn="base"/>
-            <a:r>
-              <a:rPr lang="en-US" dirty="0"/>
-              <a:t>	</a:t>
-            </a:r>
-            <a:r>
-              <a:rPr lang="en-US" dirty="0" smtClean="0"/>
-              <a:t>First </a:t>
-            </a:r>
-            <a:r>
-              <a:rPr lang="en-US" dirty="0"/>
-              <a:t>Floor square feet</a:t>
-            </a:r>
-          </a:p>
-          <a:p>
-            <a:pPr algn="l" fontAlgn="base"/>
-            <a:r>
-              <a:rPr lang="en-US" dirty="0" smtClean="0"/>
-              <a:t>2ndFlrSF</a:t>
-            </a:r>
-          </a:p>
-          <a:p>
-            <a:pPr algn="l" fontAlgn="base"/>
-            <a:r>
-              <a:rPr lang="en-US" dirty="0"/>
-              <a:t>	</a:t>
-            </a:r>
-            <a:r>
-              <a:rPr lang="en-US" dirty="0" smtClean="0"/>
-              <a:t>Second </a:t>
-            </a:r>
-            <a:r>
-              <a:rPr lang="en-US" dirty="0"/>
-              <a:t>floor square feet</a:t>
-            </a:r>
-          </a:p>
-          <a:p>
-            <a:pPr algn="l" fontAlgn="base"/>
-            <a:r>
-              <a:rPr lang="en-US" dirty="0" err="1" smtClean="0"/>
-              <a:t>LowQualFinSF</a:t>
-            </a:r>
-            <a:endParaRPr lang="en-US" dirty="0" smtClean="0"/>
-          </a:p>
-          <a:p>
-            <a:pPr algn="l" fontAlgn="base"/>
-            <a:r>
-              <a:rPr lang="en-US" dirty="0"/>
-              <a:t>	</a:t>
-            </a:r>
-            <a:r>
-              <a:rPr lang="en-US" dirty="0" smtClean="0"/>
-              <a:t>Low </a:t>
-            </a:r>
-            <a:r>
-              <a:rPr lang="en-US" dirty="0"/>
-              <a:t>quality finished square feet (all floors)</a:t>
-            </a:r>
-          </a:p>
-          <a:p>
-            <a:pPr algn="l" fontAlgn="base"/>
-            <a:endParaRPr lang="en-US" dirty="0"/>
-          </a:p>
-        </p:txBody>
-      </p:sp>
-    </p:spTree>
-    <p:extLst>
-      <p:ext uri="{BB962C8B-B14F-4D97-AF65-F5344CB8AC3E}">
-        <p14:creationId xmlns:p14="http://schemas.microsoft.com/office/powerpoint/2010/main" val="245388025"/>
-      </p:ext>
-    </p:extLst>
-  </p:cSld>
-  <p:clrMapOvr>
-    <a:masterClrMapping/>
-  </p:clrMapOvr>
-</p:sld>
-</file>
-
-<file path=ppt/slides/slide11.xml><?xml version="1.0" encoding="utf-8"?>
-<p:sld xmlns:a="http://schemas.openxmlformats.org/drawingml/2006/main" xmlns:r="http://schemas.openxmlformats.org/officeDocument/2006/relationships" xmlns:p="http://schemas.openxmlformats.org/presentationml/2006/main">
-  <p:cSld>
-    <p:spTree>
-      <p:nvGrpSpPr>
-        <p:cNvPr id="1" name=""/>
-        <p:cNvGrpSpPr/>
-        <p:nvPr/>
-      </p:nvGrpSpPr>
-      <p:grpSpPr>
-        <a:xfrm>
-          <a:off x="0" y="0"/>
-          <a:ext cx="0" cy="0"/>
-          <a:chOff x="0" y="0"/>
-          <a:chExt cx="0" cy="0"/>
-        </a:xfrm>
-      </p:grpSpPr>
-      <p:sp>
-        <p:nvSpPr>
-          <p:cNvPr id="2" name="Title 1"/>
-          <p:cNvSpPr>
-            <a:spLocks noGrp="1"/>
-          </p:cNvSpPr>
-          <p:nvPr>
-            <p:ph type="ctrTitle"/>
-          </p:nvPr>
-        </p:nvSpPr>
-        <p:spPr>
-          <a:xfrm>
-            <a:off x="138545" y="193964"/>
-            <a:ext cx="11877964" cy="738909"/>
-          </a:xfrm>
-        </p:spPr>
-        <p:txBody>
-          <a:bodyPr>
-            <a:normAutofit/>
-          </a:bodyPr>
-          <a:lstStyle/>
-          <a:p>
-            <a:r>
-              <a:rPr lang="en-US" sz="4500" b="1" dirty="0" smtClean="0">
-                <a:latin typeface="Verdana" panose="020B0604030504040204" pitchFamily="34" charset="0"/>
-                <a:ea typeface="Verdana" panose="020B0604030504040204" pitchFamily="34" charset="0"/>
-                <a:cs typeface="Verdana" panose="020B0604030504040204" pitchFamily="34" charset="0"/>
-              </a:rPr>
-              <a:t>Data Description</a:t>
-            </a:r>
-            <a:endParaRPr lang="en-US" sz="4500" b="1" dirty="0">
-              <a:latin typeface="Verdana" panose="020B0604030504040204" pitchFamily="34" charset="0"/>
-              <a:ea typeface="Verdana" panose="020B0604030504040204" pitchFamily="34" charset="0"/>
-              <a:cs typeface="Verdana" panose="020B0604030504040204" pitchFamily="34" charset="0"/>
-            </a:endParaRPr>
-          </a:p>
-        </p:txBody>
-      </p:sp>
-      <p:sp>
-        <p:nvSpPr>
-          <p:cNvPr id="3" name="Subtitle 2"/>
-          <p:cNvSpPr>
-            <a:spLocks noGrp="1"/>
-          </p:cNvSpPr>
-          <p:nvPr>
-            <p:ph type="subTitle" idx="1"/>
-          </p:nvPr>
-        </p:nvSpPr>
-        <p:spPr>
-          <a:xfrm>
-            <a:off x="138545" y="1126836"/>
-            <a:ext cx="11877964" cy="5320146"/>
-          </a:xfrm>
-        </p:spPr>
-        <p:txBody>
-          <a:bodyPr>
-            <a:normAutofit fontScale="77500" lnSpcReduction="20000"/>
-          </a:bodyPr>
-          <a:lstStyle/>
-          <a:p>
-            <a:pPr algn="l" fontAlgn="base"/>
-            <a:r>
-              <a:rPr lang="en-US" dirty="0" err="1" smtClean="0"/>
-              <a:t>GrLivArea</a:t>
-            </a:r>
-            <a:endParaRPr lang="en-US" dirty="0" smtClean="0"/>
-          </a:p>
-          <a:p>
-            <a:pPr algn="l" fontAlgn="base"/>
-            <a:r>
-              <a:rPr lang="en-US" dirty="0"/>
-              <a:t>	</a:t>
-            </a:r>
-            <a:r>
-              <a:rPr lang="en-US" dirty="0" smtClean="0"/>
-              <a:t>Above </a:t>
-            </a:r>
-            <a:r>
-              <a:rPr lang="en-US" dirty="0"/>
-              <a:t>grade (ground) living area square feet</a:t>
-            </a:r>
-          </a:p>
-          <a:p>
-            <a:pPr algn="l" fontAlgn="base"/>
-            <a:r>
-              <a:rPr lang="en-US" dirty="0" err="1" smtClean="0"/>
-              <a:t>BsmtFullBath</a:t>
-            </a:r>
-            <a:endParaRPr lang="en-US" dirty="0" smtClean="0"/>
-          </a:p>
-          <a:p>
-            <a:pPr algn="l" fontAlgn="base"/>
-            <a:r>
-              <a:rPr lang="en-US" dirty="0"/>
-              <a:t>	</a:t>
-            </a:r>
-            <a:r>
-              <a:rPr lang="en-US" dirty="0" smtClean="0"/>
-              <a:t>Basement </a:t>
-            </a:r>
-            <a:r>
-              <a:rPr lang="en-US" dirty="0"/>
-              <a:t>full bathrooms</a:t>
-            </a:r>
-          </a:p>
-          <a:p>
-            <a:pPr algn="l" fontAlgn="base"/>
-            <a:r>
-              <a:rPr lang="en-US" dirty="0" err="1" smtClean="0"/>
-              <a:t>BsmtHalfBath</a:t>
-            </a:r>
-            <a:endParaRPr lang="en-US" dirty="0" smtClean="0"/>
-          </a:p>
-          <a:p>
-            <a:pPr algn="l" fontAlgn="base"/>
-            <a:r>
-              <a:rPr lang="en-US" dirty="0"/>
-              <a:t>	</a:t>
-            </a:r>
-            <a:r>
-              <a:rPr lang="en-US" dirty="0" smtClean="0"/>
-              <a:t>Basement </a:t>
-            </a:r>
-            <a:r>
-              <a:rPr lang="en-US" dirty="0"/>
-              <a:t>half bathrooms</a:t>
-            </a:r>
-          </a:p>
-          <a:p>
-            <a:pPr algn="l" fontAlgn="base"/>
-            <a:r>
-              <a:rPr lang="en-US" dirty="0" err="1" smtClean="0"/>
-              <a:t>FullBath</a:t>
-            </a:r>
-            <a:endParaRPr lang="en-US" dirty="0" smtClean="0"/>
-          </a:p>
-          <a:p>
-            <a:pPr algn="l" fontAlgn="base"/>
-            <a:r>
-              <a:rPr lang="en-US" dirty="0"/>
-              <a:t>	</a:t>
-            </a:r>
-            <a:r>
-              <a:rPr lang="en-US" dirty="0" smtClean="0"/>
-              <a:t>Full </a:t>
-            </a:r>
-            <a:r>
-              <a:rPr lang="en-US" dirty="0"/>
-              <a:t>bathrooms above grade</a:t>
-            </a:r>
-          </a:p>
-          <a:p>
-            <a:pPr algn="l" fontAlgn="base"/>
-            <a:r>
-              <a:rPr lang="en-US" dirty="0" err="1" smtClean="0"/>
-              <a:t>HalfBath</a:t>
-            </a:r>
-            <a:endParaRPr lang="en-US" dirty="0" smtClean="0"/>
-          </a:p>
-          <a:p>
-            <a:pPr algn="l" fontAlgn="base"/>
-            <a:r>
-              <a:rPr lang="en-US" dirty="0"/>
-              <a:t>	</a:t>
-            </a:r>
-            <a:r>
-              <a:rPr lang="en-US" dirty="0" smtClean="0"/>
-              <a:t>Half </a:t>
-            </a:r>
-            <a:r>
-              <a:rPr lang="en-US" dirty="0"/>
-              <a:t>baths above grade</a:t>
-            </a:r>
-          </a:p>
-          <a:p>
-            <a:pPr algn="l" fontAlgn="base"/>
-            <a:r>
-              <a:rPr lang="en-US" dirty="0" smtClean="0"/>
-              <a:t>Bedroom</a:t>
-            </a:r>
-          </a:p>
-          <a:p>
-            <a:pPr algn="l" fontAlgn="base"/>
-            <a:r>
-              <a:rPr lang="en-US" dirty="0"/>
-              <a:t>	</a:t>
-            </a:r>
-            <a:r>
-              <a:rPr lang="en-US" dirty="0" smtClean="0"/>
-              <a:t>Number </a:t>
-            </a:r>
-            <a:r>
-              <a:rPr lang="en-US" dirty="0"/>
-              <a:t>of bedrooms above basement level</a:t>
-            </a:r>
-          </a:p>
-          <a:p>
-            <a:pPr algn="l" fontAlgn="base"/>
-            <a:r>
-              <a:rPr lang="en-US" dirty="0" smtClean="0"/>
-              <a:t>Kitchen</a:t>
-            </a:r>
-          </a:p>
-          <a:p>
-            <a:pPr algn="l" fontAlgn="base"/>
-            <a:r>
-              <a:rPr lang="en-US" dirty="0"/>
-              <a:t>	</a:t>
-            </a:r>
-            <a:r>
-              <a:rPr lang="en-US" dirty="0" smtClean="0"/>
-              <a:t>Number </a:t>
-            </a:r>
-            <a:r>
-              <a:rPr lang="en-US" dirty="0"/>
-              <a:t>of kitchens</a:t>
-            </a:r>
-          </a:p>
-          <a:p>
-            <a:pPr algn="l" fontAlgn="base"/>
-            <a:r>
-              <a:rPr lang="en-US" dirty="0" err="1" smtClean="0"/>
-              <a:t>KitchenQual</a:t>
-            </a:r>
-            <a:endParaRPr lang="en-US" dirty="0" smtClean="0"/>
-          </a:p>
-          <a:p>
-            <a:pPr algn="l" fontAlgn="base"/>
-            <a:r>
-              <a:rPr lang="en-US" dirty="0"/>
-              <a:t>	</a:t>
-            </a:r>
-            <a:r>
-              <a:rPr lang="en-US" dirty="0" smtClean="0"/>
-              <a:t> </a:t>
-            </a:r>
-            <a:r>
-              <a:rPr lang="en-US" dirty="0"/>
-              <a:t>Kitchen quality</a:t>
-            </a:r>
-          </a:p>
-          <a:p>
-            <a:pPr algn="l" fontAlgn="base"/>
-            <a:endParaRPr lang="en-US" dirty="0"/>
-          </a:p>
-        </p:txBody>
-      </p:sp>
-    </p:spTree>
-    <p:extLst>
-      <p:ext uri="{BB962C8B-B14F-4D97-AF65-F5344CB8AC3E}">
-        <p14:creationId xmlns:p14="http://schemas.microsoft.com/office/powerpoint/2010/main" val="4067162767"/>
-      </p:ext>
-    </p:extLst>
-  </p:cSld>
-  <p:clrMapOvr>
-    <a:masterClrMapping/>
-  </p:clrMapOvr>
-</p:sld>
-</file>
-
-<file path=ppt/slides/slide12.xml><?xml version="1.0" encoding="utf-8"?>
-<p:sld xmlns:a="http://schemas.openxmlformats.org/drawingml/2006/main" xmlns:r="http://schemas.openxmlformats.org/officeDocument/2006/relationships" xmlns:p="http://schemas.openxmlformats.org/presentationml/2006/main">
-  <p:cSld>
-    <p:spTree>
-      <p:nvGrpSpPr>
-        <p:cNvPr id="1" name=""/>
-        <p:cNvGrpSpPr/>
-        <p:nvPr/>
-      </p:nvGrpSpPr>
-      <p:grpSpPr>
-        <a:xfrm>
-          <a:off x="0" y="0"/>
-          <a:ext cx="0" cy="0"/>
-          <a:chOff x="0" y="0"/>
-          <a:chExt cx="0" cy="0"/>
-        </a:xfrm>
-      </p:grpSpPr>
-      <p:sp>
-        <p:nvSpPr>
-          <p:cNvPr id="2" name="Title 1"/>
-          <p:cNvSpPr>
-            <a:spLocks noGrp="1"/>
-          </p:cNvSpPr>
-          <p:nvPr>
-            <p:ph type="ctrTitle"/>
-          </p:nvPr>
-        </p:nvSpPr>
-        <p:spPr>
-          <a:xfrm>
-            <a:off x="138545" y="193964"/>
-            <a:ext cx="11877964" cy="738909"/>
-          </a:xfrm>
-        </p:spPr>
-        <p:txBody>
-          <a:bodyPr>
-            <a:normAutofit/>
-          </a:bodyPr>
-          <a:lstStyle/>
-          <a:p>
-            <a:r>
-              <a:rPr lang="en-US" sz="4500" b="1" dirty="0" smtClean="0">
-                <a:latin typeface="Verdana" panose="020B0604030504040204" pitchFamily="34" charset="0"/>
-                <a:ea typeface="Verdana" panose="020B0604030504040204" pitchFamily="34" charset="0"/>
-                <a:cs typeface="Verdana" panose="020B0604030504040204" pitchFamily="34" charset="0"/>
-              </a:rPr>
-              <a:t>Data Description</a:t>
-            </a:r>
-            <a:endParaRPr lang="en-US" sz="4500" b="1" dirty="0">
-              <a:latin typeface="Verdana" panose="020B0604030504040204" pitchFamily="34" charset="0"/>
-              <a:ea typeface="Verdana" panose="020B0604030504040204" pitchFamily="34" charset="0"/>
-              <a:cs typeface="Verdana" panose="020B0604030504040204" pitchFamily="34" charset="0"/>
-            </a:endParaRPr>
-          </a:p>
-        </p:txBody>
-      </p:sp>
-      <p:sp>
-        <p:nvSpPr>
-          <p:cNvPr id="3" name="Subtitle 2"/>
-          <p:cNvSpPr>
-            <a:spLocks noGrp="1"/>
-          </p:cNvSpPr>
-          <p:nvPr>
-            <p:ph type="subTitle" idx="1"/>
-          </p:nvPr>
-        </p:nvSpPr>
-        <p:spPr>
-          <a:xfrm>
-            <a:off x="138545" y="1126836"/>
-            <a:ext cx="11877964" cy="5320146"/>
-          </a:xfrm>
-        </p:spPr>
-        <p:txBody>
-          <a:bodyPr>
-            <a:normAutofit fontScale="92500" lnSpcReduction="20000"/>
-          </a:bodyPr>
-          <a:lstStyle/>
-          <a:p>
-            <a:pPr algn="l" fontAlgn="base"/>
-            <a:r>
-              <a:rPr lang="en-US" dirty="0" err="1" smtClean="0"/>
-              <a:t>TotRmsAbvGrd</a:t>
-            </a:r>
-            <a:endParaRPr lang="en-US" dirty="0" smtClean="0"/>
-          </a:p>
-          <a:p>
-            <a:pPr algn="l" fontAlgn="base"/>
-            <a:r>
-              <a:rPr lang="en-US" dirty="0"/>
-              <a:t>	</a:t>
-            </a:r>
-            <a:r>
-              <a:rPr lang="en-US" dirty="0" smtClean="0"/>
-              <a:t>Total </a:t>
-            </a:r>
-            <a:r>
-              <a:rPr lang="en-US" dirty="0"/>
-              <a:t>rooms above grade (does not include bathrooms)</a:t>
-            </a:r>
-          </a:p>
-          <a:p>
-            <a:pPr algn="l" fontAlgn="base"/>
-            <a:r>
-              <a:rPr lang="en-US" dirty="0" smtClean="0"/>
-              <a:t>Functional</a:t>
-            </a:r>
-          </a:p>
-          <a:p>
-            <a:pPr algn="l" fontAlgn="base"/>
-            <a:r>
-              <a:rPr lang="en-US" dirty="0"/>
-              <a:t>	</a:t>
-            </a:r>
-            <a:r>
-              <a:rPr lang="en-US" dirty="0" smtClean="0"/>
-              <a:t>Home </a:t>
-            </a:r>
-            <a:r>
-              <a:rPr lang="en-US" dirty="0"/>
-              <a:t>functionality rating</a:t>
-            </a:r>
-          </a:p>
-          <a:p>
-            <a:pPr algn="l" fontAlgn="base"/>
-            <a:r>
-              <a:rPr lang="en-US" dirty="0" smtClean="0"/>
-              <a:t>Fireplaces</a:t>
-            </a:r>
-          </a:p>
-          <a:p>
-            <a:pPr algn="l" fontAlgn="base"/>
-            <a:r>
-              <a:rPr lang="en-US" dirty="0"/>
-              <a:t>	</a:t>
-            </a:r>
-            <a:r>
-              <a:rPr lang="en-US" dirty="0" smtClean="0"/>
-              <a:t>Number </a:t>
-            </a:r>
-            <a:r>
-              <a:rPr lang="en-US" dirty="0"/>
-              <a:t>of fireplaces</a:t>
-            </a:r>
-          </a:p>
-          <a:p>
-            <a:pPr algn="l" fontAlgn="base"/>
-            <a:r>
-              <a:rPr lang="en-US" dirty="0" err="1" smtClean="0"/>
-              <a:t>FireplaceQu</a:t>
-            </a:r>
-            <a:endParaRPr lang="en-US" dirty="0" smtClean="0"/>
-          </a:p>
-          <a:p>
-            <a:pPr algn="l" fontAlgn="base"/>
-            <a:r>
-              <a:rPr lang="en-US" dirty="0"/>
-              <a:t>	</a:t>
-            </a:r>
-            <a:r>
-              <a:rPr lang="en-US" dirty="0" smtClean="0"/>
-              <a:t>Fireplace </a:t>
-            </a:r>
-            <a:r>
-              <a:rPr lang="en-US" dirty="0"/>
-              <a:t>quality</a:t>
-            </a:r>
-          </a:p>
-          <a:p>
-            <a:pPr algn="l" fontAlgn="base"/>
-            <a:r>
-              <a:rPr lang="en-US" dirty="0" err="1" smtClean="0"/>
-              <a:t>GarageType</a:t>
-            </a:r>
-            <a:endParaRPr lang="en-US" dirty="0" smtClean="0"/>
-          </a:p>
-          <a:p>
-            <a:pPr algn="l" fontAlgn="base"/>
-            <a:r>
-              <a:rPr lang="en-US" dirty="0"/>
-              <a:t>	</a:t>
-            </a:r>
-            <a:r>
-              <a:rPr lang="en-US" dirty="0" smtClean="0"/>
-              <a:t>Garage </a:t>
-            </a:r>
-            <a:r>
-              <a:rPr lang="en-US" dirty="0"/>
-              <a:t>location</a:t>
-            </a:r>
-          </a:p>
-          <a:p>
-            <a:pPr algn="l" fontAlgn="base"/>
-            <a:r>
-              <a:rPr lang="en-US" dirty="0" err="1" smtClean="0"/>
-              <a:t>GarageYrBlt</a:t>
-            </a:r>
-            <a:endParaRPr lang="en-US" dirty="0" smtClean="0"/>
-          </a:p>
-          <a:p>
-            <a:pPr algn="l" fontAlgn="base"/>
-            <a:r>
-              <a:rPr lang="en-US" dirty="0"/>
-              <a:t>	</a:t>
-            </a:r>
-            <a:r>
-              <a:rPr lang="en-US" dirty="0" smtClean="0"/>
-              <a:t> </a:t>
-            </a:r>
-            <a:r>
-              <a:rPr lang="en-US" dirty="0"/>
-              <a:t>Year garage was built</a:t>
-            </a:r>
-          </a:p>
-          <a:p>
-            <a:pPr algn="l" fontAlgn="base"/>
-            <a:r>
-              <a:rPr lang="en-US" dirty="0" err="1" smtClean="0"/>
-              <a:t>GarageFinish</a:t>
-            </a:r>
-            <a:endParaRPr lang="en-US" dirty="0" smtClean="0"/>
-          </a:p>
-          <a:p>
-            <a:pPr algn="l" fontAlgn="base"/>
-            <a:r>
-              <a:rPr lang="en-US" dirty="0"/>
-              <a:t>	</a:t>
-            </a:r>
-            <a:r>
-              <a:rPr lang="en-US" dirty="0" smtClean="0"/>
-              <a:t>Interior </a:t>
-            </a:r>
-            <a:r>
-              <a:rPr lang="en-US" dirty="0"/>
-              <a:t>finish of the garage</a:t>
-            </a:r>
-          </a:p>
-          <a:p>
-            <a:pPr algn="l" fontAlgn="base"/>
-            <a:endParaRPr lang="en-US" dirty="0"/>
-          </a:p>
-        </p:txBody>
-      </p:sp>
-    </p:spTree>
-    <p:extLst>
-      <p:ext uri="{BB962C8B-B14F-4D97-AF65-F5344CB8AC3E}">
-        <p14:creationId xmlns:p14="http://schemas.microsoft.com/office/powerpoint/2010/main" val="1724456155"/>
-      </p:ext>
-    </p:extLst>
-  </p:cSld>
-  <p:clrMapOvr>
-    <a:masterClrMapping/>
-  </p:clrMapOvr>
-</p:sld>
-</file>
-
-<file path=ppt/slides/slide13.xml><?xml version="1.0" encoding="utf-8"?>
-<p:sld xmlns:a="http://schemas.openxmlformats.org/drawingml/2006/main" xmlns:r="http://schemas.openxmlformats.org/officeDocument/2006/relationships" xmlns:p="http://schemas.openxmlformats.org/presentationml/2006/main">
-  <p:cSld>
-    <p:spTree>
-      <p:nvGrpSpPr>
-        <p:cNvPr id="1" name=""/>
-        <p:cNvGrpSpPr/>
-        <p:nvPr/>
-      </p:nvGrpSpPr>
-      <p:grpSpPr>
-        <a:xfrm>
-          <a:off x="0" y="0"/>
-          <a:ext cx="0" cy="0"/>
-          <a:chOff x="0" y="0"/>
-          <a:chExt cx="0" cy="0"/>
-        </a:xfrm>
-      </p:grpSpPr>
-      <p:sp>
-        <p:nvSpPr>
-          <p:cNvPr id="2" name="Title 1"/>
-          <p:cNvSpPr>
-            <a:spLocks noGrp="1"/>
-          </p:cNvSpPr>
-          <p:nvPr>
-            <p:ph type="ctrTitle"/>
-          </p:nvPr>
-        </p:nvSpPr>
-        <p:spPr>
-          <a:xfrm>
-            <a:off x="138545" y="193964"/>
-            <a:ext cx="11877964" cy="738909"/>
-          </a:xfrm>
-        </p:spPr>
-        <p:txBody>
-          <a:bodyPr>
-            <a:normAutofit/>
-          </a:bodyPr>
-          <a:lstStyle/>
-          <a:p>
-            <a:r>
-              <a:rPr lang="en-US" sz="4500" b="1" dirty="0" smtClean="0">
-                <a:latin typeface="Verdana" panose="020B0604030504040204" pitchFamily="34" charset="0"/>
-                <a:ea typeface="Verdana" panose="020B0604030504040204" pitchFamily="34" charset="0"/>
-                <a:cs typeface="Verdana" panose="020B0604030504040204" pitchFamily="34" charset="0"/>
-              </a:rPr>
-              <a:t>Data Description</a:t>
-            </a:r>
-            <a:endParaRPr lang="en-US" sz="4500" b="1" dirty="0">
-              <a:latin typeface="Verdana" panose="020B0604030504040204" pitchFamily="34" charset="0"/>
-              <a:ea typeface="Verdana" panose="020B0604030504040204" pitchFamily="34" charset="0"/>
-              <a:cs typeface="Verdana" panose="020B0604030504040204" pitchFamily="34" charset="0"/>
-            </a:endParaRPr>
-          </a:p>
-        </p:txBody>
-      </p:sp>
-      <p:sp>
-        <p:nvSpPr>
-          <p:cNvPr id="3" name="Subtitle 2"/>
-          <p:cNvSpPr>
-            <a:spLocks noGrp="1"/>
-          </p:cNvSpPr>
-          <p:nvPr>
-            <p:ph type="subTitle" idx="1"/>
-          </p:nvPr>
-        </p:nvSpPr>
-        <p:spPr>
-          <a:xfrm>
-            <a:off x="138545" y="1126836"/>
-            <a:ext cx="11877964" cy="5320146"/>
-          </a:xfrm>
-        </p:spPr>
-        <p:txBody>
-          <a:bodyPr>
-            <a:normAutofit lnSpcReduction="10000"/>
-          </a:bodyPr>
-          <a:lstStyle/>
-          <a:p>
-            <a:pPr algn="l" fontAlgn="base"/>
-            <a:r>
-              <a:rPr lang="en-US" dirty="0" err="1" smtClean="0"/>
-              <a:t>GarageCars</a:t>
-            </a:r>
-            <a:endParaRPr lang="en-US" dirty="0" smtClean="0"/>
-          </a:p>
-          <a:p>
-            <a:pPr algn="l" fontAlgn="base"/>
-            <a:r>
-              <a:rPr lang="en-US" dirty="0"/>
-              <a:t>	</a:t>
-            </a:r>
-            <a:r>
-              <a:rPr lang="en-US" dirty="0" smtClean="0"/>
-              <a:t>Size </a:t>
-            </a:r>
-            <a:r>
-              <a:rPr lang="en-US" dirty="0"/>
-              <a:t>of garage in car capacity</a:t>
-            </a:r>
-          </a:p>
-          <a:p>
-            <a:pPr algn="l" fontAlgn="base"/>
-            <a:r>
-              <a:rPr lang="en-US" dirty="0" err="1" smtClean="0"/>
-              <a:t>GarageArea</a:t>
-            </a:r>
-            <a:endParaRPr lang="en-US" dirty="0" smtClean="0"/>
-          </a:p>
-          <a:p>
-            <a:pPr algn="l" fontAlgn="base"/>
-            <a:r>
-              <a:rPr lang="en-US" dirty="0"/>
-              <a:t>	</a:t>
-            </a:r>
-            <a:r>
-              <a:rPr lang="en-US" dirty="0" smtClean="0"/>
-              <a:t>Size </a:t>
-            </a:r>
-            <a:r>
-              <a:rPr lang="en-US" dirty="0"/>
-              <a:t>of garage in square feet</a:t>
-            </a:r>
-          </a:p>
-          <a:p>
-            <a:pPr algn="l" fontAlgn="base"/>
-            <a:r>
-              <a:rPr lang="en-US" dirty="0" err="1" smtClean="0"/>
-              <a:t>GarageQual</a:t>
-            </a:r>
-            <a:endParaRPr lang="en-US" dirty="0" smtClean="0"/>
-          </a:p>
-          <a:p>
-            <a:pPr algn="l" fontAlgn="base"/>
-            <a:r>
-              <a:rPr lang="en-US" dirty="0"/>
-              <a:t>	</a:t>
-            </a:r>
-            <a:r>
-              <a:rPr lang="en-US" dirty="0" smtClean="0"/>
-              <a:t>Garage </a:t>
-            </a:r>
-            <a:r>
-              <a:rPr lang="en-US" dirty="0"/>
-              <a:t>quality</a:t>
-            </a:r>
-          </a:p>
-          <a:p>
-            <a:pPr algn="l" fontAlgn="base"/>
-            <a:r>
-              <a:rPr lang="en-US" dirty="0" err="1" smtClean="0"/>
-              <a:t>GarageCond</a:t>
-            </a:r>
-            <a:endParaRPr lang="en-US" dirty="0" smtClean="0"/>
-          </a:p>
-          <a:p>
-            <a:pPr algn="l" fontAlgn="base"/>
-            <a:r>
-              <a:rPr lang="en-US" dirty="0"/>
-              <a:t>	</a:t>
-            </a:r>
-            <a:r>
-              <a:rPr lang="en-US" dirty="0" smtClean="0"/>
-              <a:t>Garage </a:t>
-            </a:r>
-            <a:r>
-              <a:rPr lang="en-US" dirty="0"/>
-              <a:t>condition</a:t>
-            </a:r>
-          </a:p>
-          <a:p>
-            <a:pPr algn="l" fontAlgn="base"/>
-            <a:r>
-              <a:rPr lang="en-US" dirty="0" err="1" smtClean="0"/>
-              <a:t>PavedDrive</a:t>
-            </a:r>
-            <a:endParaRPr lang="en-US" dirty="0" smtClean="0"/>
-          </a:p>
-          <a:p>
-            <a:pPr algn="l" fontAlgn="base"/>
-            <a:r>
-              <a:rPr lang="en-US" dirty="0"/>
-              <a:t>	</a:t>
-            </a:r>
-            <a:r>
-              <a:rPr lang="en-US" dirty="0" smtClean="0"/>
-              <a:t>Paved </a:t>
-            </a:r>
-            <a:r>
-              <a:rPr lang="en-US" dirty="0"/>
-              <a:t>driveway</a:t>
-            </a:r>
-          </a:p>
-          <a:p>
-            <a:pPr algn="l" fontAlgn="base"/>
-            <a:r>
-              <a:rPr lang="en-US" dirty="0" err="1" smtClean="0"/>
-              <a:t>WoodDeckSF</a:t>
-            </a:r>
-            <a:endParaRPr lang="en-US" dirty="0" smtClean="0"/>
-          </a:p>
-          <a:p>
-            <a:pPr algn="l" fontAlgn="base"/>
-            <a:r>
-              <a:rPr lang="en-US" dirty="0"/>
-              <a:t>	</a:t>
-            </a:r>
-            <a:r>
-              <a:rPr lang="en-US" dirty="0" smtClean="0"/>
-              <a:t>Wood </a:t>
-            </a:r>
-            <a:r>
-              <a:rPr lang="en-US" dirty="0"/>
-              <a:t>deck area in square feet</a:t>
-            </a:r>
-          </a:p>
-          <a:p>
-            <a:pPr algn="l" fontAlgn="base"/>
-            <a:endParaRPr lang="en-US" dirty="0"/>
-          </a:p>
-        </p:txBody>
-      </p:sp>
-    </p:spTree>
-    <p:extLst>
-      <p:ext uri="{BB962C8B-B14F-4D97-AF65-F5344CB8AC3E}">
-        <p14:creationId xmlns:p14="http://schemas.microsoft.com/office/powerpoint/2010/main" val="3563406399"/>
-      </p:ext>
-    </p:extLst>
-  </p:cSld>
-  <p:clrMapOvr>
-    <a:masterClrMapping/>
-  </p:clrMapOvr>
-</p:sld>
-</file>
-
-<file path=ppt/slides/slide14.xml><?xml version="1.0" encoding="utf-8"?>
-<p:sld xmlns:a="http://schemas.openxmlformats.org/drawingml/2006/main" xmlns:r="http://schemas.openxmlformats.org/officeDocument/2006/relationships" xmlns:p="http://schemas.openxmlformats.org/presentationml/2006/main">
-  <p:cSld>
-    <p:spTree>
-      <p:nvGrpSpPr>
-        <p:cNvPr id="1" name=""/>
-        <p:cNvGrpSpPr/>
-        <p:nvPr/>
-      </p:nvGrpSpPr>
-      <p:grpSpPr>
-        <a:xfrm>
-          <a:off x="0" y="0"/>
-          <a:ext cx="0" cy="0"/>
-          <a:chOff x="0" y="0"/>
-          <a:chExt cx="0" cy="0"/>
-        </a:xfrm>
-      </p:grpSpPr>
-      <p:sp>
-        <p:nvSpPr>
-          <p:cNvPr id="2" name="Title 1"/>
-          <p:cNvSpPr>
-            <a:spLocks noGrp="1"/>
-          </p:cNvSpPr>
-          <p:nvPr>
-            <p:ph type="ctrTitle"/>
-          </p:nvPr>
-        </p:nvSpPr>
-        <p:spPr>
-          <a:xfrm>
-            <a:off x="138545" y="193964"/>
-            <a:ext cx="11877964" cy="738909"/>
-          </a:xfrm>
-        </p:spPr>
-        <p:txBody>
-          <a:bodyPr>
-            <a:normAutofit/>
-          </a:bodyPr>
-          <a:lstStyle/>
-          <a:p>
-            <a:r>
-              <a:rPr lang="en-US" sz="4500" b="1" dirty="0" smtClean="0">
-                <a:latin typeface="Verdana" panose="020B0604030504040204" pitchFamily="34" charset="0"/>
-                <a:ea typeface="Verdana" panose="020B0604030504040204" pitchFamily="34" charset="0"/>
-                <a:cs typeface="Verdana" panose="020B0604030504040204" pitchFamily="34" charset="0"/>
-              </a:rPr>
-              <a:t>Data Description</a:t>
-            </a:r>
-            <a:endParaRPr lang="en-US" sz="4500" b="1" dirty="0">
-              <a:latin typeface="Verdana" panose="020B0604030504040204" pitchFamily="34" charset="0"/>
-              <a:ea typeface="Verdana" panose="020B0604030504040204" pitchFamily="34" charset="0"/>
-              <a:cs typeface="Verdana" panose="020B0604030504040204" pitchFamily="34" charset="0"/>
-            </a:endParaRPr>
-          </a:p>
-        </p:txBody>
-      </p:sp>
-      <p:sp>
-        <p:nvSpPr>
-          <p:cNvPr id="3" name="Subtitle 2"/>
-          <p:cNvSpPr>
-            <a:spLocks noGrp="1"/>
-          </p:cNvSpPr>
-          <p:nvPr>
-            <p:ph type="subTitle" idx="1"/>
-          </p:nvPr>
-        </p:nvSpPr>
-        <p:spPr>
-          <a:xfrm>
-            <a:off x="138545" y="1126836"/>
-            <a:ext cx="11877964" cy="5320146"/>
-          </a:xfrm>
-        </p:spPr>
-        <p:txBody>
-          <a:bodyPr>
-            <a:normAutofit fontScale="92500" lnSpcReduction="20000"/>
-          </a:bodyPr>
-          <a:lstStyle/>
-          <a:p>
-            <a:pPr algn="l" fontAlgn="base"/>
-            <a:r>
-              <a:rPr lang="en-US" dirty="0" err="1" smtClean="0"/>
-              <a:t>OpenPorchSF</a:t>
-            </a:r>
-            <a:endParaRPr lang="en-US" dirty="0" smtClean="0"/>
-          </a:p>
-          <a:p>
-            <a:pPr algn="l" fontAlgn="base"/>
-            <a:r>
-              <a:rPr lang="en-US" dirty="0"/>
-              <a:t>	</a:t>
-            </a:r>
-            <a:r>
-              <a:rPr lang="en-US" dirty="0" smtClean="0"/>
-              <a:t>Open </a:t>
-            </a:r>
-            <a:r>
-              <a:rPr lang="en-US" dirty="0"/>
-              <a:t>porch area in square feet</a:t>
-            </a:r>
-          </a:p>
-          <a:p>
-            <a:pPr algn="l" fontAlgn="base"/>
-            <a:r>
-              <a:rPr lang="en-US" dirty="0" err="1" smtClean="0"/>
-              <a:t>EnclosedPorch</a:t>
-            </a:r>
-            <a:endParaRPr lang="en-US" dirty="0" smtClean="0"/>
-          </a:p>
-          <a:p>
-            <a:pPr algn="l" fontAlgn="base"/>
-            <a:r>
-              <a:rPr lang="en-US" dirty="0"/>
-              <a:t>	</a:t>
-            </a:r>
-            <a:r>
-              <a:rPr lang="en-US" dirty="0" smtClean="0"/>
-              <a:t>Enclosed </a:t>
-            </a:r>
-            <a:r>
-              <a:rPr lang="en-US" dirty="0"/>
-              <a:t>porch area in square feet</a:t>
-            </a:r>
-          </a:p>
-          <a:p>
-            <a:pPr algn="l" fontAlgn="base"/>
-            <a:r>
-              <a:rPr lang="en-US" dirty="0" smtClean="0"/>
-              <a:t>3SsnPorch</a:t>
-            </a:r>
-          </a:p>
-          <a:p>
-            <a:pPr algn="l" fontAlgn="base"/>
-            <a:r>
-              <a:rPr lang="en-US" dirty="0"/>
-              <a:t>	</a:t>
-            </a:r>
-            <a:r>
-              <a:rPr lang="en-US" dirty="0" smtClean="0"/>
-              <a:t>Three </a:t>
-            </a:r>
-            <a:r>
-              <a:rPr lang="en-US" dirty="0"/>
-              <a:t>season porch area in square feet</a:t>
-            </a:r>
-          </a:p>
-          <a:p>
-            <a:pPr algn="l" fontAlgn="base"/>
-            <a:r>
-              <a:rPr lang="en-US" dirty="0" err="1" smtClean="0"/>
-              <a:t>ScreenPorch</a:t>
-            </a:r>
-            <a:endParaRPr lang="en-US" dirty="0" smtClean="0"/>
-          </a:p>
-          <a:p>
-            <a:pPr algn="l" fontAlgn="base"/>
-            <a:r>
-              <a:rPr lang="en-US" dirty="0"/>
-              <a:t>	</a:t>
-            </a:r>
-            <a:r>
-              <a:rPr lang="en-US" dirty="0" smtClean="0"/>
-              <a:t>Screen </a:t>
-            </a:r>
-            <a:r>
-              <a:rPr lang="en-US" dirty="0"/>
-              <a:t>porch area in square feet</a:t>
-            </a:r>
-          </a:p>
-          <a:p>
-            <a:pPr algn="l" fontAlgn="base"/>
-            <a:r>
-              <a:rPr lang="en-US" dirty="0" err="1" smtClean="0"/>
-              <a:t>PoolArea</a:t>
-            </a:r>
-            <a:endParaRPr lang="en-US" dirty="0" smtClean="0"/>
-          </a:p>
-          <a:p>
-            <a:pPr algn="l" fontAlgn="base"/>
-            <a:r>
-              <a:rPr lang="en-US" dirty="0"/>
-              <a:t>	</a:t>
-            </a:r>
-            <a:r>
-              <a:rPr lang="en-US" dirty="0" smtClean="0"/>
-              <a:t>Pool </a:t>
-            </a:r>
-            <a:r>
-              <a:rPr lang="en-US" dirty="0"/>
-              <a:t>area in square feet</a:t>
-            </a:r>
-          </a:p>
-          <a:p>
-            <a:pPr algn="l" fontAlgn="base"/>
-            <a:r>
-              <a:rPr lang="en-US" dirty="0" err="1" smtClean="0"/>
-              <a:t>PoolQC</a:t>
-            </a:r>
-            <a:endParaRPr lang="en-US" dirty="0" smtClean="0"/>
-          </a:p>
-          <a:p>
-            <a:pPr algn="l" fontAlgn="base"/>
-            <a:r>
-              <a:rPr lang="en-US" dirty="0" smtClean="0"/>
-              <a:t>	Pool </a:t>
-            </a:r>
-            <a:r>
-              <a:rPr lang="en-US" dirty="0"/>
-              <a:t>quality</a:t>
-            </a:r>
-          </a:p>
-          <a:p>
-            <a:pPr algn="l" fontAlgn="base"/>
-            <a:r>
-              <a:rPr lang="en-US" dirty="0" smtClean="0"/>
-              <a:t>Fence</a:t>
-            </a:r>
-          </a:p>
-          <a:p>
-            <a:pPr algn="l" fontAlgn="base"/>
-            <a:r>
-              <a:rPr lang="en-US" dirty="0"/>
-              <a:t>	</a:t>
-            </a:r>
-            <a:r>
-              <a:rPr lang="en-US" dirty="0" smtClean="0"/>
-              <a:t>Fence </a:t>
-            </a:r>
-            <a:r>
-              <a:rPr lang="en-US" dirty="0"/>
-              <a:t>quality</a:t>
-            </a:r>
-          </a:p>
-          <a:p>
-            <a:pPr algn="l" fontAlgn="base"/>
-            <a:endParaRPr lang="en-US" dirty="0"/>
-          </a:p>
-        </p:txBody>
-      </p:sp>
-    </p:spTree>
-    <p:extLst>
-      <p:ext uri="{BB962C8B-B14F-4D97-AF65-F5344CB8AC3E}">
-        <p14:creationId xmlns:p14="http://schemas.microsoft.com/office/powerpoint/2010/main" val="1371383101"/>
-      </p:ext>
-    </p:extLst>
-  </p:cSld>
-  <p:clrMapOvr>
-    <a:masterClrMapping/>
-  </p:clrMapOvr>
-</p:sld>
-</file>
-
-<file path=ppt/slides/slide15.xml><?xml version="1.0" encoding="utf-8"?>
-<p:sld xmlns:a="http://schemas.openxmlformats.org/drawingml/2006/main" xmlns:r="http://schemas.openxmlformats.org/officeDocument/2006/relationships" xmlns:p="http://schemas.openxmlformats.org/presentationml/2006/main">
-  <p:cSld>
-    <p:spTree>
-      <p:nvGrpSpPr>
-        <p:cNvPr id="1" name=""/>
-        <p:cNvGrpSpPr/>
-        <p:nvPr/>
-      </p:nvGrpSpPr>
-      <p:grpSpPr>
-        <a:xfrm>
-          <a:off x="0" y="0"/>
-          <a:ext cx="0" cy="0"/>
-          <a:chOff x="0" y="0"/>
-          <a:chExt cx="0" cy="0"/>
-        </a:xfrm>
-      </p:grpSpPr>
-      <p:sp>
-        <p:nvSpPr>
-          <p:cNvPr id="2" name="Title 1"/>
-          <p:cNvSpPr>
-            <a:spLocks noGrp="1"/>
-          </p:cNvSpPr>
-          <p:nvPr>
-            <p:ph type="ctrTitle"/>
-          </p:nvPr>
-        </p:nvSpPr>
-        <p:spPr>
-          <a:xfrm>
-            <a:off x="138545" y="193964"/>
-            <a:ext cx="11877964" cy="738909"/>
-          </a:xfrm>
-        </p:spPr>
-        <p:txBody>
-          <a:bodyPr>
-            <a:normAutofit/>
-          </a:bodyPr>
-          <a:lstStyle/>
-          <a:p>
-            <a:r>
-              <a:rPr lang="en-US" sz="4500" b="1" dirty="0" smtClean="0">
-                <a:latin typeface="Verdana" panose="020B0604030504040204" pitchFamily="34" charset="0"/>
-                <a:ea typeface="Verdana" panose="020B0604030504040204" pitchFamily="34" charset="0"/>
-                <a:cs typeface="Verdana" panose="020B0604030504040204" pitchFamily="34" charset="0"/>
-              </a:rPr>
-              <a:t>Data Description</a:t>
-            </a:r>
-            <a:endParaRPr lang="en-US" sz="4500" b="1" dirty="0">
-              <a:latin typeface="Verdana" panose="020B0604030504040204" pitchFamily="34" charset="0"/>
-              <a:ea typeface="Verdana" panose="020B0604030504040204" pitchFamily="34" charset="0"/>
-              <a:cs typeface="Verdana" panose="020B0604030504040204" pitchFamily="34" charset="0"/>
-            </a:endParaRPr>
-          </a:p>
-        </p:txBody>
-      </p:sp>
-      <p:sp>
-        <p:nvSpPr>
-          <p:cNvPr id="3" name="Subtitle 2"/>
-          <p:cNvSpPr>
-            <a:spLocks noGrp="1"/>
-          </p:cNvSpPr>
-          <p:nvPr>
-            <p:ph type="subTitle" idx="1"/>
-          </p:nvPr>
-        </p:nvSpPr>
-        <p:spPr>
-          <a:xfrm>
-            <a:off x="138545" y="1126836"/>
-            <a:ext cx="11877964" cy="5320146"/>
-          </a:xfrm>
-        </p:spPr>
-        <p:txBody>
-          <a:bodyPr>
-            <a:normAutofit lnSpcReduction="10000"/>
-          </a:bodyPr>
-          <a:lstStyle/>
-          <a:p>
-            <a:pPr algn="l" fontAlgn="base"/>
-            <a:r>
-              <a:rPr lang="en-US" dirty="0" err="1" smtClean="0"/>
-              <a:t>MiscFeature</a:t>
-            </a:r>
-            <a:endParaRPr lang="en-US" dirty="0" smtClean="0"/>
-          </a:p>
-          <a:p>
-            <a:pPr algn="l" fontAlgn="base"/>
-            <a:r>
-              <a:rPr lang="en-US" dirty="0"/>
-              <a:t>	</a:t>
-            </a:r>
-            <a:r>
-              <a:rPr lang="en-US" dirty="0" smtClean="0"/>
-              <a:t>Miscellaneous </a:t>
-            </a:r>
-            <a:r>
-              <a:rPr lang="en-US" dirty="0"/>
-              <a:t>feature not covered in other categories</a:t>
-            </a:r>
-          </a:p>
-          <a:p>
-            <a:pPr algn="l" fontAlgn="base"/>
-            <a:r>
-              <a:rPr lang="en-US" dirty="0" err="1" smtClean="0"/>
-              <a:t>MiscVal</a:t>
-            </a:r>
-            <a:endParaRPr lang="en-US" dirty="0" smtClean="0"/>
-          </a:p>
-          <a:p>
-            <a:pPr algn="l" fontAlgn="base"/>
-            <a:r>
-              <a:rPr lang="en-US" dirty="0"/>
-              <a:t>	</a:t>
-            </a:r>
-            <a:r>
-              <a:rPr lang="en-US" dirty="0" smtClean="0"/>
-              <a:t>$Value </a:t>
-            </a:r>
-            <a:r>
-              <a:rPr lang="en-US" dirty="0"/>
-              <a:t>of miscellaneous feature</a:t>
-            </a:r>
-          </a:p>
-          <a:p>
-            <a:pPr algn="l" fontAlgn="base"/>
-            <a:r>
-              <a:rPr lang="en-US" dirty="0" err="1" smtClean="0"/>
-              <a:t>MoSold</a:t>
-            </a:r>
-            <a:endParaRPr lang="en-US" dirty="0" smtClean="0"/>
-          </a:p>
-          <a:p>
-            <a:pPr algn="l" fontAlgn="base"/>
-            <a:r>
-              <a:rPr lang="en-US" dirty="0"/>
-              <a:t>	</a:t>
-            </a:r>
-            <a:r>
-              <a:rPr lang="en-US" dirty="0" smtClean="0"/>
-              <a:t>Month </a:t>
-            </a:r>
-            <a:r>
-              <a:rPr lang="en-US" dirty="0"/>
-              <a:t>Sold</a:t>
-            </a:r>
-          </a:p>
-          <a:p>
-            <a:pPr algn="l" fontAlgn="base"/>
-            <a:r>
-              <a:rPr lang="en-US" dirty="0" err="1" smtClean="0"/>
-              <a:t>YrSold</a:t>
-            </a:r>
-            <a:endParaRPr lang="en-US" dirty="0" smtClean="0"/>
-          </a:p>
-          <a:p>
-            <a:pPr algn="l" fontAlgn="base"/>
-            <a:r>
-              <a:rPr lang="en-US" dirty="0"/>
-              <a:t>	</a:t>
-            </a:r>
-            <a:r>
-              <a:rPr lang="en-US" dirty="0" smtClean="0"/>
-              <a:t>Year </a:t>
-            </a:r>
-            <a:r>
-              <a:rPr lang="en-US" dirty="0"/>
-              <a:t>Sold</a:t>
-            </a:r>
-          </a:p>
-          <a:p>
-            <a:pPr algn="l" fontAlgn="base"/>
-            <a:r>
-              <a:rPr lang="en-US" dirty="0" err="1" smtClean="0"/>
-              <a:t>SaleType</a:t>
-            </a:r>
-            <a:endParaRPr lang="en-US" dirty="0" smtClean="0"/>
-          </a:p>
-          <a:p>
-            <a:pPr algn="l" fontAlgn="base"/>
-            <a:r>
-              <a:rPr lang="en-US" dirty="0"/>
-              <a:t>	</a:t>
-            </a:r>
-            <a:r>
-              <a:rPr lang="en-US" dirty="0" smtClean="0"/>
-              <a:t>Type </a:t>
-            </a:r>
-            <a:r>
-              <a:rPr lang="en-US" dirty="0"/>
-              <a:t>of sale</a:t>
-            </a:r>
-          </a:p>
-          <a:p>
-            <a:pPr algn="l" fontAlgn="base"/>
-            <a:r>
-              <a:rPr lang="en-US" dirty="0" err="1" smtClean="0"/>
-              <a:t>SaleCondition</a:t>
-            </a:r>
-            <a:endParaRPr lang="en-US" dirty="0" smtClean="0"/>
-          </a:p>
-          <a:p>
-            <a:pPr algn="l" fontAlgn="base"/>
-            <a:r>
-              <a:rPr lang="en-US" dirty="0"/>
-              <a:t>	</a:t>
-            </a:r>
-            <a:r>
-              <a:rPr lang="en-US" dirty="0" smtClean="0"/>
-              <a:t>Condition </a:t>
-            </a:r>
-            <a:r>
-              <a:rPr lang="en-US" dirty="0"/>
-              <a:t>of sale</a:t>
-            </a:r>
-          </a:p>
-          <a:p>
-            <a:pPr algn="l" fontAlgn="base"/>
-            <a:endParaRPr lang="en-US" dirty="0"/>
-          </a:p>
-        </p:txBody>
-      </p:sp>
-    </p:spTree>
-    <p:extLst>
-      <p:ext uri="{BB962C8B-B14F-4D97-AF65-F5344CB8AC3E}">
-        <p14:creationId xmlns:p14="http://schemas.microsoft.com/office/powerpoint/2010/main" val="4131434747"/>
-      </p:ext>
-    </p:extLst>
-  </p:cSld>
-  <p:clrMapOvr>
-    <a:masterClrMapping/>
-  </p:clrMapOvr>
-</p:sld>
-</file>
-
-<file path=ppt/slides/slide16.xml><?xml version="1.0" encoding="utf-8"?>
-<p:sld xmlns:a="http://schemas.openxmlformats.org/drawingml/2006/main" xmlns:r="http://schemas.openxmlformats.org/officeDocument/2006/relationships" xmlns:p="http://schemas.openxmlformats.org/presentationml/2006/main">
-  <p:cSld>
-    <p:spTree>
-      <p:nvGrpSpPr>
-        <p:cNvPr id="1" name=""/>
-        <p:cNvGrpSpPr/>
-        <p:nvPr/>
-      </p:nvGrpSpPr>
-      <p:grpSpPr>
-        <a:xfrm>
-          <a:off x="0" y="0"/>
-          <a:ext cx="0" cy="0"/>
-          <a:chOff x="0" y="0"/>
-          <a:chExt cx="0" cy="0"/>
-        </a:xfrm>
-      </p:grpSpPr>
-      <p:sp>
-        <p:nvSpPr>
-          <p:cNvPr id="2" name="Title 1"/>
-          <p:cNvSpPr>
-            <a:spLocks noGrp="1"/>
-          </p:cNvSpPr>
-          <p:nvPr>
-            <p:ph type="ctrTitle"/>
-          </p:nvPr>
-        </p:nvSpPr>
-        <p:spPr>
-          <a:xfrm>
-            <a:off x="138545" y="193964"/>
-            <a:ext cx="11877964" cy="738909"/>
-          </a:xfrm>
-        </p:spPr>
-        <p:txBody>
-          <a:bodyPr>
-            <a:normAutofit/>
-          </a:bodyPr>
-          <a:lstStyle/>
-          <a:p>
-            <a:r>
-              <a:rPr lang="en-US" sz="4500" b="1" dirty="0" smtClean="0">
-                <a:latin typeface="Verdana" panose="020B0604030504040204" pitchFamily="34" charset="0"/>
-                <a:ea typeface="Verdana" panose="020B0604030504040204" pitchFamily="34" charset="0"/>
-                <a:cs typeface="Verdana" panose="020B0604030504040204" pitchFamily="34" charset="0"/>
-              </a:rPr>
-              <a:t>Initial findings</a:t>
-            </a:r>
-            <a:endParaRPr lang="en-US" sz="4500" b="1" dirty="0">
-              <a:latin typeface="Verdana" panose="020B0604030504040204" pitchFamily="34" charset="0"/>
-              <a:ea typeface="Verdana" panose="020B0604030504040204" pitchFamily="34" charset="0"/>
-              <a:cs typeface="Verdana" panose="020B0604030504040204" pitchFamily="34" charset="0"/>
-            </a:endParaRPr>
-          </a:p>
-        </p:txBody>
-      </p:sp>
-      <p:sp>
-        <p:nvSpPr>
-          <p:cNvPr id="3" name="Subtitle 2"/>
-          <p:cNvSpPr>
-            <a:spLocks noGrp="1"/>
-          </p:cNvSpPr>
-          <p:nvPr>
-            <p:ph type="subTitle" idx="1"/>
-          </p:nvPr>
-        </p:nvSpPr>
-        <p:spPr>
-          <a:xfrm>
-            <a:off x="138545" y="1126836"/>
-            <a:ext cx="11877964" cy="5320146"/>
-          </a:xfrm>
-        </p:spPr>
-        <p:txBody>
-          <a:bodyPr>
-            <a:normAutofit/>
-          </a:bodyPr>
-          <a:lstStyle/>
-          <a:p>
-            <a:pPr marL="342900" indent="-342900" algn="l" fontAlgn="base">
-              <a:buFont typeface="Arial" panose="020B0604020202020204" pitchFamily="34" charset="0"/>
-              <a:buChar char="•"/>
-            </a:pPr>
-            <a:endParaRPr lang="en-US" dirty="0" smtClean="0"/>
-          </a:p>
-          <a:p>
-            <a:pPr marL="342900" indent="-342900" algn="l" fontAlgn="base">
-              <a:buFont typeface="Arial" panose="020B0604020202020204" pitchFamily="34" charset="0"/>
-              <a:buChar char="•"/>
-            </a:pPr>
-            <a:endParaRPr lang="en-US" dirty="0"/>
-          </a:p>
-          <a:p>
-            <a:pPr marL="342900" indent="-342900" algn="l" fontAlgn="base">
-              <a:buFont typeface="Arial" panose="020B0604020202020204" pitchFamily="34" charset="0"/>
-              <a:buChar char="•"/>
-            </a:pPr>
-            <a:r>
-              <a:rPr lang="en-US" dirty="0" smtClean="0"/>
-              <a:t>Total No of Quantitative Features: 37</a:t>
-            </a:r>
-          </a:p>
-          <a:p>
-            <a:pPr marL="342900" indent="-342900" algn="l" fontAlgn="base">
-              <a:buFont typeface="Arial" panose="020B0604020202020204" pitchFamily="34" charset="0"/>
-              <a:buChar char="•"/>
-            </a:pPr>
-            <a:endParaRPr lang="en-US" dirty="0" smtClean="0"/>
-          </a:p>
-          <a:p>
-            <a:pPr marL="342900" indent="-342900" algn="l" fontAlgn="base">
-              <a:buFont typeface="Arial" panose="020B0604020202020204" pitchFamily="34" charset="0"/>
-              <a:buChar char="•"/>
-            </a:pPr>
-            <a:r>
-              <a:rPr lang="en-US" dirty="0" smtClean="0"/>
-              <a:t>Total No of Qualitative Features: 39</a:t>
-            </a:r>
-          </a:p>
-          <a:p>
-            <a:pPr marL="342900" indent="-342900" algn="l" fontAlgn="base">
-              <a:buFont typeface="Arial" panose="020B0604020202020204" pitchFamily="34" charset="0"/>
-              <a:buChar char="•"/>
-            </a:pPr>
-            <a:endParaRPr lang="en-US" dirty="0"/>
-          </a:p>
-          <a:p>
-            <a:pPr marL="342900" indent="-342900" algn="l" fontAlgn="base">
-              <a:buFont typeface="Arial" panose="020B0604020202020204" pitchFamily="34" charset="0"/>
-              <a:buChar char="•"/>
-            </a:pPr>
-            <a:r>
-              <a:rPr lang="en-US" dirty="0" smtClean="0"/>
-              <a:t>The Sale price distribution details are</a:t>
-            </a:r>
-          </a:p>
-          <a:p>
-            <a:pPr marL="342900" indent="-342900" algn="l" fontAlgn="base">
-              <a:buFont typeface="Arial" panose="020B0604020202020204" pitchFamily="34" charset="0"/>
-              <a:buChar char="•"/>
-            </a:pPr>
-            <a:endParaRPr lang="en-US" dirty="0" smtClean="0"/>
-          </a:p>
-          <a:p>
-            <a:pPr marL="800100" lvl="1" indent="-342900" algn="l" fontAlgn="base">
-              <a:buFont typeface="Arial" panose="020B0604020202020204" pitchFamily="34" charset="0"/>
-              <a:buChar char="•"/>
-            </a:pPr>
-            <a:r>
-              <a:rPr lang="en-US" dirty="0" smtClean="0"/>
-              <a:t>Min Selling Price is: 34900</a:t>
-            </a:r>
-          </a:p>
-          <a:p>
-            <a:pPr marL="800100" lvl="1" indent="-342900" algn="l" fontAlgn="base">
-              <a:buFont typeface="Arial" panose="020B0604020202020204" pitchFamily="34" charset="0"/>
-              <a:buChar char="•"/>
-            </a:pPr>
-            <a:r>
-              <a:rPr lang="en-US" dirty="0" smtClean="0"/>
-              <a:t>Average Selling Price is: 180921.20</a:t>
-            </a:r>
-          </a:p>
-          <a:p>
-            <a:pPr marL="800100" lvl="1" indent="-342900" algn="l" fontAlgn="base">
-              <a:buFont typeface="Arial" panose="020B0604020202020204" pitchFamily="34" charset="0"/>
-              <a:buChar char="•"/>
-            </a:pPr>
-            <a:r>
-              <a:rPr lang="en-US" dirty="0" smtClean="0"/>
-              <a:t>Median Selling Price is: 163000.0</a:t>
-            </a:r>
-          </a:p>
-          <a:p>
-            <a:pPr marL="800100" lvl="1" indent="-342900" algn="l" fontAlgn="base">
-              <a:buFont typeface="Arial" panose="020B0604020202020204" pitchFamily="34" charset="0"/>
-              <a:buChar char="•"/>
-            </a:pPr>
-            <a:r>
-              <a:rPr lang="en-US" dirty="0" smtClean="0"/>
-              <a:t>Max Selling Price is: 755000</a:t>
-            </a:r>
-            <a:endParaRPr lang="en-US" dirty="0"/>
-          </a:p>
-        </p:txBody>
-      </p:sp>
-    </p:spTree>
-    <p:extLst>
-      <p:ext uri="{BB962C8B-B14F-4D97-AF65-F5344CB8AC3E}">
-        <p14:creationId xmlns:p14="http://schemas.microsoft.com/office/powerpoint/2010/main" val="2793825833"/>
-      </p:ext>
-    </p:extLst>
-  </p:cSld>
-  <p:clrMapOvr>
-    <a:masterClrMapping/>
-  </p:clrMapOvr>
-</p:sld>
-</file>
-
-<file path=ppt/slides/slide17.xml><?xml version="1.0" encoding="utf-8"?>
-<p:sld xmlns:a="http://schemas.openxmlformats.org/drawingml/2006/main" xmlns:r="http://schemas.openxmlformats.org/officeDocument/2006/relationships" xmlns:p="http://schemas.openxmlformats.org/presentationml/2006/main">
-  <p:cSld>
-    <p:spTree>
-      <p:nvGrpSpPr>
-        <p:cNvPr id="1" name=""/>
-        <p:cNvGrpSpPr/>
-        <p:nvPr/>
-      </p:nvGrpSpPr>
-      <p:grpSpPr>
-        <a:xfrm>
-          <a:off x="0" y="0"/>
-          <a:ext cx="0" cy="0"/>
-          <a:chOff x="0" y="0"/>
-          <a:chExt cx="0" cy="0"/>
-        </a:xfrm>
-      </p:grpSpPr>
-      <p:sp>
-        <p:nvSpPr>
-          <p:cNvPr id="2" name="Title 1"/>
-          <p:cNvSpPr>
-            <a:spLocks noGrp="1"/>
-          </p:cNvSpPr>
-          <p:nvPr>
-            <p:ph type="ctrTitle"/>
-          </p:nvPr>
-        </p:nvSpPr>
-        <p:spPr>
-          <a:xfrm>
-            <a:off x="138545" y="193964"/>
-            <a:ext cx="11877964" cy="738909"/>
-          </a:xfrm>
-        </p:spPr>
-        <p:txBody>
-          <a:bodyPr>
-            <a:normAutofit/>
-          </a:bodyPr>
-          <a:lstStyle/>
-          <a:p>
-            <a:r>
-              <a:rPr lang="en-US" sz="4500" b="1" dirty="0" smtClean="0">
-                <a:latin typeface="Verdana" panose="020B0604030504040204" pitchFamily="34" charset="0"/>
-                <a:ea typeface="Verdana" panose="020B0604030504040204" pitchFamily="34" charset="0"/>
-                <a:cs typeface="Verdana" panose="020B0604030504040204" pitchFamily="34" charset="0"/>
-              </a:rPr>
               <a:t>Relationships Significant</a:t>
             </a:r>
             <a:endParaRPr lang="en-US" sz="4500" b="1" dirty="0">
@@ -8292,7 +6573,7 @@
 </p:sld>
 </file>
 
-<file path=ppt/slides/slide18.xml><?xml version="1.0" encoding="utf-8"?>
+<file path=ppt/slides/slide11.xml><?xml version="1.0" encoding="utf-8"?>
 <p:sld xmlns:a="http://schemas.openxmlformats.org/drawingml/2006/main" xmlns:r="http://schemas.openxmlformats.org/officeDocument/2006/relationships" xmlns:p="http://schemas.openxmlformats.org/presentationml/2006/main">
   <p:cSld>
     <p:spTree>
@@ -8404,6 +6685,683 @@
     <p:extLst>
       <p:ext uri="{BB962C8B-B14F-4D97-AF65-F5344CB8AC3E}">
         <p14:creationId xmlns:p14="http://schemas.microsoft.com/office/powerpoint/2010/main" val="4004013124"/>
+      </p:ext>
+    </p:extLst>
+  </p:cSld>
+  <p:clrMapOvr>
+    <a:masterClrMapping/>
+  </p:clrMapOvr>
+</p:sld>
+</file>
+
+<file path=ppt/slides/slide12.xml><?xml version="1.0" encoding="utf-8"?>
+<p:sld xmlns:a="http://schemas.openxmlformats.org/drawingml/2006/main" xmlns:r="http://schemas.openxmlformats.org/officeDocument/2006/relationships" xmlns:p="http://schemas.openxmlformats.org/presentationml/2006/main">
+  <p:cSld>
+    <p:spTree>
+      <p:nvGrpSpPr>
+        <p:cNvPr id="1" name=""/>
+        <p:cNvGrpSpPr/>
+        <p:nvPr/>
+      </p:nvGrpSpPr>
+      <p:grpSpPr>
+        <a:xfrm>
+          <a:off x="0" y="0"/>
+          <a:ext cx="0" cy="0"/>
+          <a:chOff x="0" y="0"/>
+          <a:chExt cx="0" cy="0"/>
+        </a:xfrm>
+      </p:grpSpPr>
+      <p:sp>
+        <p:nvSpPr>
+          <p:cNvPr id="2" name="Title 1"/>
+          <p:cNvSpPr>
+            <a:spLocks noGrp="1"/>
+          </p:cNvSpPr>
+          <p:nvPr>
+            <p:ph type="ctrTitle"/>
+          </p:nvPr>
+        </p:nvSpPr>
+        <p:spPr>
+          <a:xfrm>
+            <a:off x="138545" y="193964"/>
+            <a:ext cx="11877964" cy="738909"/>
+          </a:xfrm>
+        </p:spPr>
+        <p:txBody>
+          <a:bodyPr>
+            <a:normAutofit fontScale="90000"/>
+          </a:bodyPr>
+          <a:lstStyle/>
+          <a:p>
+            <a:r>
+              <a:rPr lang="en-US" sz="4800" b="1" dirty="0" smtClean="0"/>
+              <a:t>Overall Qualification Vs </a:t>
+            </a:r>
+            <a:r>
+              <a:rPr lang="en-US" sz="4800" b="1" dirty="0" err="1" smtClean="0"/>
+              <a:t>SalePrice</a:t>
+            </a:r>
+            <a:endParaRPr lang="en-US" sz="4500" b="1" dirty="0">
+              <a:latin typeface="Verdana" panose="020B0604030504040204" pitchFamily="34" charset="0"/>
+              <a:ea typeface="Verdana" panose="020B0604030504040204" pitchFamily="34" charset="0"/>
+              <a:cs typeface="Verdana" panose="020B0604030504040204" pitchFamily="34" charset="0"/>
+            </a:endParaRPr>
+          </a:p>
+        </p:txBody>
+      </p:sp>
+      <p:sp>
+        <p:nvSpPr>
+          <p:cNvPr id="4" name="Subtitle 3"/>
+          <p:cNvSpPr>
+            <a:spLocks noGrp="1"/>
+          </p:cNvSpPr>
+          <p:nvPr>
+            <p:ph type="subTitle" idx="1"/>
+          </p:nvPr>
+        </p:nvSpPr>
+        <p:spPr>
+          <a:xfrm>
+            <a:off x="6899563" y="1995055"/>
+            <a:ext cx="4331855" cy="3731490"/>
+          </a:xfrm>
+        </p:spPr>
+        <p:txBody>
+          <a:bodyPr/>
+          <a:lstStyle/>
+          <a:p>
+            <a:pPr algn="l"/>
+            <a:r>
+              <a:rPr lang="en-US" dirty="0" smtClean="0"/>
+              <a:t>The </a:t>
+            </a:r>
+            <a:r>
+              <a:rPr lang="en-US" dirty="0" err="1" smtClean="0"/>
+              <a:t>OverallQualification</a:t>
+            </a:r>
+            <a:r>
+              <a:rPr lang="en-US" dirty="0" smtClean="0"/>
+              <a:t> Vs </a:t>
+            </a:r>
+            <a:r>
+              <a:rPr lang="en-US" dirty="0" err="1" smtClean="0"/>
+              <a:t>SalePrice</a:t>
+            </a:r>
+            <a:r>
+              <a:rPr lang="en-US" dirty="0" smtClean="0"/>
+              <a:t> shows that the Price ranges are from $350000 to $450000.</a:t>
+            </a:r>
+            <a:endParaRPr lang="en-US" dirty="0"/>
+          </a:p>
+        </p:txBody>
+      </p:sp>
+      <p:pic>
+        <p:nvPicPr>
+          <p:cNvPr id="5" name="Picture 4"/>
+          <p:cNvPicPr>
+            <a:picLocks noChangeAspect="1"/>
+          </p:cNvPicPr>
+          <p:nvPr/>
+        </p:nvPicPr>
+        <p:blipFill>
+          <a:blip r:embed="rId2"/>
+          <a:stretch>
+            <a:fillRect/>
+          </a:stretch>
+        </p:blipFill>
+        <p:spPr>
+          <a:xfrm>
+            <a:off x="138545" y="932873"/>
+            <a:ext cx="6640945" cy="4793672"/>
+          </a:xfrm>
+          <a:prstGeom prst="rect">
+            <a:avLst/>
+          </a:prstGeom>
+        </p:spPr>
+      </p:pic>
+    </p:spTree>
+    <p:extLst>
+      <p:ext uri="{BB962C8B-B14F-4D97-AF65-F5344CB8AC3E}">
+        <p14:creationId xmlns:p14="http://schemas.microsoft.com/office/powerpoint/2010/main" val="1155828566"/>
+      </p:ext>
+    </p:extLst>
+  </p:cSld>
+  <p:clrMapOvr>
+    <a:masterClrMapping/>
+  </p:clrMapOvr>
+</p:sld>
+</file>
+
+<file path=ppt/slides/slide13.xml><?xml version="1.0" encoding="utf-8"?>
+<p:sld xmlns:a="http://schemas.openxmlformats.org/drawingml/2006/main" xmlns:r="http://schemas.openxmlformats.org/officeDocument/2006/relationships" xmlns:p="http://schemas.openxmlformats.org/presentationml/2006/main">
+  <p:cSld>
+    <p:spTree>
+      <p:nvGrpSpPr>
+        <p:cNvPr id="1" name=""/>
+        <p:cNvGrpSpPr/>
+        <p:nvPr/>
+      </p:nvGrpSpPr>
+      <p:grpSpPr>
+        <a:xfrm>
+          <a:off x="0" y="0"/>
+          <a:ext cx="0" cy="0"/>
+          <a:chOff x="0" y="0"/>
+          <a:chExt cx="0" cy="0"/>
+        </a:xfrm>
+      </p:grpSpPr>
+      <p:sp>
+        <p:nvSpPr>
+          <p:cNvPr id="2" name="Title 1"/>
+          <p:cNvSpPr>
+            <a:spLocks noGrp="1"/>
+          </p:cNvSpPr>
+          <p:nvPr>
+            <p:ph type="ctrTitle"/>
+          </p:nvPr>
+        </p:nvSpPr>
+        <p:spPr>
+          <a:xfrm>
+            <a:off x="138545" y="193964"/>
+            <a:ext cx="11877964" cy="738909"/>
+          </a:xfrm>
+        </p:spPr>
+        <p:txBody>
+          <a:bodyPr>
+            <a:normAutofit fontScale="90000"/>
+          </a:bodyPr>
+          <a:lstStyle/>
+          <a:p>
+            <a:r>
+              <a:rPr lang="en-US" b="1" dirty="0"/>
+              <a:t>Statistically Significant vs </a:t>
+            </a:r>
+            <a:r>
+              <a:rPr lang="en-US" b="1" dirty="0" smtClean="0"/>
+              <a:t>Non-significant</a:t>
+            </a:r>
+            <a:endParaRPr lang="en-US" sz="4500" b="1" dirty="0">
+              <a:latin typeface="Verdana" panose="020B0604030504040204" pitchFamily="34" charset="0"/>
+              <a:ea typeface="Verdana" panose="020B0604030504040204" pitchFamily="34" charset="0"/>
+              <a:cs typeface="Verdana" panose="020B0604030504040204" pitchFamily="34" charset="0"/>
+            </a:endParaRPr>
+          </a:p>
+        </p:txBody>
+      </p:sp>
+      <p:pic>
+        <p:nvPicPr>
+          <p:cNvPr id="3" name="Picture 2"/>
+          <p:cNvPicPr>
+            <a:picLocks noChangeAspect="1"/>
+          </p:cNvPicPr>
+          <p:nvPr/>
+        </p:nvPicPr>
+        <p:blipFill>
+          <a:blip r:embed="rId2"/>
+          <a:stretch>
+            <a:fillRect/>
+          </a:stretch>
+        </p:blipFill>
+        <p:spPr>
+          <a:xfrm>
+            <a:off x="2206913" y="1237672"/>
+            <a:ext cx="6408434" cy="5052292"/>
+          </a:xfrm>
+          <a:prstGeom prst="rect">
+            <a:avLst/>
+          </a:prstGeom>
+        </p:spPr>
+      </p:pic>
+    </p:spTree>
+    <p:extLst>
+      <p:ext uri="{BB962C8B-B14F-4D97-AF65-F5344CB8AC3E}">
+        <p14:creationId xmlns:p14="http://schemas.microsoft.com/office/powerpoint/2010/main" val="3807161048"/>
+      </p:ext>
+    </p:extLst>
+  </p:cSld>
+  <p:clrMapOvr>
+    <a:masterClrMapping/>
+  </p:clrMapOvr>
+</p:sld>
+</file>
+
+<file path=ppt/slides/slide14.xml><?xml version="1.0" encoding="utf-8"?>
+<p:sld xmlns:a="http://schemas.openxmlformats.org/drawingml/2006/main" xmlns:r="http://schemas.openxmlformats.org/officeDocument/2006/relationships" xmlns:p="http://schemas.openxmlformats.org/presentationml/2006/main">
+  <p:cSld>
+    <p:spTree>
+      <p:nvGrpSpPr>
+        <p:cNvPr id="1" name=""/>
+        <p:cNvGrpSpPr/>
+        <p:nvPr/>
+      </p:nvGrpSpPr>
+      <p:grpSpPr>
+        <a:xfrm>
+          <a:off x="0" y="0"/>
+          <a:ext cx="0" cy="0"/>
+          <a:chOff x="0" y="0"/>
+          <a:chExt cx="0" cy="0"/>
+        </a:xfrm>
+      </p:grpSpPr>
+      <p:sp>
+        <p:nvSpPr>
+          <p:cNvPr id="2" name="Title 1"/>
+          <p:cNvSpPr>
+            <a:spLocks noGrp="1"/>
+          </p:cNvSpPr>
+          <p:nvPr>
+            <p:ph type="ctrTitle"/>
+          </p:nvPr>
+        </p:nvSpPr>
+        <p:spPr>
+          <a:xfrm>
+            <a:off x="138545" y="193964"/>
+            <a:ext cx="11877964" cy="738909"/>
+          </a:xfrm>
+        </p:spPr>
+        <p:txBody>
+          <a:bodyPr>
+            <a:normAutofit fontScale="90000"/>
+          </a:bodyPr>
+          <a:lstStyle/>
+          <a:p>
+            <a:r>
+              <a:rPr lang="en-US" b="1" dirty="0"/>
+              <a:t>C</a:t>
+            </a:r>
+            <a:r>
+              <a:rPr lang="en-US" b="1" dirty="0" smtClean="0"/>
+              <a:t>orrelation Matrix - Pearson coefficients</a:t>
+            </a:r>
+            <a:endParaRPr lang="en-US" sz="4500" b="1" dirty="0">
+              <a:latin typeface="Verdana" panose="020B0604030504040204" pitchFamily="34" charset="0"/>
+              <a:ea typeface="Verdana" panose="020B0604030504040204" pitchFamily="34" charset="0"/>
+              <a:cs typeface="Verdana" panose="020B0604030504040204" pitchFamily="34" charset="0"/>
+            </a:endParaRPr>
+          </a:p>
+        </p:txBody>
+      </p:sp>
+      <p:pic>
+        <p:nvPicPr>
+          <p:cNvPr id="7" name="Picture 6"/>
+          <p:cNvPicPr>
+            <a:picLocks noChangeAspect="1"/>
+          </p:cNvPicPr>
+          <p:nvPr/>
+        </p:nvPicPr>
+        <p:blipFill>
+          <a:blip r:embed="rId2"/>
+          <a:stretch>
+            <a:fillRect/>
+          </a:stretch>
+        </p:blipFill>
+        <p:spPr>
+          <a:xfrm>
+            <a:off x="2262909" y="1027400"/>
+            <a:ext cx="6474691" cy="5659727"/>
+          </a:xfrm>
+          <a:prstGeom prst="rect">
+            <a:avLst/>
+          </a:prstGeom>
+        </p:spPr>
+      </p:pic>
+    </p:spTree>
+    <p:extLst>
+      <p:ext uri="{BB962C8B-B14F-4D97-AF65-F5344CB8AC3E}">
+        <p14:creationId xmlns:p14="http://schemas.microsoft.com/office/powerpoint/2010/main" val="2645518163"/>
+      </p:ext>
+    </p:extLst>
+  </p:cSld>
+  <p:clrMapOvr>
+    <a:masterClrMapping/>
+  </p:clrMapOvr>
+</p:sld>
+</file>
+
+<file path=ppt/slides/slide15.xml><?xml version="1.0" encoding="utf-8"?>
+<p:sld xmlns:a="http://schemas.openxmlformats.org/drawingml/2006/main" xmlns:r="http://schemas.openxmlformats.org/officeDocument/2006/relationships" xmlns:p="http://schemas.openxmlformats.org/presentationml/2006/main">
+  <p:cSld>
+    <p:spTree>
+      <p:nvGrpSpPr>
+        <p:cNvPr id="1" name=""/>
+        <p:cNvGrpSpPr/>
+        <p:nvPr/>
+      </p:nvGrpSpPr>
+      <p:grpSpPr>
+        <a:xfrm>
+          <a:off x="0" y="0"/>
+          <a:ext cx="0" cy="0"/>
+          <a:chOff x="0" y="0"/>
+          <a:chExt cx="0" cy="0"/>
+        </a:xfrm>
+      </p:grpSpPr>
+      <p:sp>
+        <p:nvSpPr>
+          <p:cNvPr id="2" name="Title 1"/>
+          <p:cNvSpPr>
+            <a:spLocks noGrp="1"/>
+          </p:cNvSpPr>
+          <p:nvPr>
+            <p:ph type="ctrTitle"/>
+          </p:nvPr>
+        </p:nvSpPr>
+        <p:spPr>
+          <a:xfrm>
+            <a:off x="138545" y="193964"/>
+            <a:ext cx="11877964" cy="738909"/>
+          </a:xfrm>
+        </p:spPr>
+        <p:txBody>
+          <a:bodyPr>
+            <a:normAutofit fontScale="90000"/>
+          </a:bodyPr>
+          <a:lstStyle/>
+          <a:p>
+            <a:r>
+              <a:rPr lang="en-US" b="1" dirty="0"/>
+              <a:t>Linear Regression</a:t>
+            </a:r>
+            <a:endParaRPr lang="en-US" sz="4500" b="1" dirty="0">
+              <a:latin typeface="Verdana" panose="020B0604030504040204" pitchFamily="34" charset="0"/>
+              <a:ea typeface="Verdana" panose="020B0604030504040204" pitchFamily="34" charset="0"/>
+              <a:cs typeface="Verdana" panose="020B0604030504040204" pitchFamily="34" charset="0"/>
+            </a:endParaRPr>
+          </a:p>
+        </p:txBody>
+      </p:sp>
+      <p:pic>
+        <p:nvPicPr>
+          <p:cNvPr id="5" name="Picture 4"/>
+          <p:cNvPicPr>
+            <a:picLocks noChangeAspect="1"/>
+          </p:cNvPicPr>
+          <p:nvPr/>
+        </p:nvPicPr>
+        <p:blipFill>
+          <a:blip r:embed="rId2"/>
+          <a:stretch>
+            <a:fillRect/>
+          </a:stretch>
+        </p:blipFill>
+        <p:spPr>
+          <a:xfrm>
+            <a:off x="1453139" y="1437986"/>
+            <a:ext cx="9248775" cy="5219700"/>
+          </a:xfrm>
+          <a:prstGeom prst="rect">
+            <a:avLst/>
+          </a:prstGeom>
+        </p:spPr>
+      </p:pic>
+    </p:spTree>
+    <p:extLst>
+      <p:ext uri="{BB962C8B-B14F-4D97-AF65-F5344CB8AC3E}">
+        <p14:creationId xmlns:p14="http://schemas.microsoft.com/office/powerpoint/2010/main" val="1495660862"/>
+      </p:ext>
+    </p:extLst>
+  </p:cSld>
+  <p:clrMapOvr>
+    <a:masterClrMapping/>
+  </p:clrMapOvr>
+</p:sld>
+</file>
+
+<file path=ppt/slides/slide16.xml><?xml version="1.0" encoding="utf-8"?>
+<p:sld xmlns:a="http://schemas.openxmlformats.org/drawingml/2006/main" xmlns:r="http://schemas.openxmlformats.org/officeDocument/2006/relationships" xmlns:p="http://schemas.openxmlformats.org/presentationml/2006/main">
+  <p:cSld>
+    <p:spTree>
+      <p:nvGrpSpPr>
+        <p:cNvPr id="1" name=""/>
+        <p:cNvGrpSpPr/>
+        <p:nvPr/>
+      </p:nvGrpSpPr>
+      <p:grpSpPr>
+        <a:xfrm>
+          <a:off x="0" y="0"/>
+          <a:ext cx="0" cy="0"/>
+          <a:chOff x="0" y="0"/>
+          <a:chExt cx="0" cy="0"/>
+        </a:xfrm>
+      </p:grpSpPr>
+      <p:sp>
+        <p:nvSpPr>
+          <p:cNvPr id="2" name="Title 1"/>
+          <p:cNvSpPr>
+            <a:spLocks noGrp="1"/>
+          </p:cNvSpPr>
+          <p:nvPr>
+            <p:ph type="ctrTitle"/>
+          </p:nvPr>
+        </p:nvSpPr>
+        <p:spPr>
+          <a:xfrm>
+            <a:off x="138545" y="193964"/>
+            <a:ext cx="11877964" cy="738909"/>
+          </a:xfrm>
+        </p:spPr>
+        <p:txBody>
+          <a:bodyPr>
+            <a:normAutofit fontScale="90000"/>
+          </a:bodyPr>
+          <a:lstStyle/>
+          <a:p>
+            <a:r>
+              <a:rPr lang="en-US" b="1" dirty="0"/>
+              <a:t>Cross Validation - Linear Regression</a:t>
+            </a:r>
+            <a:endParaRPr lang="en-US" sz="4500" b="1" dirty="0">
+              <a:latin typeface="Verdana" panose="020B0604030504040204" pitchFamily="34" charset="0"/>
+              <a:ea typeface="Verdana" panose="020B0604030504040204" pitchFamily="34" charset="0"/>
+              <a:cs typeface="Verdana" panose="020B0604030504040204" pitchFamily="34" charset="0"/>
+            </a:endParaRPr>
+          </a:p>
+        </p:txBody>
+      </p:sp>
+      <p:pic>
+        <p:nvPicPr>
+          <p:cNvPr id="3" name="Picture 2"/>
+          <p:cNvPicPr>
+            <a:picLocks noChangeAspect="1"/>
+          </p:cNvPicPr>
+          <p:nvPr/>
+        </p:nvPicPr>
+        <p:blipFill>
+          <a:blip r:embed="rId2"/>
+          <a:stretch>
+            <a:fillRect/>
+          </a:stretch>
+        </p:blipFill>
+        <p:spPr>
+          <a:xfrm>
+            <a:off x="1126836" y="1256145"/>
+            <a:ext cx="9083964" cy="5744730"/>
+          </a:xfrm>
+          <a:prstGeom prst="rect">
+            <a:avLst/>
+          </a:prstGeom>
+        </p:spPr>
+      </p:pic>
+    </p:spTree>
+    <p:extLst>
+      <p:ext uri="{BB962C8B-B14F-4D97-AF65-F5344CB8AC3E}">
+        <p14:creationId xmlns:p14="http://schemas.microsoft.com/office/powerpoint/2010/main" val="836785759"/>
+      </p:ext>
+    </p:extLst>
+  </p:cSld>
+  <p:clrMapOvr>
+    <a:masterClrMapping/>
+  </p:clrMapOvr>
+</p:sld>
+</file>
+
+<file path=ppt/slides/slide17.xml><?xml version="1.0" encoding="utf-8"?>
+<p:sld xmlns:a="http://schemas.openxmlformats.org/drawingml/2006/main" xmlns:r="http://schemas.openxmlformats.org/officeDocument/2006/relationships" xmlns:p="http://schemas.openxmlformats.org/presentationml/2006/main">
+  <p:cSld>
+    <p:spTree>
+      <p:nvGrpSpPr>
+        <p:cNvPr id="1" name=""/>
+        <p:cNvGrpSpPr/>
+        <p:nvPr/>
+      </p:nvGrpSpPr>
+      <p:grpSpPr>
+        <a:xfrm>
+          <a:off x="0" y="0"/>
+          <a:ext cx="0" cy="0"/>
+          <a:chOff x="0" y="0"/>
+          <a:chExt cx="0" cy="0"/>
+        </a:xfrm>
+      </p:grpSpPr>
+      <p:sp>
+        <p:nvSpPr>
+          <p:cNvPr id="2" name="Title 1"/>
+          <p:cNvSpPr>
+            <a:spLocks noGrp="1"/>
+          </p:cNvSpPr>
+          <p:nvPr>
+            <p:ph type="ctrTitle"/>
+          </p:nvPr>
+        </p:nvSpPr>
+        <p:spPr>
+          <a:xfrm>
+            <a:off x="138545" y="193964"/>
+            <a:ext cx="11877964" cy="738909"/>
+          </a:xfrm>
+        </p:spPr>
+        <p:txBody>
+          <a:bodyPr>
+            <a:normAutofit fontScale="90000"/>
+          </a:bodyPr>
+          <a:lstStyle/>
+          <a:p>
+            <a:r>
+              <a:rPr lang="en-US" b="1" dirty="0"/>
+              <a:t>Cross Validation </a:t>
+            </a:r>
+            <a:r>
+              <a:rPr lang="en-US" b="1" dirty="0" smtClean="0"/>
+              <a:t>– LR (Bayesian Ridge)</a:t>
+            </a:r>
+            <a:endParaRPr lang="en-US" sz="4500" b="1" dirty="0">
+              <a:latin typeface="Verdana" panose="020B0604030504040204" pitchFamily="34" charset="0"/>
+              <a:ea typeface="Verdana" panose="020B0604030504040204" pitchFamily="34" charset="0"/>
+              <a:cs typeface="Verdana" panose="020B0604030504040204" pitchFamily="34" charset="0"/>
+            </a:endParaRPr>
+          </a:p>
+        </p:txBody>
+      </p:sp>
+      <p:pic>
+        <p:nvPicPr>
+          <p:cNvPr id="4" name="Picture 3"/>
+          <p:cNvPicPr>
+            <a:picLocks noChangeAspect="1"/>
+          </p:cNvPicPr>
+          <p:nvPr/>
+        </p:nvPicPr>
+        <p:blipFill>
+          <a:blip r:embed="rId2"/>
+          <a:stretch>
+            <a:fillRect/>
+          </a:stretch>
+        </p:blipFill>
+        <p:spPr>
+          <a:xfrm>
+            <a:off x="1403928" y="845367"/>
+            <a:ext cx="8297862" cy="5832524"/>
+          </a:xfrm>
+          <a:prstGeom prst="rect">
+            <a:avLst/>
+          </a:prstGeom>
+        </p:spPr>
+      </p:pic>
+    </p:spTree>
+    <p:extLst>
+      <p:ext uri="{BB962C8B-B14F-4D97-AF65-F5344CB8AC3E}">
+        <p14:creationId xmlns:p14="http://schemas.microsoft.com/office/powerpoint/2010/main" val="2008390234"/>
+      </p:ext>
+    </p:extLst>
+  </p:cSld>
+  <p:clrMapOvr>
+    <a:masterClrMapping/>
+  </p:clrMapOvr>
+</p:sld>
+</file>
+
+<file path=ppt/slides/slide18.xml><?xml version="1.0" encoding="utf-8"?>
+<p:sld xmlns:a="http://schemas.openxmlformats.org/drawingml/2006/main" xmlns:r="http://schemas.openxmlformats.org/officeDocument/2006/relationships" xmlns:p="http://schemas.openxmlformats.org/presentationml/2006/main">
+  <p:cSld>
+    <p:spTree>
+      <p:nvGrpSpPr>
+        <p:cNvPr id="1" name=""/>
+        <p:cNvGrpSpPr/>
+        <p:nvPr/>
+      </p:nvGrpSpPr>
+      <p:grpSpPr>
+        <a:xfrm>
+          <a:off x="0" y="0"/>
+          <a:ext cx="0" cy="0"/>
+          <a:chOff x="0" y="0"/>
+          <a:chExt cx="0" cy="0"/>
+        </a:xfrm>
+      </p:grpSpPr>
+      <p:sp>
+        <p:nvSpPr>
+          <p:cNvPr id="2" name="Title 1"/>
+          <p:cNvSpPr>
+            <a:spLocks noGrp="1"/>
+          </p:cNvSpPr>
+          <p:nvPr>
+            <p:ph type="ctrTitle"/>
+          </p:nvPr>
+        </p:nvSpPr>
+        <p:spPr>
+          <a:xfrm>
+            <a:off x="138545" y="193964"/>
+            <a:ext cx="11877964" cy="738909"/>
+          </a:xfrm>
+        </p:spPr>
+        <p:txBody>
+          <a:bodyPr>
+            <a:normAutofit fontScale="90000"/>
+          </a:bodyPr>
+          <a:lstStyle/>
+          <a:p>
+            <a:r>
+              <a:rPr lang="en-US" b="1" dirty="0" smtClean="0"/>
+              <a:t>Ridge Regression</a:t>
+            </a:r>
+            <a:endParaRPr lang="en-US" sz="4500" b="1" dirty="0">
+              <a:latin typeface="Verdana" panose="020B0604030504040204" pitchFamily="34" charset="0"/>
+              <a:ea typeface="Verdana" panose="020B0604030504040204" pitchFamily="34" charset="0"/>
+              <a:cs typeface="Verdana" panose="020B0604030504040204" pitchFamily="34" charset="0"/>
+            </a:endParaRPr>
+          </a:p>
+        </p:txBody>
+      </p:sp>
+      <p:pic>
+        <p:nvPicPr>
+          <p:cNvPr id="3" name="Picture 2"/>
+          <p:cNvPicPr>
+            <a:picLocks noChangeAspect="1"/>
+          </p:cNvPicPr>
+          <p:nvPr/>
+        </p:nvPicPr>
+        <p:blipFill>
+          <a:blip r:embed="rId2"/>
+          <a:stretch>
+            <a:fillRect/>
+          </a:stretch>
+        </p:blipFill>
+        <p:spPr>
+          <a:xfrm>
+            <a:off x="2258146" y="1212994"/>
+            <a:ext cx="7324725" cy="5133975"/>
+          </a:xfrm>
+          <a:prstGeom prst="rect">
+            <a:avLst/>
+          </a:prstGeom>
+        </p:spPr>
+      </p:pic>
+    </p:spTree>
+    <p:extLst>
+      <p:ext uri="{BB962C8B-B14F-4D97-AF65-F5344CB8AC3E}">
+        <p14:creationId xmlns:p14="http://schemas.microsoft.com/office/powerpoint/2010/main" val="75115564"/>
       </p:ext>
     </p:extLst>
   </p:cSld>
@@ -8453,12 +7411,8 @@
           <a:lstStyle/>
           <a:p>
             <a:r>
-              <a:rPr lang="en-US" sz="4800" b="1" dirty="0" smtClean="0"/>
-              <a:t>Overall Qualification Vs </a:t>
-            </a:r>
-            <a:r>
-              <a:rPr lang="en-US" sz="4800" b="1" dirty="0" err="1" smtClean="0"/>
-              <a:t>SalePrice</a:t>
+              <a:rPr lang="en-US" b="1" dirty="0"/>
+              <a:t>Polynomial Regression</a:t>
             </a:r>
             <a:endParaRPr lang="en-US" sz="4500" b="1" dirty="0">
               <a:latin typeface="Verdana" panose="020B0604030504040204" pitchFamily="34" charset="0"/>
@@ -8468,54 +7422,9 @@
           </a:p>
         </p:txBody>
       </p:sp>
-      <p:sp>
-        <p:nvSpPr>
-          <p:cNvPr id="4" name="Subtitle 3"/>
-          <p:cNvSpPr>
-            <a:spLocks noGrp="1"/>
-          </p:cNvSpPr>
-          <p:nvPr>
-            <p:ph type="subTitle" idx="1"/>
-          </p:nvPr>
-        </p:nvSpPr>
-        <p:spPr>
-          <a:xfrm>
-            <a:off x="6899563" y="1995055"/>
-            <a:ext cx="4331855" cy="3731490"/>
-          </a:xfrm>
-        </p:spPr>
-        <p:txBody>
-          <a:bodyPr/>
-          <a:lstStyle/>
-          <a:p>
-            <a:pPr algn="l"/>
-            <a:r>
-              <a:rPr lang="en-US" dirty="0" smtClean="0"/>
-              <a:t>The </a:t>
-            </a:r>
-            <a:r>
-              <a:rPr lang="en-US" dirty="0" err="1" smtClean="0"/>
-              <a:t>OverallQualification</a:t>
-            </a:r>
-            <a:r>
-              <a:rPr lang="en-US" dirty="0" smtClean="0"/>
-              <a:t> Vs </a:t>
-            </a:r>
-            <a:r>
-              <a:rPr lang="en-US" dirty="0" err="1" smtClean="0"/>
-              <a:t>SalePrice</a:t>
-            </a:r>
-            <a:r>
-              <a:rPr lang="en-US" dirty="0" smtClean="0"/>
-              <a:t> shows that the Price ranges are from $350000 to $450000.</a:t>
-            </a:r>
-            <a:endParaRPr lang="en-US" dirty="0"/>
-          </a:p>
-        </p:txBody>
-      </p:sp>
       <p:pic>
         <p:nvPicPr>
-          <p:cNvPr id="5" name="Picture 4"/>
+          <p:cNvPr id="4" name="Picture 3"/>
           <p:cNvPicPr>
             <a:picLocks noChangeAspect="1"/>
           </p:cNvPicPr>
@@ -8529,8 +7438,8 @@
         </p:blipFill>
         <p:spPr>
           <a:xfrm>
-            <a:off x="138545" y="932873"/>
-            <a:ext cx="6640945" cy="4793672"/>
+            <a:off x="2303462" y="1324841"/>
+            <a:ext cx="7381875" cy="5372100"/>
           </a:xfrm>
           <a:prstGeom prst="rect">
             <a:avLst/>
@@ -8540,7 +7449,7 @@
     </p:spTree>
     <p:extLst>
       <p:ext uri="{BB962C8B-B14F-4D97-AF65-F5344CB8AC3E}">
-        <p14:creationId xmlns:p14="http://schemas.microsoft.com/office/powerpoint/2010/main" val="1155828566"/>
+        <p14:creationId xmlns:p14="http://schemas.microsoft.com/office/powerpoint/2010/main" val="3744719808"/>
       </p:ext>
     </p:extLst>
   </p:cSld>
@@ -8724,12 +7633,12 @@
           <a:lstStyle/>
           <a:p>
             <a:r>
-              <a:rPr lang="en-US" b="1" dirty="0"/>
-              <a:t>Statistically Significant vs </a:t>
-            </a:r>
-            <a:r>
               <a:rPr lang="en-US" b="1" dirty="0" smtClean="0"/>
-              <a:t>Non-significant</a:t>
+              <a:t>Regression Comparison - </a:t>
+            </a:r>
+            <a:r>
+              <a:rPr lang="en-US" b="1" dirty="0" smtClean="0"/>
+              <a:t>Plain</a:t>
             </a:r>
             <a:endParaRPr lang="en-US" sz="4500" b="1" dirty="0">
               <a:latin typeface="Verdana" panose="020B0604030504040204" pitchFamily="34" charset="0"/>
@@ -8741,7 +7650,7 @@
       </p:sp>
       <p:pic>
         <p:nvPicPr>
-          <p:cNvPr id="3" name="Picture 2"/>
+          <p:cNvPr id="5" name="Picture 4"/>
           <p:cNvPicPr>
             <a:picLocks noChangeAspect="1"/>
           </p:cNvPicPr>
@@ -8755,8 +7664,8 @@
         </p:blipFill>
         <p:spPr>
           <a:xfrm>
-            <a:off x="2206913" y="1237672"/>
-            <a:ext cx="6408434" cy="5052292"/>
+            <a:off x="2296102" y="932873"/>
+            <a:ext cx="7562850" cy="5819775"/>
           </a:xfrm>
           <a:prstGeom prst="rect">
             <a:avLst/>
@@ -8766,13 +7675,20 @@
     </p:spTree>
     <p:extLst>
       <p:ext uri="{BB962C8B-B14F-4D97-AF65-F5344CB8AC3E}">
-        <p14:creationId xmlns:p14="http://schemas.microsoft.com/office/powerpoint/2010/main" val="3807161048"/>
+        <p14:creationId xmlns:p14="http://schemas.microsoft.com/office/powerpoint/2010/main" val="1700607676"/>
       </p:ext>
     </p:extLst>
   </p:cSld>
   <p:clrMapOvr>
     <a:masterClrMapping/>
   </p:clrMapOvr>
+  <p:timing>
+    <p:tnLst>
+      <p:par>
+        <p:cTn id="1" dur="indefinite" restart="never" nodeType="tmRoot"/>
+      </p:par>
+    </p:tnLst>
+  </p:timing>
 </p:sld>
 </file>
 
@@ -8805,8 +7721,8 @@
         </p:nvSpPr>
         <p:spPr>
           <a:xfrm>
-            <a:off x="138545" y="193964"/>
-            <a:ext cx="11877964" cy="738909"/>
+            <a:off x="-1512606" y="193964"/>
+            <a:ext cx="13529115" cy="738909"/>
           </a:xfrm>
         </p:spPr>
         <p:txBody>
@@ -8816,12 +7732,16 @@
           <a:lstStyle/>
           <a:p>
             <a:r>
-              <a:rPr lang="en-US" b="1" dirty="0"/>
-              <a:t>C</a:t>
-            </a:r>
-            <a:r>
               <a:rPr lang="en-US" b="1" dirty="0" smtClean="0"/>
-              <a:t>orrelation Matrix - Pearson coefficients</a:t>
+              <a:t>Regression Comparison – </a:t>
+            </a:r>
+            <a:r>
+              <a:rPr lang="en-US" b="1" dirty="0" smtClean="0"/>
+              <a:t>Tuned </a:t>
+            </a:r>
+            <a:r>
+              <a:rPr lang="en-US" b="1" dirty="0" err="1" smtClean="0"/>
+              <a:t>Param</a:t>
             </a:r>
             <a:endParaRPr lang="en-US" sz="4500" b="1" dirty="0">
               <a:latin typeface="Verdana" panose="020B0604030504040204" pitchFamily="34" charset="0"/>
@@ -8833,7 +7753,7 @@
       </p:sp>
       <p:pic>
         <p:nvPicPr>
-          <p:cNvPr id="7" name="Picture 6"/>
+          <p:cNvPr id="3" name="Picture 2"/>
           <p:cNvPicPr>
             <a:picLocks noChangeAspect="1"/>
           </p:cNvPicPr>
@@ -8847,8 +7767,8 @@
         </p:blipFill>
         <p:spPr>
           <a:xfrm>
-            <a:off x="2262909" y="1027400"/>
-            <a:ext cx="6474691" cy="5659727"/>
+            <a:off x="1311564" y="1043709"/>
+            <a:ext cx="8610888" cy="5426364"/>
           </a:xfrm>
           <a:prstGeom prst="rect">
             <a:avLst/>
@@ -8858,13 +7778,20 @@
     </p:spTree>
     <p:extLst>
       <p:ext uri="{BB962C8B-B14F-4D97-AF65-F5344CB8AC3E}">
-        <p14:creationId xmlns:p14="http://schemas.microsoft.com/office/powerpoint/2010/main" val="2645518163"/>
+        <p14:creationId xmlns:p14="http://schemas.microsoft.com/office/powerpoint/2010/main" val="3480084993"/>
       </p:ext>
     </p:extLst>
   </p:cSld>
   <p:clrMapOvr>
     <a:masterClrMapping/>
   </p:clrMapOvr>
+  <p:timing>
+    <p:tnLst>
+      <p:par>
+        <p:cTn id="1" dur="indefinite" restart="never" nodeType="tmRoot"/>
+      </p:par>
+    </p:tnLst>
+  </p:timing>
 </p:sld>
 </file>
 
@@ -8908,8 +7835,8 @@
           <a:lstStyle/>
           <a:p>
             <a:r>
-              <a:rPr lang="en-US" b="1" dirty="0"/>
-              <a:t>Linear Regression</a:t>
+              <a:rPr lang="en-US" b="1" dirty="0" smtClean="0"/>
+              <a:t>Regression Comparison</a:t>
             </a:r>
             <a:endParaRPr lang="en-US" sz="4500" b="1" dirty="0">
               <a:latin typeface="Verdana" panose="020B0604030504040204" pitchFamily="34" charset="0"/>
@@ -8921,7 +7848,7 @@
       </p:sp>
       <p:pic>
         <p:nvPicPr>
-          <p:cNvPr id="5" name="Picture 4"/>
+          <p:cNvPr id="3" name="Picture 2"/>
           <p:cNvPicPr>
             <a:picLocks noChangeAspect="1"/>
           </p:cNvPicPr>
@@ -8935,8 +7862,8 @@
         </p:blipFill>
         <p:spPr>
           <a:xfrm>
-            <a:off x="1453139" y="1437986"/>
-            <a:ext cx="9248775" cy="5219700"/>
+            <a:off x="2327563" y="1098550"/>
+            <a:ext cx="7315200" cy="5676900"/>
           </a:xfrm>
           <a:prstGeom prst="rect">
             <a:avLst/>
@@ -8946,13 +7873,20 @@
     </p:spTree>
     <p:extLst>
       <p:ext uri="{BB962C8B-B14F-4D97-AF65-F5344CB8AC3E}">
-        <p14:creationId xmlns:p14="http://schemas.microsoft.com/office/powerpoint/2010/main" val="1495660862"/>
+        <p14:creationId xmlns:p14="http://schemas.microsoft.com/office/powerpoint/2010/main" val="2962341483"/>
       </p:ext>
     </p:extLst>
   </p:cSld>
   <p:clrMapOvr>
     <a:masterClrMapping/>
   </p:clrMapOvr>
+  <p:timing>
+    <p:tnLst>
+      <p:par>
+        <p:cTn id="1" dur="indefinite" restart="never" nodeType="tmRoot"/>
+      </p:par>
+    </p:tnLst>
+  </p:timing>
 </p:sld>
 </file>
 
@@ -8985,21 +7919,33 @@
         </p:nvSpPr>
         <p:spPr>
           <a:xfrm>
-            <a:off x="138545" y="193964"/>
-            <a:ext cx="11877964" cy="738909"/>
+            <a:off x="138545" y="581114"/>
+            <a:ext cx="11877964" cy="946028"/>
           </a:xfrm>
         </p:spPr>
         <p:txBody>
           <a:bodyPr>
-            <a:normAutofit fontScale="90000"/>
+            <a:normAutofit/>
           </a:bodyPr>
           <a:lstStyle/>
           <a:p>
             <a:r>
-              <a:rPr lang="en-US" b="1" dirty="0"/>
-              <a:t>Cross Validation - Linear Regression</a:t>
-            </a:r>
-            <a:endParaRPr lang="en-US" sz="4500" b="1" dirty="0">
+              <a:rPr lang="en-US" sz="4400" dirty="0" smtClean="0">
+                <a:latin typeface="Verdana" panose="020B0604030504040204" pitchFamily="34" charset="0"/>
+                <a:ea typeface="Verdana" panose="020B0604030504040204" pitchFamily="34" charset="0"/>
+                <a:cs typeface="Verdana" panose="020B0604030504040204" pitchFamily="34" charset="0"/>
+              </a:rPr>
+              <a:t>Final </a:t>
+            </a:r>
+            <a:r>
+              <a:rPr lang="en-US" sz="4400" dirty="0" smtClean="0">
+                <a:latin typeface="Verdana" panose="020B0604030504040204" pitchFamily="34" charset="0"/>
+                <a:ea typeface="Verdana" panose="020B0604030504040204" pitchFamily="34" charset="0"/>
+                <a:cs typeface="Verdana" panose="020B0604030504040204" pitchFamily="34" charset="0"/>
+              </a:rPr>
+              <a:t>Thoughts - Data</a:t>
+            </a:r>
+            <a:endParaRPr lang="en-US" sz="4400" dirty="0">
               <a:latin typeface="Verdana" panose="020B0604030504040204" pitchFamily="34" charset="0"/>
               <a:ea typeface="Verdana" panose="020B0604030504040204" pitchFamily="34" charset="0"/>
               <a:cs typeface="Verdana" panose="020B0604030504040204" pitchFamily="34" charset="0"/>
@@ -9007,34 +7953,151 @@
           </a:p>
         </p:txBody>
       </p:sp>
-      <p:pic>
-        <p:nvPicPr>
-          <p:cNvPr id="3" name="Picture 2"/>
-          <p:cNvPicPr>
-            <a:picLocks noChangeAspect="1"/>
-          </p:cNvPicPr>
-          <p:nvPr/>
-        </p:nvPicPr>
-        <p:blipFill>
-          <a:blip r:embed="rId2"/>
-          <a:stretch>
-            <a:fillRect/>
-          </a:stretch>
-        </p:blipFill>
+      <p:sp>
+        <p:nvSpPr>
+          <p:cNvPr id="3" name="Subtitle 2"/>
+          <p:cNvSpPr>
+            <a:spLocks noGrp="1"/>
+          </p:cNvSpPr>
+          <p:nvPr>
+            <p:ph type="subTitle" idx="1"/>
+          </p:nvPr>
+        </p:nvSpPr>
         <p:spPr>
           <a:xfrm>
-            <a:off x="1126836" y="1256145"/>
-            <a:ext cx="9083964" cy="5744730"/>
+            <a:off x="0" y="1669543"/>
+            <a:ext cx="11877964" cy="4863232"/>
           </a:xfrm>
-          <a:prstGeom prst="rect">
-            <a:avLst/>
-          </a:prstGeom>
         </p:spPr>
-      </p:pic>
+        <p:txBody>
+          <a:bodyPr>
+            <a:normAutofit/>
+          </a:bodyPr>
+          <a:lstStyle/>
+          <a:p>
+            <a:pPr marL="342900" indent="-342900" algn="l">
+              <a:buFont typeface="Arial" panose="020B0604020202020204" pitchFamily="34" charset="0"/>
+              <a:buChar char="•"/>
+            </a:pPr>
+            <a:r>
+              <a:rPr lang="en-US" dirty="0" smtClean="0">
+                <a:latin typeface="Verdana" panose="020B0604030504040204" pitchFamily="34" charset="0"/>
+                <a:ea typeface="Verdana" panose="020B0604030504040204" pitchFamily="34" charset="0"/>
+                <a:cs typeface="Verdana" panose="020B0604030504040204" pitchFamily="34" charset="0"/>
+              </a:rPr>
+              <a:t>All the data in the dataset are not having complete data for all the observations</a:t>
+            </a:r>
+          </a:p>
+          <a:p>
+            <a:pPr marL="342900" indent="-342900" algn="l">
+              <a:buFont typeface="Arial" panose="020B0604020202020204" pitchFamily="34" charset="0"/>
+              <a:buChar char="•"/>
+            </a:pPr>
+            <a:endParaRPr lang="en-US" dirty="0" smtClean="0">
+              <a:latin typeface="Verdana" panose="020B0604030504040204" pitchFamily="34" charset="0"/>
+              <a:ea typeface="Verdana" panose="020B0604030504040204" pitchFamily="34" charset="0"/>
+              <a:cs typeface="Verdana" panose="020B0604030504040204" pitchFamily="34" charset="0"/>
+            </a:endParaRPr>
+          </a:p>
+          <a:p>
+            <a:pPr marL="342900" indent="-342900" algn="l">
+              <a:buFont typeface="Arial" panose="020B0604020202020204" pitchFamily="34" charset="0"/>
+              <a:buChar char="•"/>
+            </a:pPr>
+            <a:r>
+              <a:rPr lang="en-US" dirty="0" smtClean="0">
+                <a:latin typeface="Verdana" panose="020B0604030504040204" pitchFamily="34" charset="0"/>
+                <a:ea typeface="Verdana" panose="020B0604030504040204" pitchFamily="34" charset="0"/>
+                <a:cs typeface="Verdana" panose="020B0604030504040204" pitchFamily="34" charset="0"/>
+              </a:rPr>
+              <a:t>15 % of properties are having missing values</a:t>
+            </a:r>
+          </a:p>
+          <a:p>
+            <a:pPr marL="342900" indent="-342900" algn="l">
+              <a:buFont typeface="Arial" panose="020B0604020202020204" pitchFamily="34" charset="0"/>
+              <a:buChar char="•"/>
+            </a:pPr>
+            <a:endParaRPr lang="en-US" dirty="0" smtClean="0">
+              <a:latin typeface="Verdana" panose="020B0604030504040204" pitchFamily="34" charset="0"/>
+              <a:ea typeface="Verdana" panose="020B0604030504040204" pitchFamily="34" charset="0"/>
+              <a:cs typeface="Verdana" panose="020B0604030504040204" pitchFamily="34" charset="0"/>
+            </a:endParaRPr>
+          </a:p>
+          <a:p>
+            <a:pPr marL="342900" indent="-342900" algn="l">
+              <a:buFont typeface="Arial" panose="020B0604020202020204" pitchFamily="34" charset="0"/>
+              <a:buChar char="•"/>
+            </a:pPr>
+            <a:r>
+              <a:rPr lang="en-US" dirty="0" smtClean="0">
+                <a:latin typeface="Verdana" panose="020B0604030504040204" pitchFamily="34" charset="0"/>
+                <a:ea typeface="Verdana" panose="020B0604030504040204" pitchFamily="34" charset="0"/>
+                <a:cs typeface="Verdana" panose="020B0604030504040204" pitchFamily="34" charset="0"/>
+              </a:rPr>
+              <a:t>Data is not normally distributed</a:t>
+            </a:r>
+          </a:p>
+          <a:p>
+            <a:pPr marL="342900" indent="-342900" algn="l">
+              <a:buFont typeface="Arial" panose="020B0604020202020204" pitchFamily="34" charset="0"/>
+              <a:buChar char="•"/>
+            </a:pPr>
+            <a:endParaRPr lang="en-US" dirty="0" smtClean="0">
+              <a:latin typeface="Verdana" panose="020B0604030504040204" pitchFamily="34" charset="0"/>
+              <a:ea typeface="Verdana" panose="020B0604030504040204" pitchFamily="34" charset="0"/>
+              <a:cs typeface="Verdana" panose="020B0604030504040204" pitchFamily="34" charset="0"/>
+            </a:endParaRPr>
+          </a:p>
+          <a:p>
+            <a:pPr marL="342900" indent="-342900" algn="l">
+              <a:buFont typeface="Arial" panose="020B0604020202020204" pitchFamily="34" charset="0"/>
+              <a:buChar char="•"/>
+            </a:pPr>
+            <a:r>
+              <a:rPr lang="en-US" dirty="0">
+                <a:latin typeface="Verdana" panose="020B0604030504040204" pitchFamily="34" charset="0"/>
+                <a:ea typeface="Verdana" panose="020B0604030504040204" pitchFamily="34" charset="0"/>
+                <a:cs typeface="Verdana" panose="020B0604030504040204" pitchFamily="34" charset="0"/>
+              </a:rPr>
+              <a:t>Neighborhood has big impact on house prices. Most expensive seems to be Partial </a:t>
+            </a:r>
+            <a:r>
+              <a:rPr lang="en-US" dirty="0" err="1">
+                <a:latin typeface="Verdana" panose="020B0604030504040204" pitchFamily="34" charset="0"/>
+                <a:ea typeface="Verdana" panose="020B0604030504040204" pitchFamily="34" charset="0"/>
+                <a:cs typeface="Verdana" panose="020B0604030504040204" pitchFamily="34" charset="0"/>
+              </a:rPr>
+              <a:t>SaleCondition</a:t>
+            </a:r>
+            <a:r>
+              <a:rPr lang="en-US" dirty="0">
+                <a:latin typeface="Verdana" panose="020B0604030504040204" pitchFamily="34" charset="0"/>
+                <a:ea typeface="Verdana" panose="020B0604030504040204" pitchFamily="34" charset="0"/>
+                <a:cs typeface="Verdana" panose="020B0604030504040204" pitchFamily="34" charset="0"/>
+              </a:rPr>
+              <a:t>. Having pool on property seems to improve price substantially</a:t>
+            </a:r>
+            <a:endParaRPr lang="en-US" dirty="0">
+              <a:latin typeface="Verdana" panose="020B0604030504040204" pitchFamily="34" charset="0"/>
+              <a:ea typeface="Verdana" panose="020B0604030504040204" pitchFamily="34" charset="0"/>
+              <a:cs typeface="Verdana" panose="020B0604030504040204" pitchFamily="34" charset="0"/>
+            </a:endParaRPr>
+          </a:p>
+          <a:p>
+            <a:pPr algn="l"/>
+            <a:endParaRPr lang="en-US" dirty="0" smtClean="0">
+              <a:latin typeface="Verdana" panose="020B0604030504040204" pitchFamily="34" charset="0"/>
+              <a:ea typeface="Verdana" panose="020B0604030504040204" pitchFamily="34" charset="0"/>
+              <a:cs typeface="Verdana" panose="020B0604030504040204" pitchFamily="34" charset="0"/>
+            </a:endParaRPr>
+          </a:p>
+        </p:txBody>
+      </p:sp>
     </p:spTree>
     <p:extLst>
       <p:ext uri="{BB962C8B-B14F-4D97-AF65-F5344CB8AC3E}">
-        <p14:creationId xmlns:p14="http://schemas.microsoft.com/office/powerpoint/2010/main" val="836785759"/>
+        <p14:creationId xmlns:p14="http://schemas.microsoft.com/office/powerpoint/2010/main" val="3305458709"/>
       </p:ext>
     </p:extLst>
   </p:cSld>
@@ -9068,65 +8131,141 @@
             <a:spLocks noGrp="1"/>
           </p:cNvSpPr>
           <p:nvPr>
-            <p:ph type="ctrTitle"/>
+            <p:ph type="title"/>
           </p:nvPr>
         </p:nvSpPr>
-        <p:spPr>
-          <a:xfrm>
-            <a:off x="138545" y="193964"/>
-            <a:ext cx="11877964" cy="738909"/>
-          </a:xfrm>
-        </p:spPr>
+        <p:spPr/>
         <p:txBody>
-          <a:bodyPr>
-            <a:normAutofit fontScale="90000"/>
-          </a:bodyPr>
+          <a:bodyPr/>
           <a:lstStyle/>
           <a:p>
-            <a:r>
-              <a:rPr lang="en-US" b="1" dirty="0"/>
-              <a:t>Cross Validation </a:t>
-            </a:r>
-            <a:r>
-              <a:rPr lang="en-US" b="1" dirty="0" smtClean="0"/>
-              <a:t>– LR (Bayesian Ridge)</a:t>
-            </a:r>
-            <a:endParaRPr lang="en-US" sz="4500" b="1" dirty="0">
-              <a:latin typeface="Verdana" panose="020B0604030504040204" pitchFamily="34" charset="0"/>
-              <a:ea typeface="Verdana" panose="020B0604030504040204" pitchFamily="34" charset="0"/>
-              <a:cs typeface="Verdana" panose="020B0604030504040204" pitchFamily="34" charset="0"/>
-            </a:endParaRPr>
+            <a:pPr algn="ctr"/>
+            <a:r>
+              <a:rPr lang="en-US" b="1" dirty="0" smtClean="0">
+                <a:latin typeface="Verdana" panose="020B0604030504040204" pitchFamily="34" charset="0"/>
+                <a:ea typeface="Verdana" panose="020B0604030504040204" pitchFamily="34" charset="0"/>
+                <a:cs typeface="Verdana" panose="020B0604030504040204" pitchFamily="34" charset="0"/>
+              </a:rPr>
+              <a:t>RMSE(Root Mean Square Error)</a:t>
+            </a:r>
+            <a:endParaRPr lang="en-US" dirty="0"/>
           </a:p>
         </p:txBody>
       </p:sp>
-      <p:pic>
-        <p:nvPicPr>
-          <p:cNvPr id="4" name="Picture 3"/>
-          <p:cNvPicPr>
-            <a:picLocks noChangeAspect="1"/>
-          </p:cNvPicPr>
-          <p:nvPr/>
-        </p:nvPicPr>
-        <p:blipFill>
-          <a:blip r:embed="rId2"/>
-          <a:stretch>
-            <a:fillRect/>
-          </a:stretch>
-        </p:blipFill>
-        <p:spPr>
-          <a:xfrm>
-            <a:off x="1403928" y="845367"/>
-            <a:ext cx="8297862" cy="5832524"/>
-          </a:xfrm>
-          <a:prstGeom prst="rect">
-            <a:avLst/>
-          </a:prstGeom>
-        </p:spPr>
-      </p:pic>
+      <p:sp>
+        <p:nvSpPr>
+          <p:cNvPr id="3" name="Content Placeholder 2"/>
+          <p:cNvSpPr>
+            <a:spLocks noGrp="1"/>
+          </p:cNvSpPr>
+          <p:nvPr>
+            <p:ph idx="1"/>
+          </p:nvPr>
+        </p:nvSpPr>
+        <p:spPr/>
+        <p:txBody>
+          <a:bodyPr/>
+          <a:lstStyle/>
+          <a:p>
+            <a:r>
+              <a:rPr lang="en-US" b="1" dirty="0"/>
+              <a:t>Cross Validation - Linear Regression </a:t>
+            </a:r>
+            <a:endParaRPr lang="en-US" b="1" dirty="0" smtClean="0"/>
+          </a:p>
+          <a:p>
+            <a:pPr marL="457200" lvl="1" indent="0">
+              <a:buNone/>
+            </a:pPr>
+            <a:r>
+              <a:rPr lang="en-US" b="1" dirty="0"/>
+              <a:t>	</a:t>
+            </a:r>
+            <a:r>
+              <a:rPr lang="en-US" dirty="0" smtClean="0"/>
+              <a:t>Best </a:t>
+            </a:r>
+            <a:r>
+              <a:rPr lang="en-US" dirty="0"/>
+              <a:t>RMSE: </a:t>
+            </a:r>
+            <a:r>
+              <a:rPr lang="en-US" dirty="0" smtClean="0"/>
+              <a:t>0.0995</a:t>
+            </a:r>
+          </a:p>
+          <a:p>
+            <a:r>
+              <a:rPr lang="en-US" b="1" dirty="0" smtClean="0"/>
+              <a:t>Cross Validation - Linear Regression (Bayesian Ridge)</a:t>
+            </a:r>
+          </a:p>
+          <a:p>
+            <a:pPr marL="457200" lvl="1" indent="0">
+              <a:buNone/>
+            </a:pPr>
+            <a:r>
+              <a:rPr lang="en-US" dirty="0" smtClean="0"/>
+              <a:t>	Best </a:t>
+            </a:r>
+            <a:r>
+              <a:rPr lang="en-US" dirty="0"/>
+              <a:t>RMSE: </a:t>
+            </a:r>
+            <a:r>
+              <a:rPr lang="en-US" dirty="0" smtClean="0"/>
+              <a:t>0.1012</a:t>
+            </a:r>
+          </a:p>
+          <a:p>
+            <a:r>
+              <a:rPr lang="en-US" b="1" dirty="0"/>
+              <a:t>Ridge Regression or Tikhonov regularization</a:t>
+            </a:r>
+          </a:p>
+          <a:p>
+            <a:pPr marL="457200" lvl="1" indent="0">
+              <a:buNone/>
+            </a:pPr>
+            <a:r>
+              <a:rPr lang="en-US" dirty="0"/>
+              <a:t>	Best RMSE: </a:t>
+            </a:r>
+            <a:r>
+              <a:rPr lang="en-US" dirty="0" smtClean="0"/>
+              <a:t>0.1153</a:t>
+            </a:r>
+          </a:p>
+          <a:p>
+            <a:r>
+              <a:rPr lang="en-US" b="1" dirty="0"/>
+              <a:t>Polynomial Regression</a:t>
+            </a:r>
+          </a:p>
+          <a:p>
+            <a:pPr marL="457200" lvl="1" indent="0">
+              <a:buNone/>
+            </a:pPr>
+            <a:r>
+              <a:rPr lang="en-US" dirty="0" smtClean="0"/>
+              <a:t>	</a:t>
+            </a:r>
+            <a:r>
+              <a:rPr lang="en-US" dirty="0"/>
+              <a:t> Best RMSE: </a:t>
+            </a:r>
+            <a:r>
+              <a:rPr lang="en-US" dirty="0" smtClean="0"/>
+              <a:t>4754824.8860 – Very Bad</a:t>
+            </a:r>
+            <a:endParaRPr lang="en-US" dirty="0"/>
+          </a:p>
+        </p:txBody>
+      </p:sp>
     </p:spTree>
     <p:extLst>
       <p:ext uri="{BB962C8B-B14F-4D97-AF65-F5344CB8AC3E}">
-        <p14:creationId xmlns:p14="http://schemas.microsoft.com/office/powerpoint/2010/main" val="2008390234"/>
+        <p14:creationId xmlns:p14="http://schemas.microsoft.com/office/powerpoint/2010/main" val="3598906306"/>
       </p:ext>
     </p:extLst>
   </p:cSld>
@@ -9160,61 +8299,931 @@
             <a:spLocks noGrp="1"/>
           </p:cNvSpPr>
           <p:nvPr>
-            <p:ph type="ctrTitle"/>
+            <p:ph type="title"/>
           </p:nvPr>
+        </p:nvSpPr>
+        <p:spPr/>
+        <p:txBody>
+          <a:bodyPr/>
+          <a:lstStyle/>
+          <a:p>
+            <a:pPr algn="ctr"/>
+            <a:r>
+              <a:rPr lang="en-US" b="1" dirty="0" smtClean="0">
+                <a:latin typeface="Verdana" panose="020B0604030504040204" pitchFamily="34" charset="0"/>
+                <a:ea typeface="Verdana" panose="020B0604030504040204" pitchFamily="34" charset="0"/>
+                <a:cs typeface="Verdana" panose="020B0604030504040204" pitchFamily="34" charset="0"/>
+              </a:rPr>
+              <a:t>RMSE - Comparison</a:t>
+            </a:r>
+            <a:endParaRPr lang="en-US" dirty="0"/>
+          </a:p>
+        </p:txBody>
+      </p:sp>
+      <p:graphicFrame>
+        <p:nvGraphicFramePr>
+          <p:cNvPr id="6" name="Table 5"/>
+          <p:cNvGraphicFramePr>
+            <a:graphicFrameLocks noGrp="1"/>
+          </p:cNvGraphicFramePr>
+          <p:nvPr>
+            <p:extLst>
+              <p:ext uri="{D42A27DB-BD31-4B8C-83A1-F6EECF244321}">
+                <p14:modId xmlns:p14="http://schemas.microsoft.com/office/powerpoint/2010/main" val="3259620510"/>
+              </p:ext>
+            </p:extLst>
+          </p:nvPr>
+        </p:nvGraphicFramePr>
+        <p:xfrm>
+          <a:off x="3153398" y="1460622"/>
+          <a:ext cx="5400942" cy="4490058"/>
+        </p:xfrm>
+        <a:graphic>
+          <a:graphicData uri="http://schemas.openxmlformats.org/drawingml/2006/table">
+            <a:tbl>
+              <a:tblPr>
+                <a:tableStyleId>{5C22544A-7EE6-4342-B048-85BDC9FD1C3A}</a:tableStyleId>
+              </a:tblPr>
+              <a:tblGrid>
+                <a:gridCol w="3181377">
+                  <a:extLst>
+                    <a:ext uri="{9D8B030D-6E8A-4147-A177-3AD203B41FA5}">
+                      <a16:colId xmlns:a16="http://schemas.microsoft.com/office/drawing/2014/main" val="2416369234"/>
+                    </a:ext>
+                  </a:extLst>
+                </a:gridCol>
+                <a:gridCol w="2219565">
+                  <a:extLst>
+                    <a:ext uri="{9D8B030D-6E8A-4147-A177-3AD203B41FA5}">
+                      <a16:colId xmlns:a16="http://schemas.microsoft.com/office/drawing/2014/main" val="3924542926"/>
+                    </a:ext>
+                  </a:extLst>
+                </a:gridCol>
+              </a:tblGrid>
+              <a:tr h="232383">
+                <a:tc>
+                  <a:txBody>
+                    <a:bodyPr/>
+                    <a:lstStyle/>
+                    <a:p>
+                      <a:pPr algn="l" fontAlgn="b"/>
+                      <a:r>
+                        <a:rPr lang="en-US" sz="1800" b="1" u="none" strike="noStrike" dirty="0">
+                          <a:effectLst/>
+                        </a:rPr>
+                        <a:t>Model     </a:t>
+                      </a:r>
+                      <a:endParaRPr lang="en-US" sz="1800" b="1" i="0" u="none" strike="noStrike" dirty="0">
+                        <a:solidFill>
+                          <a:srgbClr val="000000"/>
+                        </a:solidFill>
+                        <a:effectLst/>
+                        <a:latin typeface="Verdana" panose="020B0604030504040204" pitchFamily="34" charset="0"/>
+                      </a:endParaRPr>
+                    </a:p>
+                  </a:txBody>
+                  <a:tcPr marL="9525" marR="9525" marT="9525" marB="0" anchor="b"/>
+                </a:tc>
+                <a:tc>
+                  <a:txBody>
+                    <a:bodyPr/>
+                    <a:lstStyle/>
+                    <a:p>
+                      <a:pPr algn="l" fontAlgn="b"/>
+                      <a:r>
+                        <a:rPr lang="en-US" sz="1800" b="1" u="none" strike="noStrike">
+                          <a:effectLst/>
+                        </a:rPr>
+                        <a:t>Best RMSE</a:t>
+                      </a:r>
+                      <a:endParaRPr lang="en-US" sz="1800" b="1" i="0" u="none" strike="noStrike">
+                        <a:solidFill>
+                          <a:srgbClr val="000000"/>
+                        </a:solidFill>
+                        <a:effectLst/>
+                        <a:latin typeface="Verdana" panose="020B0604030504040204" pitchFamily="34" charset="0"/>
+                      </a:endParaRPr>
+                    </a:p>
+                  </a:txBody>
+                  <a:tcPr marL="9525" marR="9525" marT="9525" marB="0" anchor="b"/>
+                </a:tc>
+                <a:extLst>
+                  <a:ext uri="{0D108BD9-81ED-4DB2-BD59-A6C34878D82A}">
+                    <a16:rowId xmlns:a16="http://schemas.microsoft.com/office/drawing/2014/main" val="2203492952"/>
+                  </a:ext>
+                </a:extLst>
+              </a:tr>
+              <a:tr h="232383">
+                <a:tc>
+                  <a:txBody>
+                    <a:bodyPr/>
+                    <a:lstStyle/>
+                    <a:p>
+                      <a:pPr algn="l" fontAlgn="b"/>
+                      <a:endParaRPr lang="en-US" sz="1800" b="1" i="0" u="none" strike="noStrike" dirty="0">
+                        <a:solidFill>
+                          <a:srgbClr val="000000"/>
+                        </a:solidFill>
+                        <a:effectLst/>
+                        <a:latin typeface="Verdana" panose="020B0604030504040204" pitchFamily="34" charset="0"/>
+                      </a:endParaRPr>
+                    </a:p>
+                  </a:txBody>
+                  <a:tcPr marL="9525" marR="9525" marT="9525" marB="0" anchor="b"/>
+                </a:tc>
+                <a:tc>
+                  <a:txBody>
+                    <a:bodyPr/>
+                    <a:lstStyle/>
+                    <a:p>
+                      <a:pPr algn="l" fontAlgn="b"/>
+                      <a:endParaRPr lang="en-US" sz="1800" b="1" i="0" u="none" strike="noStrike">
+                        <a:solidFill>
+                          <a:srgbClr val="000000"/>
+                        </a:solidFill>
+                        <a:effectLst/>
+                        <a:latin typeface="Verdana" panose="020B0604030504040204" pitchFamily="34" charset="0"/>
+                      </a:endParaRPr>
+                    </a:p>
+                  </a:txBody>
+                  <a:tcPr marL="9525" marR="9525" marT="9525" marB="0" anchor="b"/>
+                </a:tc>
+                <a:extLst>
+                  <a:ext uri="{0D108BD9-81ED-4DB2-BD59-A6C34878D82A}">
+                    <a16:rowId xmlns:a16="http://schemas.microsoft.com/office/drawing/2014/main" val="3652691995"/>
+                  </a:ext>
+                </a:extLst>
+              </a:tr>
+              <a:tr h="232383">
+                <a:tc>
+                  <a:txBody>
+                    <a:bodyPr/>
+                    <a:lstStyle/>
+                    <a:p>
+                      <a:pPr algn="l" fontAlgn="b"/>
+                      <a:r>
+                        <a:rPr lang="en-US" sz="1800" b="1" u="none" strike="noStrike" dirty="0">
+                          <a:effectLst/>
+                        </a:rPr>
+                        <a:t>Linear Regression </a:t>
+                      </a:r>
+                      <a:endParaRPr lang="en-US" sz="1800" b="1" i="0" u="none" strike="noStrike" dirty="0">
+                        <a:solidFill>
+                          <a:srgbClr val="000000"/>
+                        </a:solidFill>
+                        <a:effectLst/>
+                        <a:latin typeface="Verdana" panose="020B0604030504040204" pitchFamily="34" charset="0"/>
+                      </a:endParaRPr>
+                    </a:p>
+                  </a:txBody>
+                  <a:tcPr marL="9525" marR="9525" marT="9525" marB="0" anchor="b"/>
+                </a:tc>
+                <a:tc>
+                  <a:txBody>
+                    <a:bodyPr/>
+                    <a:lstStyle/>
+                    <a:p>
+                      <a:pPr algn="r" fontAlgn="b"/>
+                      <a:r>
+                        <a:rPr lang="en-US" sz="1800" b="1" u="none" strike="noStrike">
+                          <a:effectLst/>
+                        </a:rPr>
+                        <a:t>0.114</a:t>
+                      </a:r>
+                      <a:endParaRPr lang="en-US" sz="1800" b="1" i="0" u="none" strike="noStrike">
+                        <a:solidFill>
+                          <a:srgbClr val="000000"/>
+                        </a:solidFill>
+                        <a:effectLst/>
+                        <a:latin typeface="Verdana" panose="020B0604030504040204" pitchFamily="34" charset="0"/>
+                      </a:endParaRPr>
+                    </a:p>
+                  </a:txBody>
+                  <a:tcPr marL="9525" marR="9525" marT="9525" marB="0" anchor="b"/>
+                </a:tc>
+                <a:extLst>
+                  <a:ext uri="{0D108BD9-81ED-4DB2-BD59-A6C34878D82A}">
+                    <a16:rowId xmlns:a16="http://schemas.microsoft.com/office/drawing/2014/main" val="349387818"/>
+                  </a:ext>
+                </a:extLst>
+              </a:tr>
+              <a:tr h="232383">
+                <a:tc>
+                  <a:txBody>
+                    <a:bodyPr/>
+                    <a:lstStyle/>
+                    <a:p>
+                      <a:pPr algn="l" fontAlgn="b"/>
+                      <a:r>
+                        <a:rPr lang="en-US" sz="1800" b="1" u="none" strike="noStrike" dirty="0">
+                          <a:effectLst/>
+                        </a:rPr>
+                        <a:t>Ridge Regularization </a:t>
+                      </a:r>
+                      <a:endParaRPr lang="en-US" sz="1800" b="1" i="0" u="none" strike="noStrike" dirty="0">
+                        <a:solidFill>
+                          <a:srgbClr val="000000"/>
+                        </a:solidFill>
+                        <a:effectLst/>
+                        <a:latin typeface="Verdana" panose="020B0604030504040204" pitchFamily="34" charset="0"/>
+                      </a:endParaRPr>
+                    </a:p>
+                  </a:txBody>
+                  <a:tcPr marL="9525" marR="9525" marT="9525" marB="0" anchor="b"/>
+                </a:tc>
+                <a:tc>
+                  <a:txBody>
+                    <a:bodyPr/>
+                    <a:lstStyle/>
+                    <a:p>
+                      <a:pPr algn="r" fontAlgn="b"/>
+                      <a:r>
+                        <a:rPr lang="en-US" sz="1800" b="1" u="none" strike="noStrike">
+                          <a:effectLst/>
+                        </a:rPr>
+                        <a:t>0.114</a:t>
+                      </a:r>
+                      <a:endParaRPr lang="en-US" sz="1800" b="1" i="0" u="none" strike="noStrike">
+                        <a:solidFill>
+                          <a:srgbClr val="000000"/>
+                        </a:solidFill>
+                        <a:effectLst/>
+                        <a:latin typeface="Verdana" panose="020B0604030504040204" pitchFamily="34" charset="0"/>
+                      </a:endParaRPr>
+                    </a:p>
+                  </a:txBody>
+                  <a:tcPr marL="9525" marR="9525" marT="9525" marB="0" anchor="b"/>
+                </a:tc>
+                <a:extLst>
+                  <a:ext uri="{0D108BD9-81ED-4DB2-BD59-A6C34878D82A}">
+                    <a16:rowId xmlns:a16="http://schemas.microsoft.com/office/drawing/2014/main" val="1473971578"/>
+                  </a:ext>
+                </a:extLst>
+              </a:tr>
+              <a:tr h="232383">
+                <a:tc>
+                  <a:txBody>
+                    <a:bodyPr/>
+                    <a:lstStyle/>
+                    <a:p>
+                      <a:pPr algn="l" fontAlgn="b"/>
+                      <a:r>
+                        <a:rPr lang="en-US" sz="1800" b="1" u="none" strike="noStrike" dirty="0">
+                          <a:effectLst/>
+                        </a:rPr>
+                        <a:t>Nearest Neighbors</a:t>
+                      </a:r>
+                      <a:endParaRPr lang="en-US" sz="1800" b="1" i="0" u="none" strike="noStrike" dirty="0">
+                        <a:solidFill>
+                          <a:srgbClr val="000000"/>
+                        </a:solidFill>
+                        <a:effectLst/>
+                        <a:latin typeface="Verdana" panose="020B0604030504040204" pitchFamily="34" charset="0"/>
+                      </a:endParaRPr>
+                    </a:p>
+                  </a:txBody>
+                  <a:tcPr marL="9525" marR="9525" marT="9525" marB="0" anchor="b"/>
+                </a:tc>
+                <a:tc>
+                  <a:txBody>
+                    <a:bodyPr/>
+                    <a:lstStyle/>
+                    <a:p>
+                      <a:pPr algn="r" fontAlgn="b"/>
+                      <a:r>
+                        <a:rPr lang="en-US" sz="1800" b="1" u="none" strike="noStrike">
+                          <a:effectLst/>
+                        </a:rPr>
+                        <a:t>0.199</a:t>
+                      </a:r>
+                      <a:endParaRPr lang="en-US" sz="1800" b="1" i="0" u="none" strike="noStrike">
+                        <a:solidFill>
+                          <a:srgbClr val="000000"/>
+                        </a:solidFill>
+                        <a:effectLst/>
+                        <a:latin typeface="Verdana" panose="020B0604030504040204" pitchFamily="34" charset="0"/>
+                      </a:endParaRPr>
+                    </a:p>
+                  </a:txBody>
+                  <a:tcPr marL="9525" marR="9525" marT="9525" marB="0" anchor="b"/>
+                </a:tc>
+                <a:extLst>
+                  <a:ext uri="{0D108BD9-81ED-4DB2-BD59-A6C34878D82A}">
+                    <a16:rowId xmlns:a16="http://schemas.microsoft.com/office/drawing/2014/main" val="2538792484"/>
+                  </a:ext>
+                </a:extLst>
+              </a:tr>
+              <a:tr h="232383">
+                <a:tc>
+                  <a:txBody>
+                    <a:bodyPr/>
+                    <a:lstStyle/>
+                    <a:p>
+                      <a:pPr algn="l" fontAlgn="b"/>
+                      <a:r>
+                        <a:rPr lang="en-US" sz="1800" b="1" u="none" strike="noStrike" dirty="0">
+                          <a:effectLst/>
+                        </a:rPr>
+                        <a:t>Gaussian Process </a:t>
+                      </a:r>
+                      <a:endParaRPr lang="en-US" sz="1800" b="1" i="0" u="none" strike="noStrike" dirty="0">
+                        <a:solidFill>
+                          <a:srgbClr val="000000"/>
+                        </a:solidFill>
+                        <a:effectLst/>
+                        <a:latin typeface="Verdana" panose="020B0604030504040204" pitchFamily="34" charset="0"/>
+                      </a:endParaRPr>
+                    </a:p>
+                  </a:txBody>
+                  <a:tcPr marL="9525" marR="9525" marT="9525" marB="0" anchor="b"/>
+                </a:tc>
+                <a:tc>
+                  <a:txBody>
+                    <a:bodyPr/>
+                    <a:lstStyle/>
+                    <a:p>
+                      <a:pPr algn="r" fontAlgn="b"/>
+                      <a:r>
+                        <a:rPr lang="en-US" sz="1800" b="1" u="none" strike="noStrike">
+                          <a:effectLst/>
+                        </a:rPr>
+                        <a:t>0.359</a:t>
+                      </a:r>
+                      <a:endParaRPr lang="en-US" sz="1800" b="1" i="0" u="none" strike="noStrike">
+                        <a:solidFill>
+                          <a:srgbClr val="000000"/>
+                        </a:solidFill>
+                        <a:effectLst/>
+                        <a:latin typeface="Verdana" panose="020B0604030504040204" pitchFamily="34" charset="0"/>
+                      </a:endParaRPr>
+                    </a:p>
+                  </a:txBody>
+                  <a:tcPr marL="9525" marR="9525" marT="9525" marB="0" anchor="b"/>
+                </a:tc>
+                <a:extLst>
+                  <a:ext uri="{0D108BD9-81ED-4DB2-BD59-A6C34878D82A}">
+                    <a16:rowId xmlns:a16="http://schemas.microsoft.com/office/drawing/2014/main" val="51474022"/>
+                  </a:ext>
+                </a:extLst>
+              </a:tr>
+              <a:tr h="232383">
+                <a:tc>
+                  <a:txBody>
+                    <a:bodyPr/>
+                    <a:lstStyle/>
+                    <a:p>
+                      <a:pPr algn="l" fontAlgn="b"/>
+                      <a:r>
+                        <a:rPr lang="en-US" sz="1800" b="1" u="none" strike="noStrike" dirty="0">
+                          <a:effectLst/>
+                        </a:rPr>
+                        <a:t>Decision Tree</a:t>
+                      </a:r>
+                      <a:endParaRPr lang="en-US" sz="1800" b="1" i="0" u="none" strike="noStrike" dirty="0">
+                        <a:solidFill>
+                          <a:srgbClr val="000000"/>
+                        </a:solidFill>
+                        <a:effectLst/>
+                        <a:latin typeface="Verdana" panose="020B0604030504040204" pitchFamily="34" charset="0"/>
+                      </a:endParaRPr>
+                    </a:p>
+                  </a:txBody>
+                  <a:tcPr marL="9525" marR="9525" marT="9525" marB="0" anchor="b"/>
+                </a:tc>
+                <a:tc>
+                  <a:txBody>
+                    <a:bodyPr/>
+                    <a:lstStyle/>
+                    <a:p>
+                      <a:pPr algn="r" fontAlgn="b"/>
+                      <a:r>
+                        <a:rPr lang="en-US" sz="1800" b="1" u="none" strike="noStrike">
+                          <a:effectLst/>
+                        </a:rPr>
+                        <a:t>0.183</a:t>
+                      </a:r>
+                      <a:endParaRPr lang="en-US" sz="1800" b="1" i="0" u="none" strike="noStrike">
+                        <a:solidFill>
+                          <a:srgbClr val="000000"/>
+                        </a:solidFill>
+                        <a:effectLst/>
+                        <a:latin typeface="Verdana" panose="020B0604030504040204" pitchFamily="34" charset="0"/>
+                      </a:endParaRPr>
+                    </a:p>
+                  </a:txBody>
+                  <a:tcPr marL="9525" marR="9525" marT="9525" marB="0" anchor="b"/>
+                </a:tc>
+                <a:extLst>
+                  <a:ext uri="{0D108BD9-81ED-4DB2-BD59-A6C34878D82A}">
+                    <a16:rowId xmlns:a16="http://schemas.microsoft.com/office/drawing/2014/main" val="2211702513"/>
+                  </a:ext>
+                </a:extLst>
+              </a:tr>
+              <a:tr h="232383">
+                <a:tc>
+                  <a:txBody>
+                    <a:bodyPr/>
+                    <a:lstStyle/>
+                    <a:p>
+                      <a:pPr algn="l" fontAlgn="b"/>
+                      <a:r>
+                        <a:rPr lang="en-US" sz="1800" b="1" u="none" strike="noStrike" dirty="0">
+                          <a:effectLst/>
+                        </a:rPr>
+                        <a:t>Neural Net  </a:t>
+                      </a:r>
+                      <a:endParaRPr lang="en-US" sz="1800" b="1" i="0" u="none" strike="noStrike" dirty="0">
+                        <a:solidFill>
+                          <a:srgbClr val="000000"/>
+                        </a:solidFill>
+                        <a:effectLst/>
+                        <a:latin typeface="Verdana" panose="020B0604030504040204" pitchFamily="34" charset="0"/>
+                      </a:endParaRPr>
+                    </a:p>
+                  </a:txBody>
+                  <a:tcPr marL="9525" marR="9525" marT="9525" marB="0" anchor="b"/>
+                </a:tc>
+                <a:tc>
+                  <a:txBody>
+                    <a:bodyPr/>
+                    <a:lstStyle/>
+                    <a:p>
+                      <a:pPr algn="r" fontAlgn="b"/>
+                      <a:r>
+                        <a:rPr lang="en-US" sz="1800" b="1" u="none" strike="noStrike">
+                          <a:effectLst/>
+                        </a:rPr>
+                        <a:t>2.863</a:t>
+                      </a:r>
+                      <a:endParaRPr lang="en-US" sz="1800" b="1" i="0" u="none" strike="noStrike">
+                        <a:solidFill>
+                          <a:srgbClr val="000000"/>
+                        </a:solidFill>
+                        <a:effectLst/>
+                        <a:latin typeface="Verdana" panose="020B0604030504040204" pitchFamily="34" charset="0"/>
+                      </a:endParaRPr>
+                    </a:p>
+                  </a:txBody>
+                  <a:tcPr marL="9525" marR="9525" marT="9525" marB="0" anchor="b"/>
+                </a:tc>
+                <a:extLst>
+                  <a:ext uri="{0D108BD9-81ED-4DB2-BD59-A6C34878D82A}">
+                    <a16:rowId xmlns:a16="http://schemas.microsoft.com/office/drawing/2014/main" val="1910226482"/>
+                  </a:ext>
+                </a:extLst>
+              </a:tr>
+              <a:tr h="232383">
+                <a:tc>
+                  <a:txBody>
+                    <a:bodyPr/>
+                    <a:lstStyle/>
+                    <a:p>
+                      <a:pPr algn="l" fontAlgn="b"/>
+                      <a:r>
+                        <a:rPr lang="en-US" sz="1800" b="1" u="none" strike="noStrike" dirty="0">
+                          <a:effectLst/>
+                        </a:rPr>
+                        <a:t>Random Forest</a:t>
+                      </a:r>
+                      <a:endParaRPr lang="en-US" sz="1800" b="1" i="0" u="none" strike="noStrike" dirty="0">
+                        <a:solidFill>
+                          <a:srgbClr val="000000"/>
+                        </a:solidFill>
+                        <a:effectLst/>
+                        <a:latin typeface="Verdana" panose="020B0604030504040204" pitchFamily="34" charset="0"/>
+                      </a:endParaRPr>
+                    </a:p>
+                  </a:txBody>
+                  <a:tcPr marL="9525" marR="9525" marT="9525" marB="0" anchor="b"/>
+                </a:tc>
+                <a:tc>
+                  <a:txBody>
+                    <a:bodyPr/>
+                    <a:lstStyle/>
+                    <a:p>
+                      <a:pPr algn="r" fontAlgn="b"/>
+                      <a:r>
+                        <a:rPr lang="en-US" sz="1800" b="1" u="none" strike="noStrike">
+                          <a:effectLst/>
+                        </a:rPr>
+                        <a:t>0.136</a:t>
+                      </a:r>
+                      <a:endParaRPr lang="en-US" sz="1800" b="1" i="0" u="none" strike="noStrike">
+                        <a:solidFill>
+                          <a:srgbClr val="000000"/>
+                        </a:solidFill>
+                        <a:effectLst/>
+                        <a:latin typeface="Verdana" panose="020B0604030504040204" pitchFamily="34" charset="0"/>
+                      </a:endParaRPr>
+                    </a:p>
+                  </a:txBody>
+                  <a:tcPr marL="9525" marR="9525" marT="9525" marB="0" anchor="b"/>
+                </a:tc>
+                <a:extLst>
+                  <a:ext uri="{0D108BD9-81ED-4DB2-BD59-A6C34878D82A}">
+                    <a16:rowId xmlns:a16="http://schemas.microsoft.com/office/drawing/2014/main" val="2909599003"/>
+                  </a:ext>
+                </a:extLst>
+              </a:tr>
+              <a:tr h="232383">
+                <a:tc>
+                  <a:txBody>
+                    <a:bodyPr/>
+                    <a:lstStyle/>
+                    <a:p>
+                      <a:pPr algn="l" fontAlgn="b"/>
+                      <a:r>
+                        <a:rPr lang="en-US" sz="1800" b="1" u="none" strike="noStrike" dirty="0" err="1">
+                          <a:effectLst/>
+                        </a:rPr>
+                        <a:t>XGBoost</a:t>
+                      </a:r>
+                      <a:endParaRPr lang="en-US" sz="1800" b="1" i="0" u="none" strike="noStrike" dirty="0">
+                        <a:solidFill>
+                          <a:srgbClr val="000000"/>
+                        </a:solidFill>
+                        <a:effectLst/>
+                        <a:latin typeface="Verdana" panose="020B0604030504040204" pitchFamily="34" charset="0"/>
+                      </a:endParaRPr>
+                    </a:p>
+                  </a:txBody>
+                  <a:tcPr marL="9525" marR="9525" marT="9525" marB="0" anchor="b"/>
+                </a:tc>
+                <a:tc>
+                  <a:txBody>
+                    <a:bodyPr/>
+                    <a:lstStyle/>
+                    <a:p>
+                      <a:pPr algn="r" fontAlgn="b"/>
+                      <a:r>
+                        <a:rPr lang="en-US" sz="1800" b="1" u="none" strike="noStrike">
+                          <a:effectLst/>
+                        </a:rPr>
+                        <a:t>2.134</a:t>
+                      </a:r>
+                      <a:endParaRPr lang="en-US" sz="1800" b="1" i="0" u="none" strike="noStrike">
+                        <a:solidFill>
+                          <a:srgbClr val="000000"/>
+                        </a:solidFill>
+                        <a:effectLst/>
+                        <a:latin typeface="Verdana" panose="020B0604030504040204" pitchFamily="34" charset="0"/>
+                      </a:endParaRPr>
+                    </a:p>
+                  </a:txBody>
+                  <a:tcPr marL="9525" marR="9525" marT="9525" marB="0" anchor="b"/>
+                </a:tc>
+                <a:extLst>
+                  <a:ext uri="{0D108BD9-81ED-4DB2-BD59-A6C34878D82A}">
+                    <a16:rowId xmlns:a16="http://schemas.microsoft.com/office/drawing/2014/main" val="4128564668"/>
+                  </a:ext>
+                </a:extLst>
+              </a:tr>
+              <a:tr h="232383">
+                <a:tc>
+                  <a:txBody>
+                    <a:bodyPr/>
+                    <a:lstStyle/>
+                    <a:p>
+                      <a:pPr algn="l" fontAlgn="b"/>
+                      <a:r>
+                        <a:rPr lang="en-US" sz="1800" b="1" u="none" strike="noStrike" dirty="0">
+                          <a:effectLst/>
+                        </a:rPr>
+                        <a:t>Gradient Boost </a:t>
+                      </a:r>
+                      <a:endParaRPr lang="en-US" sz="1800" b="1" i="0" u="none" strike="noStrike" dirty="0">
+                        <a:solidFill>
+                          <a:srgbClr val="000000"/>
+                        </a:solidFill>
+                        <a:effectLst/>
+                        <a:latin typeface="Verdana" panose="020B0604030504040204" pitchFamily="34" charset="0"/>
+                      </a:endParaRPr>
+                    </a:p>
+                  </a:txBody>
+                  <a:tcPr marL="9525" marR="9525" marT="9525" marB="0" anchor="b"/>
+                </a:tc>
+                <a:tc>
+                  <a:txBody>
+                    <a:bodyPr/>
+                    <a:lstStyle/>
+                    <a:p>
+                      <a:pPr algn="r" fontAlgn="b"/>
+                      <a:r>
+                        <a:rPr lang="en-US" sz="1800" b="1" u="none" strike="noStrike">
+                          <a:effectLst/>
+                        </a:rPr>
+                        <a:t>0.134</a:t>
+                      </a:r>
+                      <a:endParaRPr lang="en-US" sz="1800" b="1" i="0" u="none" strike="noStrike">
+                        <a:solidFill>
+                          <a:srgbClr val="000000"/>
+                        </a:solidFill>
+                        <a:effectLst/>
+                        <a:latin typeface="Verdana" panose="020B0604030504040204" pitchFamily="34" charset="0"/>
+                      </a:endParaRPr>
+                    </a:p>
+                  </a:txBody>
+                  <a:tcPr marL="9525" marR="9525" marT="9525" marB="0" anchor="b"/>
+                </a:tc>
+                <a:extLst>
+                  <a:ext uri="{0D108BD9-81ED-4DB2-BD59-A6C34878D82A}">
+                    <a16:rowId xmlns:a16="http://schemas.microsoft.com/office/drawing/2014/main" val="3216301197"/>
+                  </a:ext>
+                </a:extLst>
+              </a:tr>
+              <a:tr h="232383">
+                <a:tc>
+                  <a:txBody>
+                    <a:bodyPr/>
+                    <a:lstStyle/>
+                    <a:p>
+                      <a:pPr algn="l" fontAlgn="b"/>
+                      <a:r>
+                        <a:rPr lang="en-US" sz="1800" b="1" u="none" strike="noStrike" dirty="0">
+                          <a:effectLst/>
+                        </a:rPr>
+                        <a:t>Extra Tree</a:t>
+                      </a:r>
+                      <a:endParaRPr lang="en-US" sz="1800" b="1" i="0" u="none" strike="noStrike" dirty="0">
+                        <a:solidFill>
+                          <a:srgbClr val="000000"/>
+                        </a:solidFill>
+                        <a:effectLst/>
+                        <a:latin typeface="Verdana" panose="020B0604030504040204" pitchFamily="34" charset="0"/>
+                      </a:endParaRPr>
+                    </a:p>
+                  </a:txBody>
+                  <a:tcPr marL="9525" marR="9525" marT="9525" marB="0" anchor="b"/>
+                </a:tc>
+                <a:tc>
+                  <a:txBody>
+                    <a:bodyPr/>
+                    <a:lstStyle/>
+                    <a:p>
+                      <a:pPr algn="r" fontAlgn="b"/>
+                      <a:r>
+                        <a:rPr lang="en-US" sz="1800" b="1" u="none" strike="noStrike">
+                          <a:effectLst/>
+                        </a:rPr>
+                        <a:t>0.139</a:t>
+                      </a:r>
+                      <a:endParaRPr lang="en-US" sz="1800" b="1" i="0" u="none" strike="noStrike">
+                        <a:solidFill>
+                          <a:srgbClr val="000000"/>
+                        </a:solidFill>
+                        <a:effectLst/>
+                        <a:latin typeface="Verdana" panose="020B0604030504040204" pitchFamily="34" charset="0"/>
+                      </a:endParaRPr>
+                    </a:p>
+                  </a:txBody>
+                  <a:tcPr marL="9525" marR="9525" marT="9525" marB="0" anchor="b"/>
+                </a:tc>
+                <a:extLst>
+                  <a:ext uri="{0D108BD9-81ED-4DB2-BD59-A6C34878D82A}">
+                    <a16:rowId xmlns:a16="http://schemas.microsoft.com/office/drawing/2014/main" val="2306198639"/>
+                  </a:ext>
+                </a:extLst>
+              </a:tr>
+              <a:tr h="232383">
+                <a:tc>
+                  <a:txBody>
+                    <a:bodyPr/>
+                    <a:lstStyle/>
+                    <a:p>
+                      <a:pPr algn="l" fontAlgn="b"/>
+                      <a:r>
+                        <a:rPr lang="en-US" sz="1800" b="1" u="none" strike="noStrike" dirty="0" err="1">
+                          <a:effectLst/>
+                        </a:rPr>
+                        <a:t>AdaBoost</a:t>
+                      </a:r>
+                      <a:endParaRPr lang="en-US" sz="1800" b="1" i="0" u="none" strike="noStrike" dirty="0">
+                        <a:solidFill>
+                          <a:srgbClr val="000000"/>
+                        </a:solidFill>
+                        <a:effectLst/>
+                        <a:latin typeface="Verdana" panose="020B0604030504040204" pitchFamily="34" charset="0"/>
+                      </a:endParaRPr>
+                    </a:p>
+                  </a:txBody>
+                  <a:tcPr marL="9525" marR="9525" marT="9525" marB="0" anchor="b"/>
+                </a:tc>
+                <a:tc>
+                  <a:txBody>
+                    <a:bodyPr/>
+                    <a:lstStyle/>
+                    <a:p>
+                      <a:pPr algn="r" fontAlgn="b"/>
+                      <a:r>
+                        <a:rPr lang="en-US" sz="1800" b="1" u="none" strike="noStrike">
+                          <a:effectLst/>
+                        </a:rPr>
+                        <a:t>0.138</a:t>
+                      </a:r>
+                      <a:endParaRPr lang="en-US" sz="1800" b="1" i="0" u="none" strike="noStrike">
+                        <a:solidFill>
+                          <a:srgbClr val="000000"/>
+                        </a:solidFill>
+                        <a:effectLst/>
+                        <a:latin typeface="Verdana" panose="020B0604030504040204" pitchFamily="34" charset="0"/>
+                      </a:endParaRPr>
+                    </a:p>
+                  </a:txBody>
+                  <a:tcPr marL="9525" marR="9525" marT="9525" marB="0" anchor="b"/>
+                </a:tc>
+                <a:extLst>
+                  <a:ext uri="{0D108BD9-81ED-4DB2-BD59-A6C34878D82A}">
+                    <a16:rowId xmlns:a16="http://schemas.microsoft.com/office/drawing/2014/main" val="454685226"/>
+                  </a:ext>
+                </a:extLst>
+              </a:tr>
+              <a:tr h="232383">
+                <a:tc>
+                  <a:txBody>
+                    <a:bodyPr/>
+                    <a:lstStyle/>
+                    <a:p>
+                      <a:pPr algn="l" fontAlgn="b"/>
+                      <a:r>
+                        <a:rPr lang="en-US" sz="1800" b="1" u="none" strike="noStrike" dirty="0">
+                          <a:effectLst/>
+                        </a:rPr>
+                        <a:t>Bayesian Ridge </a:t>
+                      </a:r>
+                      <a:endParaRPr lang="en-US" sz="1800" b="1" i="0" u="none" strike="noStrike" dirty="0">
+                        <a:solidFill>
+                          <a:srgbClr val="000000"/>
+                        </a:solidFill>
+                        <a:effectLst/>
+                        <a:latin typeface="Verdana" panose="020B0604030504040204" pitchFamily="34" charset="0"/>
+                      </a:endParaRPr>
+                    </a:p>
+                  </a:txBody>
+                  <a:tcPr marL="9525" marR="9525" marT="9525" marB="0" anchor="b"/>
+                </a:tc>
+                <a:tc>
+                  <a:txBody>
+                    <a:bodyPr/>
+                    <a:lstStyle/>
+                    <a:p>
+                      <a:pPr algn="r" fontAlgn="b"/>
+                      <a:r>
+                        <a:rPr lang="en-US" sz="1800" b="1" u="none" strike="noStrike" dirty="0">
+                          <a:effectLst/>
+                        </a:rPr>
+                        <a:t>0.114</a:t>
+                      </a:r>
+                      <a:endParaRPr lang="en-US" sz="1800" b="1" i="0" u="none" strike="noStrike" dirty="0">
+                        <a:solidFill>
+                          <a:srgbClr val="000000"/>
+                        </a:solidFill>
+                        <a:effectLst/>
+                        <a:latin typeface="Verdana" panose="020B0604030504040204" pitchFamily="34" charset="0"/>
+                      </a:endParaRPr>
+                    </a:p>
+                  </a:txBody>
+                  <a:tcPr marL="9525" marR="9525" marT="9525" marB="0" anchor="b"/>
+                </a:tc>
+                <a:extLst>
+                  <a:ext uri="{0D108BD9-81ED-4DB2-BD59-A6C34878D82A}">
+                    <a16:rowId xmlns:a16="http://schemas.microsoft.com/office/drawing/2014/main" val="1964114806"/>
+                  </a:ext>
+                </a:extLst>
+              </a:tr>
+              <a:tr h="232383">
+                <a:tc>
+                  <a:txBody>
+                    <a:bodyPr/>
+                    <a:lstStyle/>
+                    <a:p>
+                      <a:pPr algn="l" fontAlgn="b"/>
+                      <a:r>
+                        <a:rPr lang="en-US" sz="1800" b="1" u="none" strike="noStrike">
+                          <a:effectLst/>
+                        </a:rPr>
+                        <a:t>Bagging  </a:t>
+                      </a:r>
+                      <a:endParaRPr lang="en-US" sz="1800" b="1" i="0" u="none" strike="noStrike">
+                        <a:solidFill>
+                          <a:srgbClr val="000000"/>
+                        </a:solidFill>
+                        <a:effectLst/>
+                        <a:latin typeface="Verdana" panose="020B0604030504040204" pitchFamily="34" charset="0"/>
+                      </a:endParaRPr>
+                    </a:p>
+                  </a:txBody>
+                  <a:tcPr marL="9525" marR="9525" marT="9525" marB="0" anchor="b"/>
+                </a:tc>
+                <a:tc>
+                  <a:txBody>
+                    <a:bodyPr/>
+                    <a:lstStyle/>
+                    <a:p>
+                      <a:pPr algn="r" fontAlgn="b"/>
+                      <a:r>
+                        <a:rPr lang="en-US" sz="1800" b="1" u="none" strike="noStrike" dirty="0">
+                          <a:effectLst/>
+                        </a:rPr>
+                        <a:t>0.135</a:t>
+                      </a:r>
+                      <a:endParaRPr lang="en-US" sz="1800" b="1" i="0" u="none" strike="noStrike" dirty="0">
+                        <a:solidFill>
+                          <a:srgbClr val="000000"/>
+                        </a:solidFill>
+                        <a:effectLst/>
+                        <a:latin typeface="Verdana" panose="020B0604030504040204" pitchFamily="34" charset="0"/>
+                      </a:endParaRPr>
+                    </a:p>
+                  </a:txBody>
+                  <a:tcPr marL="9525" marR="9525" marT="9525" marB="0" anchor="b"/>
+                </a:tc>
+                <a:extLst>
+                  <a:ext uri="{0D108BD9-81ED-4DB2-BD59-A6C34878D82A}">
+                    <a16:rowId xmlns:a16="http://schemas.microsoft.com/office/drawing/2014/main" val="2338682762"/>
+                  </a:ext>
+                </a:extLst>
+              </a:tr>
+              <a:tr h="232383">
+                <a:tc>
+                  <a:txBody>
+                    <a:bodyPr/>
+                    <a:lstStyle/>
+                    <a:p>
+                      <a:pPr algn="l" fontAlgn="b"/>
+                      <a:endParaRPr lang="en-US" sz="1100" b="1" i="0" u="none" strike="noStrike">
+                        <a:solidFill>
+                          <a:srgbClr val="000000"/>
+                        </a:solidFill>
+                        <a:effectLst/>
+                        <a:latin typeface="Verdana" panose="020B0604030504040204" pitchFamily="34" charset="0"/>
+                      </a:endParaRPr>
+                    </a:p>
+                  </a:txBody>
+                  <a:tcPr marL="9525" marR="9525" marT="9525" marB="0" anchor="b"/>
+                </a:tc>
+                <a:tc>
+                  <a:txBody>
+                    <a:bodyPr/>
+                    <a:lstStyle/>
+                    <a:p>
+                      <a:pPr algn="l" fontAlgn="b"/>
+                      <a:endParaRPr lang="en-US" sz="1100" b="1" i="0" u="none" strike="noStrike" dirty="0">
+                        <a:solidFill>
+                          <a:srgbClr val="000000"/>
+                        </a:solidFill>
+                        <a:effectLst/>
+                        <a:latin typeface="Verdana" panose="020B0604030504040204" pitchFamily="34" charset="0"/>
+                      </a:endParaRPr>
+                    </a:p>
+                  </a:txBody>
+                  <a:tcPr marL="9525" marR="9525" marT="9525" marB="0" anchor="b"/>
+                </a:tc>
+                <a:extLst>
+                  <a:ext uri="{0D108BD9-81ED-4DB2-BD59-A6C34878D82A}">
+                    <a16:rowId xmlns:a16="http://schemas.microsoft.com/office/drawing/2014/main" val="653285392"/>
+                  </a:ext>
+                </a:extLst>
+              </a:tr>
+            </a:tbl>
+          </a:graphicData>
+        </a:graphic>
+      </p:graphicFrame>
+      <p:sp>
+        <p:nvSpPr>
+          <p:cNvPr id="7" name="Rectangle 6"/>
+          <p:cNvSpPr/>
+          <p:nvPr/>
         </p:nvSpPr>
         <p:spPr>
           <a:xfrm>
-            <a:off x="138545" y="193964"/>
-            <a:ext cx="11877964" cy="738909"/>
-          </a:xfrm>
-        </p:spPr>
-        <p:txBody>
-          <a:bodyPr>
-            <a:normAutofit fontScale="90000"/>
-          </a:bodyPr>
-          <a:lstStyle/>
-          <a:p>
-            <a:r>
-              <a:rPr lang="en-US" b="1" dirty="0" smtClean="0"/>
-              <a:t>Ridge Regression</a:t>
-            </a:r>
-            <a:endParaRPr lang="en-US" sz="4500" b="1" dirty="0">
-              <a:latin typeface="Verdana" panose="020B0604030504040204" pitchFamily="34" charset="0"/>
-              <a:ea typeface="Verdana" panose="020B0604030504040204" pitchFamily="34" charset="0"/>
-              <a:cs typeface="Verdana" panose="020B0604030504040204" pitchFamily="34" charset="0"/>
-            </a:endParaRPr>
-          </a:p>
-        </p:txBody>
-      </p:sp>
-      <p:pic>
-        <p:nvPicPr>
-          <p:cNvPr id="3" name="Picture 2"/>
-          <p:cNvPicPr>
-            <a:picLocks noChangeAspect="1"/>
-          </p:cNvPicPr>
-          <p:nvPr/>
-        </p:nvPicPr>
-        <p:blipFill>
-          <a:blip r:embed="rId2"/>
-          <a:stretch>
-            <a:fillRect/>
-          </a:stretch>
-        </p:blipFill>
-        <p:spPr>
-          <a:xfrm>
-            <a:off x="2258146" y="1212994"/>
-            <a:ext cx="7324725" cy="5133975"/>
+            <a:off x="615297" y="6211669"/>
+            <a:ext cx="10895888" cy="369332"/>
           </a:xfrm>
           <a:prstGeom prst="rect">
             <a:avLst/>
           </a:prstGeom>
         </p:spPr>
-      </p:pic>
+        <p:txBody>
+          <a:bodyPr wrap="square">
+            <a:spAutoFit/>
+          </a:bodyPr>
+          <a:lstStyle/>
+          <a:p>
+            <a:r>
+              <a:rPr lang="en-US" b="1" dirty="0">
+                <a:latin typeface="Verdana" panose="020B0604030504040204" pitchFamily="34" charset="0"/>
+                <a:ea typeface="Verdana" panose="020B0604030504040204" pitchFamily="34" charset="0"/>
+                <a:cs typeface="Verdana" panose="020B0604030504040204" pitchFamily="34" charset="0"/>
+              </a:rPr>
+              <a:t>Normal Regression is doing better than the others</a:t>
+            </a:r>
+          </a:p>
+        </p:txBody>
+      </p:sp>
     </p:spTree>
     <p:extLst>
       <p:ext uri="{BB962C8B-B14F-4D97-AF65-F5344CB8AC3E}">
-        <p14:creationId xmlns:p14="http://schemas.microsoft.com/office/powerpoint/2010/main" val="75115564"/>
+        <p14:creationId xmlns:p14="http://schemas.microsoft.com/office/powerpoint/2010/main" val="2125259866"/>
       </p:ext>
     </p:extLst>
   </p:cSld>
@@ -9253,21 +9262,25 @@
         </p:nvSpPr>
         <p:spPr>
           <a:xfrm>
-            <a:off x="138545" y="193964"/>
-            <a:ext cx="11877964" cy="738909"/>
+            <a:off x="0" y="3060364"/>
+            <a:ext cx="11877964" cy="946028"/>
           </a:xfrm>
         </p:spPr>
         <p:txBody>
           <a:bodyPr>
-            <a:normAutofit fontScale="90000"/>
+            <a:normAutofit/>
           </a:bodyPr>
           <a:lstStyle/>
           <a:p>
             <a:r>
-              <a:rPr lang="en-US" b="1" dirty="0"/>
-              <a:t>Polynomial Regression</a:t>
-            </a:r>
-            <a:endParaRPr lang="en-US" sz="4500" b="1" dirty="0">
+              <a:rPr lang="en-US" b="1" dirty="0" smtClean="0">
+                <a:latin typeface="Verdana" panose="020B0604030504040204" pitchFamily="34" charset="0"/>
+                <a:ea typeface="Verdana" panose="020B0604030504040204" pitchFamily="34" charset="0"/>
+                <a:cs typeface="Verdana" panose="020B0604030504040204" pitchFamily="34" charset="0"/>
+              </a:rPr>
+              <a:t>Thank you</a:t>
+            </a:r>
+            <a:endParaRPr lang="en-US" b="1" dirty="0">
               <a:latin typeface="Verdana" panose="020B0604030504040204" pitchFamily="34" charset="0"/>
               <a:ea typeface="Verdana" panose="020B0604030504040204" pitchFamily="34" charset="0"/>
               <a:cs typeface="Verdana" panose="020B0604030504040204" pitchFamily="34" charset="0"/>
@@ -9275,302 +9288,10 @@
           </a:p>
         </p:txBody>
       </p:sp>
-      <p:pic>
-        <p:nvPicPr>
-          <p:cNvPr id="4" name="Picture 3"/>
-          <p:cNvPicPr>
-            <a:picLocks noChangeAspect="1"/>
-          </p:cNvPicPr>
-          <p:nvPr/>
-        </p:nvPicPr>
-        <p:blipFill>
-          <a:blip r:embed="rId2"/>
-          <a:stretch>
-            <a:fillRect/>
-          </a:stretch>
-        </p:blipFill>
-        <p:spPr>
-          <a:xfrm>
-            <a:off x="2303462" y="1324841"/>
-            <a:ext cx="7381875" cy="5372100"/>
-          </a:xfrm>
-          <a:prstGeom prst="rect">
-            <a:avLst/>
-          </a:prstGeom>
-        </p:spPr>
-      </p:pic>
     </p:spTree>
     <p:extLst>
       <p:ext uri="{BB962C8B-B14F-4D97-AF65-F5344CB8AC3E}">
-        <p14:creationId xmlns:p14="http://schemas.microsoft.com/office/powerpoint/2010/main" val="3744719808"/>
-      </p:ext>
-    </p:extLst>
-  </p:cSld>
-  <p:clrMapOvr>
-    <a:masterClrMapping/>
-  </p:clrMapOvr>
-</p:sld>
-</file>
-
-<file path=ppt/slides/slide27.xml><?xml version="1.0" encoding="utf-8"?>
-<p:sld xmlns:a="http://schemas.openxmlformats.org/drawingml/2006/main" xmlns:r="http://schemas.openxmlformats.org/officeDocument/2006/relationships" xmlns:p="http://schemas.openxmlformats.org/presentationml/2006/main">
-  <p:cSld>
-    <p:spTree>
-      <p:nvGrpSpPr>
-        <p:cNvPr id="1" name=""/>
-        <p:cNvGrpSpPr/>
-        <p:nvPr/>
-      </p:nvGrpSpPr>
-      <p:grpSpPr>
-        <a:xfrm>
-          <a:off x="0" y="0"/>
-          <a:ext cx="0" cy="0"/>
-          <a:chOff x="0" y="0"/>
-          <a:chExt cx="0" cy="0"/>
-        </a:xfrm>
-      </p:grpSpPr>
-      <p:sp>
-        <p:nvSpPr>
-          <p:cNvPr id="2" name="Title 1"/>
-          <p:cNvSpPr>
-            <a:spLocks noGrp="1"/>
-          </p:cNvSpPr>
-          <p:nvPr>
-            <p:ph type="ctrTitle"/>
-          </p:nvPr>
-        </p:nvSpPr>
-        <p:spPr>
-          <a:xfrm>
-            <a:off x="138545" y="193964"/>
-            <a:ext cx="11877964" cy="738909"/>
-          </a:xfrm>
-        </p:spPr>
-        <p:txBody>
-          <a:bodyPr>
-            <a:normAutofit fontScale="90000"/>
-          </a:bodyPr>
-          <a:lstStyle/>
-          <a:p>
-            <a:r>
-              <a:rPr lang="en-US" b="1" dirty="0" smtClean="0"/>
-              <a:t>Regression Comparison - Normal</a:t>
-            </a:r>
-            <a:endParaRPr lang="en-US" sz="4500" b="1" dirty="0">
-              <a:latin typeface="Verdana" panose="020B0604030504040204" pitchFamily="34" charset="0"/>
-              <a:ea typeface="Verdana" panose="020B0604030504040204" pitchFamily="34" charset="0"/>
-              <a:cs typeface="Verdana" panose="020B0604030504040204" pitchFamily="34" charset="0"/>
-            </a:endParaRPr>
-          </a:p>
-        </p:txBody>
-      </p:sp>
-      <p:pic>
-        <p:nvPicPr>
-          <p:cNvPr id="5" name="Picture 4"/>
-          <p:cNvPicPr>
-            <a:picLocks noChangeAspect="1"/>
-          </p:cNvPicPr>
-          <p:nvPr/>
-        </p:nvPicPr>
-        <p:blipFill>
-          <a:blip r:embed="rId2"/>
-          <a:stretch>
-            <a:fillRect/>
-          </a:stretch>
-        </p:blipFill>
-        <p:spPr>
-          <a:xfrm>
-            <a:off x="2296102" y="932873"/>
-            <a:ext cx="7562850" cy="5819775"/>
-          </a:xfrm>
-          <a:prstGeom prst="rect">
-            <a:avLst/>
-          </a:prstGeom>
-        </p:spPr>
-      </p:pic>
-    </p:spTree>
-    <p:extLst>
-      <p:ext uri="{BB962C8B-B14F-4D97-AF65-F5344CB8AC3E}">
-        <p14:creationId xmlns:p14="http://schemas.microsoft.com/office/powerpoint/2010/main" val="1700607676"/>
-      </p:ext>
-    </p:extLst>
-  </p:cSld>
-  <p:clrMapOvr>
-    <a:masterClrMapping/>
-  </p:clrMapOvr>
-</p:sld>
-</file>
-
-<file path=ppt/slides/slide28.xml><?xml version="1.0" encoding="utf-8"?>
-<p:sld xmlns:a="http://schemas.openxmlformats.org/drawingml/2006/main" xmlns:r="http://schemas.openxmlformats.org/officeDocument/2006/relationships" xmlns:p="http://schemas.openxmlformats.org/presentationml/2006/main">
-  <p:cSld>
-    <p:spTree>
-      <p:nvGrpSpPr>
-        <p:cNvPr id="1" name=""/>
-        <p:cNvGrpSpPr/>
-        <p:nvPr/>
-      </p:nvGrpSpPr>
-      <p:grpSpPr>
-        <a:xfrm>
-          <a:off x="0" y="0"/>
-          <a:ext cx="0" cy="0"/>
-          <a:chOff x="0" y="0"/>
-          <a:chExt cx="0" cy="0"/>
-        </a:xfrm>
-      </p:grpSpPr>
-      <p:sp>
-        <p:nvSpPr>
-          <p:cNvPr id="2" name="Title 1"/>
-          <p:cNvSpPr>
-            <a:spLocks noGrp="1"/>
-          </p:cNvSpPr>
-          <p:nvPr>
-            <p:ph type="ctrTitle"/>
-          </p:nvPr>
-        </p:nvSpPr>
-        <p:spPr>
-          <a:xfrm>
-            <a:off x="138545" y="193964"/>
-            <a:ext cx="11877964" cy="738909"/>
-          </a:xfrm>
-        </p:spPr>
-        <p:txBody>
-          <a:bodyPr>
-            <a:normAutofit fontScale="90000"/>
-          </a:bodyPr>
-          <a:lstStyle/>
-          <a:p>
-            <a:r>
-              <a:rPr lang="en-US" b="1" dirty="0" smtClean="0"/>
-              <a:t>Regression Comparison – Tuned </a:t>
-            </a:r>
-            <a:r>
-              <a:rPr lang="en-US" b="1" dirty="0" err="1" smtClean="0"/>
-              <a:t>Param</a:t>
-            </a:r>
-            <a:endParaRPr lang="en-US" sz="4500" b="1" dirty="0">
-              <a:latin typeface="Verdana" panose="020B0604030504040204" pitchFamily="34" charset="0"/>
-              <a:ea typeface="Verdana" panose="020B0604030504040204" pitchFamily="34" charset="0"/>
-              <a:cs typeface="Verdana" panose="020B0604030504040204" pitchFamily="34" charset="0"/>
-            </a:endParaRPr>
-          </a:p>
-        </p:txBody>
-      </p:sp>
-      <p:pic>
-        <p:nvPicPr>
-          <p:cNvPr id="3" name="Picture 2"/>
-          <p:cNvPicPr>
-            <a:picLocks noChangeAspect="1"/>
-          </p:cNvPicPr>
-          <p:nvPr/>
-        </p:nvPicPr>
-        <p:blipFill>
-          <a:blip r:embed="rId2"/>
-          <a:stretch>
-            <a:fillRect/>
-          </a:stretch>
-        </p:blipFill>
-        <p:spPr>
-          <a:xfrm>
-            <a:off x="1311564" y="1043709"/>
-            <a:ext cx="8610888" cy="5426364"/>
-          </a:xfrm>
-          <a:prstGeom prst="rect">
-            <a:avLst/>
-          </a:prstGeom>
-        </p:spPr>
-      </p:pic>
-    </p:spTree>
-    <p:extLst>
-      <p:ext uri="{BB962C8B-B14F-4D97-AF65-F5344CB8AC3E}">
-        <p14:creationId xmlns:p14="http://schemas.microsoft.com/office/powerpoint/2010/main" val="3480084993"/>
-      </p:ext>
-    </p:extLst>
-  </p:cSld>
-  <p:clrMapOvr>
-    <a:masterClrMapping/>
-  </p:clrMapOvr>
-</p:sld>
-</file>
-
-<file path=ppt/slides/slide29.xml><?xml version="1.0" encoding="utf-8"?>
-<p:sld xmlns:a="http://schemas.openxmlformats.org/drawingml/2006/main" xmlns:r="http://schemas.openxmlformats.org/officeDocument/2006/relationships" xmlns:p="http://schemas.openxmlformats.org/presentationml/2006/main">
-  <p:cSld>
-    <p:spTree>
-      <p:nvGrpSpPr>
-        <p:cNvPr id="1" name=""/>
-        <p:cNvGrpSpPr/>
-        <p:nvPr/>
-      </p:nvGrpSpPr>
-      <p:grpSpPr>
-        <a:xfrm>
-          <a:off x="0" y="0"/>
-          <a:ext cx="0" cy="0"/>
-          <a:chOff x="0" y="0"/>
-          <a:chExt cx="0" cy="0"/>
-        </a:xfrm>
-      </p:grpSpPr>
-      <p:sp>
-        <p:nvSpPr>
-          <p:cNvPr id="2" name="Title 1"/>
-          <p:cNvSpPr>
-            <a:spLocks noGrp="1"/>
-          </p:cNvSpPr>
-          <p:nvPr>
-            <p:ph type="ctrTitle"/>
-          </p:nvPr>
-        </p:nvSpPr>
-        <p:spPr>
-          <a:xfrm>
-            <a:off x="138545" y="193964"/>
-            <a:ext cx="11877964" cy="738909"/>
-          </a:xfrm>
-        </p:spPr>
-        <p:txBody>
-          <a:bodyPr>
-            <a:normAutofit fontScale="90000"/>
-          </a:bodyPr>
-          <a:lstStyle/>
-          <a:p>
-            <a:r>
-              <a:rPr lang="en-US" b="1" dirty="0" smtClean="0"/>
-              <a:t>Regression Comparison</a:t>
-            </a:r>
-            <a:endParaRPr lang="en-US" sz="4500" b="1" dirty="0">
-              <a:latin typeface="Verdana" panose="020B0604030504040204" pitchFamily="34" charset="0"/>
-              <a:ea typeface="Verdana" panose="020B0604030504040204" pitchFamily="34" charset="0"/>
-              <a:cs typeface="Verdana" panose="020B0604030504040204" pitchFamily="34" charset="0"/>
-            </a:endParaRPr>
-          </a:p>
-        </p:txBody>
-      </p:sp>
-      <p:pic>
-        <p:nvPicPr>
-          <p:cNvPr id="3" name="Picture 2"/>
-          <p:cNvPicPr>
-            <a:picLocks noChangeAspect="1"/>
-          </p:cNvPicPr>
-          <p:nvPr/>
-        </p:nvPicPr>
-        <p:blipFill>
-          <a:blip r:embed="rId2"/>
-          <a:stretch>
-            <a:fillRect/>
-          </a:stretch>
-        </p:blipFill>
-        <p:spPr>
-          <a:xfrm>
-            <a:off x="2327563" y="1098550"/>
-            <a:ext cx="7315200" cy="5676900"/>
-          </a:xfrm>
-          <a:prstGeom prst="rect">
-            <a:avLst/>
-          </a:prstGeom>
-        </p:spPr>
-      </p:pic>
-    </p:spTree>
-    <p:extLst>
-      <p:ext uri="{BB962C8B-B14F-4D97-AF65-F5344CB8AC3E}">
-        <p14:creationId xmlns:p14="http://schemas.microsoft.com/office/powerpoint/2010/main" val="2962341483"/>
+        <p14:creationId xmlns:p14="http://schemas.microsoft.com/office/powerpoint/2010/main" val="4167242560"/>
       </p:ext>
     </p:extLst>
   </p:cSld>
@@ -9672,259 +9393,6 @@
     <p:extLst>
       <p:ext uri="{BB962C8B-B14F-4D97-AF65-F5344CB8AC3E}">
         <p14:creationId xmlns:p14="http://schemas.microsoft.com/office/powerpoint/2010/main" val="2877003556"/>
-      </p:ext>
-    </p:extLst>
-  </p:cSld>
-  <p:clrMapOvr>
-    <a:masterClrMapping/>
-  </p:clrMapOvr>
-</p:sld>
-</file>
-
-<file path=ppt/slides/slide30.xml><?xml version="1.0" encoding="utf-8"?>
-<p:sld xmlns:a="http://schemas.openxmlformats.org/drawingml/2006/main" xmlns:r="http://schemas.openxmlformats.org/officeDocument/2006/relationships" xmlns:p="http://schemas.openxmlformats.org/presentationml/2006/main">
-  <p:cSld>
-    <p:spTree>
-      <p:nvGrpSpPr>
-        <p:cNvPr id="1" name=""/>
-        <p:cNvGrpSpPr/>
-        <p:nvPr/>
-      </p:nvGrpSpPr>
-      <p:grpSpPr>
-        <a:xfrm>
-          <a:off x="0" y="0"/>
-          <a:ext cx="0" cy="0"/>
-          <a:chOff x="0" y="0"/>
-          <a:chExt cx="0" cy="0"/>
-        </a:xfrm>
-      </p:grpSpPr>
-      <p:sp>
-        <p:nvSpPr>
-          <p:cNvPr id="2" name="Title 1"/>
-          <p:cNvSpPr>
-            <a:spLocks noGrp="1"/>
-          </p:cNvSpPr>
-          <p:nvPr>
-            <p:ph type="ctrTitle"/>
-          </p:nvPr>
-        </p:nvSpPr>
-        <p:spPr>
-          <a:xfrm>
-            <a:off x="138545" y="581114"/>
-            <a:ext cx="11877964" cy="946028"/>
-          </a:xfrm>
-        </p:spPr>
-        <p:txBody>
-          <a:bodyPr>
-            <a:normAutofit/>
-          </a:bodyPr>
-          <a:lstStyle/>
-          <a:p>
-            <a:r>
-              <a:rPr lang="en-US" b="1" dirty="0" smtClean="0">
-                <a:latin typeface="Verdana" panose="020B0604030504040204" pitchFamily="34" charset="0"/>
-                <a:ea typeface="Verdana" panose="020B0604030504040204" pitchFamily="34" charset="0"/>
-                <a:cs typeface="Verdana" panose="020B0604030504040204" pitchFamily="34" charset="0"/>
-              </a:rPr>
-              <a:t>Final Thoughts</a:t>
-            </a:r>
-            <a:endParaRPr lang="en-US" b="1" dirty="0">
-              <a:latin typeface="Verdana" panose="020B0604030504040204" pitchFamily="34" charset="0"/>
-              <a:ea typeface="Verdana" panose="020B0604030504040204" pitchFamily="34" charset="0"/>
-              <a:cs typeface="Verdana" panose="020B0604030504040204" pitchFamily="34" charset="0"/>
-            </a:endParaRPr>
-          </a:p>
-        </p:txBody>
-      </p:sp>
-      <p:sp>
-        <p:nvSpPr>
-          <p:cNvPr id="3" name="Subtitle 2"/>
-          <p:cNvSpPr>
-            <a:spLocks noGrp="1"/>
-          </p:cNvSpPr>
-          <p:nvPr>
-            <p:ph type="subTitle" idx="1"/>
-          </p:nvPr>
-        </p:nvSpPr>
-        <p:spPr>
-          <a:xfrm>
-            <a:off x="0" y="1669543"/>
-            <a:ext cx="11877964" cy="4863232"/>
-          </a:xfrm>
-        </p:spPr>
-        <p:txBody>
-          <a:bodyPr>
-            <a:normAutofit/>
-          </a:bodyPr>
-          <a:lstStyle/>
-          <a:p>
-            <a:pPr marL="342900" indent="-342900" algn="l">
-              <a:buFont typeface="Arial" panose="020B0604020202020204" pitchFamily="34" charset="0"/>
-              <a:buChar char="•"/>
-            </a:pPr>
-            <a:r>
-              <a:rPr lang="en-US" dirty="0" smtClean="0">
-                <a:latin typeface="Verdana" panose="020B0604030504040204" pitchFamily="34" charset="0"/>
-                <a:ea typeface="Verdana" panose="020B0604030504040204" pitchFamily="34" charset="0"/>
-                <a:cs typeface="Verdana" panose="020B0604030504040204" pitchFamily="34" charset="0"/>
-              </a:rPr>
-              <a:t>Normal Regression is doing better than the others</a:t>
-            </a:r>
-          </a:p>
-          <a:p>
-            <a:pPr marL="342900" indent="-342900" algn="l">
-              <a:buFont typeface="Arial" panose="020B0604020202020204" pitchFamily="34" charset="0"/>
-              <a:buChar char="•"/>
-            </a:pPr>
-            <a:endParaRPr lang="en-US" dirty="0" smtClean="0">
-              <a:latin typeface="Verdana" panose="020B0604030504040204" pitchFamily="34" charset="0"/>
-              <a:ea typeface="Verdana" panose="020B0604030504040204" pitchFamily="34" charset="0"/>
-              <a:cs typeface="Verdana" panose="020B0604030504040204" pitchFamily="34" charset="0"/>
-            </a:endParaRPr>
-          </a:p>
-          <a:p>
-            <a:pPr marL="342900" indent="-342900" algn="l">
-              <a:buFont typeface="Arial" panose="020B0604020202020204" pitchFamily="34" charset="0"/>
-              <a:buChar char="•"/>
-            </a:pPr>
-            <a:r>
-              <a:rPr lang="en-US" dirty="0" smtClean="0">
-                <a:latin typeface="Verdana" panose="020B0604030504040204" pitchFamily="34" charset="0"/>
-                <a:ea typeface="Verdana" panose="020B0604030504040204" pitchFamily="34" charset="0"/>
-                <a:cs typeface="Verdana" panose="020B0604030504040204" pitchFamily="34" charset="0"/>
-              </a:rPr>
-              <a:t>Data is not normally distributed, especially with many missing values.</a:t>
-            </a:r>
-          </a:p>
-          <a:p>
-            <a:pPr marL="342900" indent="-342900" algn="l">
-              <a:buFont typeface="Arial" panose="020B0604020202020204" pitchFamily="34" charset="0"/>
-              <a:buChar char="•"/>
-            </a:pPr>
-            <a:endParaRPr lang="en-US" dirty="0" smtClean="0">
-              <a:latin typeface="Verdana" panose="020B0604030504040204" pitchFamily="34" charset="0"/>
-              <a:ea typeface="Verdana" panose="020B0604030504040204" pitchFamily="34" charset="0"/>
-              <a:cs typeface="Verdana" panose="020B0604030504040204" pitchFamily="34" charset="0"/>
-            </a:endParaRPr>
-          </a:p>
-          <a:p>
-            <a:pPr marL="342900" indent="-342900" algn="l">
-              <a:buFont typeface="Arial" panose="020B0604020202020204" pitchFamily="34" charset="0"/>
-              <a:buChar char="•"/>
-            </a:pPr>
-            <a:r>
-              <a:rPr lang="en-US" dirty="0" smtClean="0">
-                <a:latin typeface="Verdana" panose="020B0604030504040204" pitchFamily="34" charset="0"/>
-                <a:ea typeface="Verdana" panose="020B0604030504040204" pitchFamily="34" charset="0"/>
-                <a:cs typeface="Verdana" panose="020B0604030504040204" pitchFamily="34" charset="0"/>
-              </a:rPr>
-              <a:t>Need to explore many Other Algorithms </a:t>
-            </a:r>
-          </a:p>
-          <a:p>
-            <a:pPr marL="342900" indent="-342900" algn="l">
-              <a:buFont typeface="Arial" panose="020B0604020202020204" pitchFamily="34" charset="0"/>
-              <a:buChar char="•"/>
-            </a:pPr>
-            <a:endParaRPr lang="en-US" dirty="0" smtClean="0">
-              <a:latin typeface="Verdana" panose="020B0604030504040204" pitchFamily="34" charset="0"/>
-              <a:ea typeface="Verdana" panose="020B0604030504040204" pitchFamily="34" charset="0"/>
-              <a:cs typeface="Verdana" panose="020B0604030504040204" pitchFamily="34" charset="0"/>
-            </a:endParaRPr>
-          </a:p>
-          <a:p>
-            <a:pPr marL="342900" indent="-342900" algn="l">
-              <a:buFont typeface="Arial" panose="020B0604020202020204" pitchFamily="34" charset="0"/>
-              <a:buChar char="•"/>
-            </a:pPr>
-            <a:r>
-              <a:rPr lang="en-US" dirty="0" smtClean="0">
-                <a:latin typeface="Verdana" panose="020B0604030504040204" pitchFamily="34" charset="0"/>
-                <a:ea typeface="Verdana" panose="020B0604030504040204" pitchFamily="34" charset="0"/>
-                <a:cs typeface="Verdana" panose="020B0604030504040204" pitchFamily="34" charset="0"/>
-              </a:rPr>
-              <a:t>Thinking in different angles, Learning and Practicing is the best way to learn ML</a:t>
-            </a:r>
-            <a:endParaRPr lang="en-US" dirty="0">
-              <a:latin typeface="Verdana" panose="020B0604030504040204" pitchFamily="34" charset="0"/>
-              <a:ea typeface="Verdana" panose="020B0604030504040204" pitchFamily="34" charset="0"/>
-              <a:cs typeface="Verdana" panose="020B0604030504040204" pitchFamily="34" charset="0"/>
-            </a:endParaRPr>
-          </a:p>
-        </p:txBody>
-      </p:sp>
-    </p:spTree>
-    <p:extLst>
-      <p:ext uri="{BB962C8B-B14F-4D97-AF65-F5344CB8AC3E}">
-        <p14:creationId xmlns:p14="http://schemas.microsoft.com/office/powerpoint/2010/main" val="3305458709"/>
-      </p:ext>
-    </p:extLst>
-  </p:cSld>
-  <p:clrMapOvr>
-    <a:masterClrMapping/>
-  </p:clrMapOvr>
-</p:sld>
-</file>
-
-<file path=ppt/slides/slide31.xml><?xml version="1.0" encoding="utf-8"?>
-<p:sld xmlns:a="http://schemas.openxmlformats.org/drawingml/2006/main" xmlns:r="http://schemas.openxmlformats.org/officeDocument/2006/relationships" xmlns:p="http://schemas.openxmlformats.org/presentationml/2006/main">
-  <p:cSld>
-    <p:spTree>
-      <p:nvGrpSpPr>
-        <p:cNvPr id="1" name=""/>
-        <p:cNvGrpSpPr/>
-        <p:nvPr/>
-      </p:nvGrpSpPr>
-      <p:grpSpPr>
-        <a:xfrm>
-          <a:off x="0" y="0"/>
-          <a:ext cx="0" cy="0"/>
-          <a:chOff x="0" y="0"/>
-          <a:chExt cx="0" cy="0"/>
-        </a:xfrm>
-      </p:grpSpPr>
-      <p:sp>
-        <p:nvSpPr>
-          <p:cNvPr id="2" name="Title 1"/>
-          <p:cNvSpPr>
-            <a:spLocks noGrp="1"/>
-          </p:cNvSpPr>
-          <p:nvPr>
-            <p:ph type="ctrTitle"/>
-          </p:nvPr>
-        </p:nvSpPr>
-        <p:spPr>
-          <a:xfrm>
-            <a:off x="0" y="3060364"/>
-            <a:ext cx="11877964" cy="946028"/>
-          </a:xfrm>
-        </p:spPr>
-        <p:txBody>
-          <a:bodyPr>
-            <a:normAutofit/>
-          </a:bodyPr>
-          <a:lstStyle/>
-          <a:p>
-            <a:r>
-              <a:rPr lang="en-US" b="1" dirty="0" smtClean="0">
-                <a:latin typeface="Verdana" panose="020B0604030504040204" pitchFamily="34" charset="0"/>
-                <a:ea typeface="Verdana" panose="020B0604030504040204" pitchFamily="34" charset="0"/>
-                <a:cs typeface="Verdana" panose="020B0604030504040204" pitchFamily="34" charset="0"/>
-              </a:rPr>
-              <a:t>Thank you</a:t>
-            </a:r>
-            <a:endParaRPr lang="en-US" b="1" dirty="0">
-              <a:latin typeface="Verdana" panose="020B0604030504040204" pitchFamily="34" charset="0"/>
-              <a:ea typeface="Verdana" panose="020B0604030504040204" pitchFamily="34" charset="0"/>
-              <a:cs typeface="Verdana" panose="020B0604030504040204" pitchFamily="34" charset="0"/>
-            </a:endParaRPr>
-          </a:p>
-        </p:txBody>
-      </p:sp>
-    </p:spTree>
-    <p:extLst>
-      <p:ext uri="{BB962C8B-B14F-4D97-AF65-F5344CB8AC3E}">
-        <p14:creationId xmlns:p14="http://schemas.microsoft.com/office/powerpoint/2010/main" val="4167242560"/>
       </p:ext>
     </p:extLst>
   </p:cSld>
@@ -10301,7 +9769,7 @@
         </p:spPr>
         <p:txBody>
           <a:bodyPr>
-            <a:normAutofit fontScale="77500" lnSpcReduction="20000"/>
+            <a:normAutofit/>
           </a:bodyPr>
           <a:lstStyle/>
           <a:p>
@@ -10333,11 +9801,14 @@
           </a:p>
           <a:p>
             <a:pPr algn="l" fontAlgn="base"/>
-            <a:r>
-              <a:rPr lang="en-US" dirty="0" err="1" smtClean="0"/>
-              <a:t>MSSubClass</a:t>
-            </a:r>
-            <a:endParaRPr lang="en-US" dirty="0" smtClean="0"/>
+            <a:endParaRPr lang="en-US" dirty="0"/>
+          </a:p>
+          <a:p>
+            <a:pPr algn="l" fontAlgn="base"/>
+            <a:r>
+              <a:rPr lang="en-US" dirty="0" smtClean="0"/>
+              <a:t>The remaining data are related to other properties of a normal house like</a:t>
+            </a:r>
           </a:p>
           <a:p>
             <a:pPr algn="l" fontAlgn="base"/>
@@ -10347,39 +9818,8 @@
             </a:r>
             <a:r>
               <a:rPr lang="en-US" dirty="0" smtClean="0"/>
-              <a:t>The </a:t>
-            </a:r>
-            <a:r>
-              <a:rPr lang="en-US" dirty="0"/>
-              <a:t>building class</a:t>
-            </a:r>
-          </a:p>
-          <a:p>
-            <a:pPr algn="l" fontAlgn="base"/>
-            <a:r>
-              <a:rPr lang="en-US" dirty="0" err="1" smtClean="0"/>
-              <a:t>MSZoning</a:t>
-            </a:r>
-            <a:endParaRPr lang="en-US" dirty="0"/>
-          </a:p>
-          <a:p>
-            <a:pPr algn="l" fontAlgn="base"/>
-            <a:r>
-              <a:rPr lang="en-US" dirty="0" smtClean="0"/>
-              <a:t>	The </a:t>
-            </a:r>
-            <a:r>
-              <a:rPr lang="en-US" dirty="0"/>
-              <a:t>general zoning classification</a:t>
-            </a:r>
-          </a:p>
-          <a:p>
-            <a:pPr algn="l" fontAlgn="base"/>
-            <a:r>
-              <a:rPr lang="en-US" dirty="0" err="1" smtClean="0"/>
-              <a:t>LotFrontage</a:t>
-            </a:r>
-            <a:endParaRPr lang="en-US" dirty="0" smtClean="0"/>
+              <a:t>No of bedrooms</a:t>
+            </a:r>
           </a:p>
           <a:p>
             <a:pPr algn="l" fontAlgn="base"/>
@@ -10389,106 +9829,24 @@
             </a:r>
             <a:r>
               <a:rPr lang="en-US" dirty="0" smtClean="0"/>
-              <a:t>Linear </a:t>
-            </a:r>
-            <a:r>
-              <a:rPr lang="en-US" dirty="0"/>
-              <a:t>feet of street connected to property</a:t>
+              <a:t>No of garage</a:t>
             </a:r>
           </a:p>
           <a:p>
             <a:pPr algn="l" fontAlgn="base"/>
-            <a:r>
-              <a:rPr lang="en-US" dirty="0" err="1" smtClean="0"/>
-              <a:t>LotArea</a:t>
-            </a:r>
-            <a:endParaRPr lang="en-US" dirty="0" smtClean="0"/>
+            <a:endParaRPr lang="en-US" dirty="0"/>
           </a:p>
           <a:p>
             <a:pPr algn="l" fontAlgn="base"/>
             <a:r>
-              <a:rPr lang="en-US" dirty="0"/>
-              <a:t>	</a:t>
-            </a:r>
-            <a:r>
               <a:rPr lang="en-US" dirty="0" smtClean="0"/>
-              <a:t>Lot </a:t>
-            </a:r>
-            <a:r>
-              <a:rPr lang="en-US" dirty="0"/>
-              <a:t>size in square feet</a:t>
-            </a:r>
-          </a:p>
-          <a:p>
-            <a:pPr algn="l" fontAlgn="base"/>
-            <a:r>
-              <a:rPr lang="en-US" dirty="0" smtClean="0"/>
-              <a:t>Street</a:t>
-            </a:r>
-          </a:p>
-          <a:p>
-            <a:pPr algn="l" fontAlgn="base"/>
-            <a:r>
-              <a:rPr lang="en-US" dirty="0"/>
-              <a:t>	</a:t>
-            </a:r>
-            <a:r>
-              <a:rPr lang="en-US" dirty="0" smtClean="0"/>
-              <a:t>Type </a:t>
-            </a:r>
-            <a:r>
-              <a:rPr lang="en-US" dirty="0"/>
-              <a:t>of road access</a:t>
-            </a:r>
-          </a:p>
-          <a:p>
-            <a:pPr algn="l" fontAlgn="base"/>
-            <a:r>
-              <a:rPr lang="en-US" dirty="0" smtClean="0"/>
-              <a:t>Alley</a:t>
-            </a:r>
-          </a:p>
-          <a:p>
-            <a:pPr algn="l" fontAlgn="base"/>
-            <a:r>
-              <a:rPr lang="en-US" dirty="0"/>
-              <a:t>	</a:t>
-            </a:r>
-            <a:r>
-              <a:rPr lang="en-US" dirty="0" smtClean="0"/>
-              <a:t>Type </a:t>
-            </a:r>
-            <a:r>
-              <a:rPr lang="en-US" dirty="0"/>
-              <a:t>of alley </a:t>
-            </a:r>
-            <a:r>
-              <a:rPr lang="en-US" dirty="0" smtClean="0"/>
-              <a:t>access</a:t>
-            </a:r>
-          </a:p>
-          <a:p>
-            <a:pPr algn="l" fontAlgn="base"/>
-            <a:r>
-              <a:rPr lang="en-US" dirty="0" err="1" smtClean="0"/>
-              <a:t>LotShape</a:t>
-            </a:r>
-            <a:endParaRPr lang="en-US" dirty="0" smtClean="0"/>
-          </a:p>
-          <a:p>
-            <a:pPr algn="l" fontAlgn="base"/>
-            <a:r>
-              <a:rPr lang="en-US" dirty="0"/>
-              <a:t>	</a:t>
-            </a:r>
-            <a:r>
-              <a:rPr lang="en-US" dirty="0" smtClean="0"/>
-              <a:t>General </a:t>
-            </a:r>
-            <a:r>
-              <a:rPr lang="en-US" dirty="0"/>
-              <a:t>shape of property</a:t>
-            </a:r>
+              <a:t>	The previous slide link has all </a:t>
+            </a:r>
+            <a:r>
+              <a:rPr lang="en-US" smtClean="0"/>
+              <a:t>other properties details</a:t>
+            </a:r>
+            <a:endParaRPr lang="en-US" dirty="0"/>
           </a:p>
           <a:p>
             <a:pPr algn="l" fontAlgn="base"/>
@@ -10554,7 +9912,7 @@
                 <a:ea typeface="Verdana" panose="020B0604030504040204" pitchFamily="34" charset="0"/>
                 <a:cs typeface="Verdana" panose="020B0604030504040204" pitchFamily="34" charset="0"/>
               </a:rPr>
-              <a:t>Data Description</a:t>
+              <a:t>Initial findings</a:t>
             </a:r>
             <a:endParaRPr lang="en-US" sz="4500" b="1" dirty="0">
               <a:latin typeface="Verdana" panose="020B0604030504040204" pitchFamily="34" charset="0"/>
@@ -10582,164 +9940,112 @@
         </p:spPr>
         <p:txBody>
           <a:bodyPr>
-            <a:normAutofit fontScale="92500" lnSpcReduction="20000"/>
+            <a:normAutofit/>
           </a:bodyPr>
           <a:lstStyle/>
           <a:p>
-            <a:pPr algn="l" fontAlgn="base"/>
-            <a:r>
-              <a:rPr lang="en-US" dirty="0" err="1" smtClean="0"/>
-              <a:t>LandContour</a:t>
-            </a:r>
+            <a:pPr marL="342900" indent="-342900" algn="l" fontAlgn="base">
+              <a:buFont typeface="Arial" panose="020B0604020202020204" pitchFamily="34" charset="0"/>
+              <a:buChar char="•"/>
+            </a:pPr>
             <a:endParaRPr lang="en-US" dirty="0" smtClean="0"/>
           </a:p>
           <a:p>
-            <a:pPr algn="l" fontAlgn="base"/>
-            <a:r>
-              <a:rPr lang="en-US" dirty="0"/>
-              <a:t>	</a:t>
-            </a:r>
+            <a:pPr marL="342900" indent="-342900" algn="l" fontAlgn="base">
+              <a:buFont typeface="Arial" panose="020B0604020202020204" pitchFamily="34" charset="0"/>
+              <a:buChar char="•"/>
+            </a:pPr>
+            <a:endParaRPr lang="en-US" dirty="0"/>
+          </a:p>
+          <a:p>
+            <a:pPr marL="342900" indent="-342900" algn="l" fontAlgn="base">
+              <a:buFont typeface="Arial" panose="020B0604020202020204" pitchFamily="34" charset="0"/>
+              <a:buChar char="•"/>
+            </a:pPr>
             <a:r>
               <a:rPr lang="en-US" dirty="0" smtClean="0"/>
-              <a:t>Flatness </a:t>
-            </a:r>
-            <a:r>
-              <a:rPr lang="en-US" dirty="0"/>
-              <a:t>of the property</a:t>
-            </a:r>
-          </a:p>
-          <a:p>
-            <a:pPr algn="l" fontAlgn="base"/>
+              <a:t>Total No of Quantitative Features: 37</a:t>
+            </a:r>
+          </a:p>
+          <a:p>
+            <a:pPr marL="342900" indent="-342900" algn="l" fontAlgn="base">
+              <a:buFont typeface="Arial" panose="020B0604020202020204" pitchFamily="34" charset="0"/>
+              <a:buChar char="•"/>
+            </a:pPr>
+            <a:endParaRPr lang="en-US" dirty="0" smtClean="0"/>
+          </a:p>
+          <a:p>
+            <a:pPr marL="342900" indent="-342900" algn="l" fontAlgn="base">
+              <a:buFont typeface="Arial" panose="020B0604020202020204" pitchFamily="34" charset="0"/>
+              <a:buChar char="•"/>
+            </a:pPr>
             <a:r>
               <a:rPr lang="en-US" dirty="0" smtClean="0"/>
-              <a:t>Utilities</a:t>
-            </a:r>
-          </a:p>
-          <a:p>
-            <a:pPr algn="l" fontAlgn="base"/>
-            <a:r>
-              <a:rPr lang="en-US" dirty="0"/>
-              <a:t>	</a:t>
-            </a:r>
+              <a:t>Total No of Qualitative Features: 39</a:t>
+            </a:r>
+          </a:p>
+          <a:p>
+            <a:pPr marL="342900" indent="-342900" algn="l" fontAlgn="base">
+              <a:buFont typeface="Arial" panose="020B0604020202020204" pitchFamily="34" charset="0"/>
+              <a:buChar char="•"/>
+            </a:pPr>
+            <a:endParaRPr lang="en-US" dirty="0"/>
+          </a:p>
+          <a:p>
+            <a:pPr marL="342900" indent="-342900" algn="l" fontAlgn="base">
+              <a:buFont typeface="Arial" panose="020B0604020202020204" pitchFamily="34" charset="0"/>
+              <a:buChar char="•"/>
+            </a:pPr>
             <a:r>
               <a:rPr lang="en-US" dirty="0" smtClean="0"/>
-              <a:t>Type </a:t>
-            </a:r>
-            <a:r>
-              <a:rPr lang="en-US" dirty="0"/>
-              <a:t>of utilities available</a:t>
-            </a:r>
-          </a:p>
-          <a:p>
-            <a:pPr algn="l" fontAlgn="base"/>
-            <a:r>
-              <a:rPr lang="en-US" dirty="0" err="1" smtClean="0"/>
-              <a:t>LotConfig</a:t>
-            </a:r>
+              <a:t>The Sale price distribution details are</a:t>
+            </a:r>
+          </a:p>
+          <a:p>
+            <a:pPr marL="342900" indent="-342900" algn="l" fontAlgn="base">
+              <a:buFont typeface="Arial" panose="020B0604020202020204" pitchFamily="34" charset="0"/>
+              <a:buChar char="•"/>
+            </a:pPr>
             <a:endParaRPr lang="en-US" dirty="0" smtClean="0"/>
           </a:p>
           <a:p>
-            <a:pPr algn="l" fontAlgn="base"/>
-            <a:r>
-              <a:rPr lang="en-US" dirty="0"/>
-              <a:t>	</a:t>
-            </a:r>
+            <a:pPr marL="800100" lvl="1" indent="-342900" algn="l" fontAlgn="base">
+              <a:buFont typeface="Arial" panose="020B0604020202020204" pitchFamily="34" charset="0"/>
+              <a:buChar char="•"/>
+            </a:pPr>
             <a:r>
               <a:rPr lang="en-US" dirty="0" smtClean="0"/>
-              <a:t>Lot </a:t>
-            </a:r>
-            <a:r>
-              <a:rPr lang="en-US" dirty="0"/>
-              <a:t>configuration</a:t>
-            </a:r>
-          </a:p>
-          <a:p>
-            <a:pPr algn="l" fontAlgn="base"/>
-            <a:r>
-              <a:rPr lang="en-US" dirty="0" err="1" smtClean="0"/>
-              <a:t>LandSlope</a:t>
-            </a:r>
-            <a:endParaRPr lang="en-US" dirty="0"/>
-          </a:p>
-          <a:p>
-            <a:pPr algn="l" fontAlgn="base"/>
+              <a:t>Min Selling Price is: 34900</a:t>
+            </a:r>
+          </a:p>
+          <a:p>
+            <a:pPr marL="800100" lvl="1" indent="-342900" algn="l" fontAlgn="base">
+              <a:buFont typeface="Arial" panose="020B0604020202020204" pitchFamily="34" charset="0"/>
+              <a:buChar char="•"/>
+            </a:pPr>
             <a:r>
               <a:rPr lang="en-US" dirty="0" smtClean="0"/>
-              <a:t>	Slope </a:t>
-            </a:r>
-            <a:r>
-              <a:rPr lang="en-US" dirty="0"/>
-              <a:t>of property</a:t>
-            </a:r>
-          </a:p>
-          <a:p>
-            <a:pPr algn="l" fontAlgn="base"/>
+              <a:t>Average Selling Price is: 180921.20</a:t>
+            </a:r>
+          </a:p>
+          <a:p>
+            <a:pPr marL="800100" lvl="1" indent="-342900" algn="l" fontAlgn="base">
+              <a:buFont typeface="Arial" panose="020B0604020202020204" pitchFamily="34" charset="0"/>
+              <a:buChar char="•"/>
+            </a:pPr>
             <a:r>
               <a:rPr lang="en-US" dirty="0" smtClean="0"/>
-              <a:t>Neighborhood</a:t>
-            </a:r>
-          </a:p>
-          <a:p>
-            <a:pPr algn="l" fontAlgn="base"/>
-            <a:r>
-              <a:rPr lang="en-US" dirty="0"/>
-              <a:t>	</a:t>
-            </a:r>
+              <a:t>Median Selling Price is: 163000.0</a:t>
+            </a:r>
+          </a:p>
+          <a:p>
+            <a:pPr marL="800100" lvl="1" indent="-342900" algn="l" fontAlgn="base">
+              <a:buFont typeface="Arial" panose="020B0604020202020204" pitchFamily="34" charset="0"/>
+              <a:buChar char="•"/>
+            </a:pPr>
             <a:r>
               <a:rPr lang="en-US" dirty="0" smtClean="0"/>
-              <a:t>Physical </a:t>
-            </a:r>
-            <a:r>
-              <a:rPr lang="en-US" dirty="0"/>
-              <a:t>locations within Ames city limits</a:t>
-            </a:r>
-          </a:p>
-          <a:p>
-            <a:pPr algn="l" fontAlgn="base"/>
-            <a:r>
-              <a:rPr lang="en-US" dirty="0" smtClean="0"/>
-              <a:t>Condition1</a:t>
-            </a:r>
-          </a:p>
-          <a:p>
-            <a:pPr algn="l" fontAlgn="base"/>
-            <a:r>
-              <a:rPr lang="en-US" dirty="0"/>
-              <a:t>	</a:t>
-            </a:r>
-            <a:r>
-              <a:rPr lang="en-US" dirty="0" smtClean="0"/>
-              <a:t>Proximity </a:t>
-            </a:r>
-            <a:r>
-              <a:rPr lang="en-US" dirty="0"/>
-              <a:t>to main road or railroad</a:t>
-            </a:r>
-          </a:p>
-          <a:p>
-            <a:pPr algn="l" fontAlgn="base"/>
-            <a:r>
-              <a:rPr lang="en-US" dirty="0" smtClean="0"/>
-              <a:t>Condition2</a:t>
-            </a:r>
-          </a:p>
-          <a:p>
-            <a:pPr algn="l" fontAlgn="base"/>
-            <a:r>
-              <a:rPr lang="en-US" dirty="0"/>
-              <a:t>	</a:t>
-            </a:r>
-            <a:r>
-              <a:rPr lang="en-US" dirty="0" smtClean="0"/>
-              <a:t>Proximity </a:t>
-            </a:r>
-            <a:r>
-              <a:rPr lang="en-US" dirty="0"/>
-              <a:t>to main road or railroad (if a second is present</a:t>
-            </a:r>
-            <a:r>
-              <a:rPr lang="en-US" dirty="0" smtClean="0"/>
-              <a:t>)</a:t>
+              <a:t>Max Selling Price is: 755000</a:t>
             </a:r>
             <a:endParaRPr lang="en-US" dirty="0"/>
           </a:p>
@@ -10748,7 +10054,7 @@
     </p:spTree>
     <p:extLst>
       <p:ext uri="{BB962C8B-B14F-4D97-AF65-F5344CB8AC3E}">
-        <p14:creationId xmlns:p14="http://schemas.microsoft.com/office/powerpoint/2010/main" val="1622889842"/>
+        <p14:creationId xmlns:p14="http://schemas.microsoft.com/office/powerpoint/2010/main" val="2793825833"/>
       </p:ext>
     </p:extLst>
   </p:cSld>
@@ -10798,12 +10104,12 @@
           <a:lstStyle/>
           <a:p>
             <a:r>
-              <a:rPr lang="en-US" sz="4500" b="1" dirty="0" smtClean="0">
+              <a:rPr lang="en-US" sz="4500" b="1" dirty="0">
                 <a:latin typeface="Verdana" panose="020B0604030504040204" pitchFamily="34" charset="0"/>
                 <a:ea typeface="Verdana" panose="020B0604030504040204" pitchFamily="34" charset="0"/>
                 <a:cs typeface="Verdana" panose="020B0604030504040204" pitchFamily="34" charset="0"/>
               </a:rPr>
-              <a:t>Data Description</a:t>
+              <a:t>Missing Data Analysis</a:t>
             </a:r>
             <a:endParaRPr lang="en-US" sz="4500" b="1" dirty="0">
               <a:latin typeface="Verdana" panose="020B0604030504040204" pitchFamily="34" charset="0"/>
@@ -10813,167 +10119,34 @@
           </a:p>
         </p:txBody>
       </p:sp>
-      <p:sp>
-        <p:nvSpPr>
-          <p:cNvPr id="3" name="Subtitle 2"/>
-          <p:cNvSpPr>
-            <a:spLocks noGrp="1"/>
-          </p:cNvSpPr>
-          <p:nvPr>
-            <p:ph type="subTitle" idx="1"/>
-          </p:nvPr>
-        </p:nvSpPr>
+      <p:pic>
+        <p:nvPicPr>
+          <p:cNvPr id="3" name="Picture 2"/>
+          <p:cNvPicPr>
+            <a:picLocks noChangeAspect="1"/>
+          </p:cNvPicPr>
+          <p:nvPr/>
+        </p:nvPicPr>
+        <p:blipFill>
+          <a:blip r:embed="rId2"/>
+          <a:stretch>
+            <a:fillRect/>
+          </a:stretch>
+        </p:blipFill>
         <p:spPr>
           <a:xfrm>
-            <a:off x="138545" y="1126836"/>
-            <a:ext cx="11877964" cy="5320146"/>
+            <a:off x="2525504" y="1106369"/>
+            <a:ext cx="6867525" cy="5534025"/>
           </a:xfrm>
+          <a:prstGeom prst="rect">
+            <a:avLst/>
+          </a:prstGeom>
         </p:spPr>
-        <p:txBody>
-          <a:bodyPr>
-            <a:normAutofit lnSpcReduction="10000"/>
-          </a:bodyPr>
-          <a:lstStyle/>
-          <a:p>
-            <a:pPr algn="l" fontAlgn="base"/>
-            <a:r>
-              <a:rPr lang="en-US" dirty="0" err="1" smtClean="0"/>
-              <a:t>BldgType</a:t>
-            </a:r>
-            <a:endParaRPr lang="en-US" dirty="0" smtClean="0"/>
-          </a:p>
-          <a:p>
-            <a:pPr algn="l" fontAlgn="base"/>
-            <a:r>
-              <a:rPr lang="en-US" dirty="0"/>
-              <a:t>	</a:t>
-            </a:r>
-            <a:r>
-              <a:rPr lang="en-US" dirty="0" smtClean="0"/>
-              <a:t>Type </a:t>
-            </a:r>
-            <a:r>
-              <a:rPr lang="en-US" dirty="0"/>
-              <a:t>of dwelling</a:t>
-            </a:r>
-          </a:p>
-          <a:p>
-            <a:pPr algn="l" fontAlgn="base"/>
-            <a:r>
-              <a:rPr lang="en-US" dirty="0" err="1" smtClean="0"/>
-              <a:t>HouseStyle</a:t>
-            </a:r>
-            <a:endParaRPr lang="en-US" dirty="0" smtClean="0"/>
-          </a:p>
-          <a:p>
-            <a:pPr algn="l" fontAlgn="base"/>
-            <a:r>
-              <a:rPr lang="en-US" dirty="0"/>
-              <a:t>	</a:t>
-            </a:r>
-            <a:r>
-              <a:rPr lang="en-US" dirty="0" smtClean="0"/>
-              <a:t>Style </a:t>
-            </a:r>
-            <a:r>
-              <a:rPr lang="en-US" dirty="0"/>
-              <a:t>of dwelling</a:t>
-            </a:r>
-          </a:p>
-          <a:p>
-            <a:pPr algn="l" fontAlgn="base"/>
-            <a:r>
-              <a:rPr lang="en-US" dirty="0" err="1" smtClean="0"/>
-              <a:t>OverallQual</a:t>
-            </a:r>
-            <a:endParaRPr lang="en-US" dirty="0" smtClean="0"/>
-          </a:p>
-          <a:p>
-            <a:pPr algn="l" fontAlgn="base"/>
-            <a:r>
-              <a:rPr lang="en-US" dirty="0"/>
-              <a:t>	</a:t>
-            </a:r>
-            <a:r>
-              <a:rPr lang="en-US" dirty="0" smtClean="0"/>
-              <a:t>Overall </a:t>
-            </a:r>
-            <a:r>
-              <a:rPr lang="en-US" dirty="0"/>
-              <a:t>material and finish quality</a:t>
-            </a:r>
-          </a:p>
-          <a:p>
-            <a:pPr algn="l" fontAlgn="base"/>
-            <a:r>
-              <a:rPr lang="en-US" dirty="0" err="1" smtClean="0"/>
-              <a:t>OverallCond</a:t>
-            </a:r>
-            <a:endParaRPr lang="en-US" dirty="0" smtClean="0"/>
-          </a:p>
-          <a:p>
-            <a:pPr algn="l" fontAlgn="base"/>
-            <a:r>
-              <a:rPr lang="en-US" dirty="0"/>
-              <a:t>	</a:t>
-            </a:r>
-            <a:r>
-              <a:rPr lang="en-US" dirty="0" smtClean="0"/>
-              <a:t>Overall </a:t>
-            </a:r>
-            <a:r>
-              <a:rPr lang="en-US" dirty="0"/>
-              <a:t>condition rating</a:t>
-            </a:r>
-          </a:p>
-          <a:p>
-            <a:pPr algn="l" fontAlgn="base"/>
-            <a:r>
-              <a:rPr lang="en-US" dirty="0" err="1" smtClean="0"/>
-              <a:t>YearBuilt</a:t>
-            </a:r>
-            <a:endParaRPr lang="en-US" dirty="0" smtClean="0"/>
-          </a:p>
-          <a:p>
-            <a:pPr algn="l" fontAlgn="base"/>
-            <a:r>
-              <a:rPr lang="en-US" dirty="0"/>
-              <a:t>	</a:t>
-            </a:r>
-            <a:r>
-              <a:rPr lang="en-US" dirty="0" smtClean="0"/>
-              <a:t>Original </a:t>
-            </a:r>
-            <a:r>
-              <a:rPr lang="en-US" dirty="0"/>
-              <a:t>construction date</a:t>
-            </a:r>
-          </a:p>
-          <a:p>
-            <a:pPr algn="l" fontAlgn="base"/>
-            <a:r>
-              <a:rPr lang="en-US" dirty="0" err="1" smtClean="0"/>
-              <a:t>YearRemodAdd</a:t>
-            </a:r>
-            <a:endParaRPr lang="en-US" dirty="0" smtClean="0"/>
-          </a:p>
-          <a:p>
-            <a:pPr algn="l" fontAlgn="base"/>
-            <a:r>
-              <a:rPr lang="en-US" dirty="0" smtClean="0"/>
-              <a:t>	Remodel </a:t>
-            </a:r>
-            <a:r>
-              <a:rPr lang="en-US" dirty="0"/>
-              <a:t>date</a:t>
-            </a:r>
-          </a:p>
-        </p:txBody>
-      </p:sp>
+      </p:pic>
     </p:spTree>
     <p:extLst>
       <p:ext uri="{BB962C8B-B14F-4D97-AF65-F5344CB8AC3E}">
-        <p14:creationId xmlns:p14="http://schemas.microsoft.com/office/powerpoint/2010/main" val="2941708232"/>
+        <p14:creationId xmlns:p14="http://schemas.microsoft.com/office/powerpoint/2010/main" val="1170980706"/>
       </p:ext>
     </p:extLst>
   </p:cSld>
@@ -11023,12 +10196,12 @@
           <a:lstStyle/>
           <a:p>
             <a:r>
-              <a:rPr lang="en-US" sz="4500" b="1" dirty="0" smtClean="0">
+              <a:rPr lang="en-US" sz="4500" b="1" dirty="0">
                 <a:latin typeface="Verdana" panose="020B0604030504040204" pitchFamily="34" charset="0"/>
                 <a:ea typeface="Verdana" panose="020B0604030504040204" pitchFamily="34" charset="0"/>
                 <a:cs typeface="Verdana" panose="020B0604030504040204" pitchFamily="34" charset="0"/>
               </a:rPr>
-              <a:t>Data Description</a:t>
+              <a:t>Missing Data Analysis</a:t>
             </a:r>
             <a:endParaRPr lang="en-US" sz="4500" b="1" dirty="0">
               <a:latin typeface="Verdana" panose="020B0604030504040204" pitchFamily="34" charset="0"/>
@@ -11038,220 +10211,34 @@
           </a:p>
         </p:txBody>
       </p:sp>
-      <p:sp>
-        <p:nvSpPr>
-          <p:cNvPr id="3" name="Subtitle 2"/>
-          <p:cNvSpPr>
-            <a:spLocks noGrp="1"/>
-          </p:cNvSpPr>
-          <p:nvPr>
-            <p:ph type="subTitle" idx="1"/>
-          </p:nvPr>
-        </p:nvSpPr>
+      <p:pic>
+        <p:nvPicPr>
+          <p:cNvPr id="4" name="Picture 3"/>
+          <p:cNvPicPr>
+            <a:picLocks noChangeAspect="1"/>
+          </p:cNvPicPr>
+          <p:nvPr/>
+        </p:nvPicPr>
+        <p:blipFill>
+          <a:blip r:embed="rId2"/>
+          <a:stretch>
+            <a:fillRect/>
+          </a:stretch>
+        </p:blipFill>
         <p:spPr>
           <a:xfrm>
-            <a:off x="138545" y="1126836"/>
-            <a:ext cx="11877964" cy="5320146"/>
+            <a:off x="2813302" y="1518124"/>
+            <a:ext cx="5591175" cy="3924300"/>
           </a:xfrm>
+          <a:prstGeom prst="rect">
+            <a:avLst/>
+          </a:prstGeom>
         </p:spPr>
-        <p:txBody>
-          <a:bodyPr>
-            <a:normAutofit fontScale="77500" lnSpcReduction="20000"/>
-          </a:bodyPr>
-          <a:lstStyle/>
-          <a:p>
-            <a:pPr algn="l" fontAlgn="base"/>
-            <a:r>
-              <a:rPr lang="en-US" dirty="0" err="1" smtClean="0"/>
-              <a:t>RoofStyle</a:t>
-            </a:r>
-            <a:endParaRPr lang="en-US" dirty="0" smtClean="0"/>
-          </a:p>
-          <a:p>
-            <a:pPr algn="l" fontAlgn="base"/>
-            <a:r>
-              <a:rPr lang="en-US" dirty="0"/>
-              <a:t>	</a:t>
-            </a:r>
-            <a:r>
-              <a:rPr lang="en-US" dirty="0" smtClean="0"/>
-              <a:t>Type </a:t>
-            </a:r>
-            <a:r>
-              <a:rPr lang="en-US" dirty="0"/>
-              <a:t>of roof</a:t>
-            </a:r>
-          </a:p>
-          <a:p>
-            <a:pPr algn="l" fontAlgn="base"/>
-            <a:r>
-              <a:rPr lang="en-US" dirty="0" err="1" smtClean="0"/>
-              <a:t>RoofMatl</a:t>
-            </a:r>
-            <a:endParaRPr lang="en-US" dirty="0" smtClean="0"/>
-          </a:p>
-          <a:p>
-            <a:pPr algn="l" fontAlgn="base"/>
-            <a:r>
-              <a:rPr lang="en-US" dirty="0"/>
-              <a:t>	</a:t>
-            </a:r>
-            <a:r>
-              <a:rPr lang="en-US" dirty="0" smtClean="0"/>
-              <a:t>Roof </a:t>
-            </a:r>
-            <a:r>
-              <a:rPr lang="en-US" dirty="0"/>
-              <a:t>material</a:t>
-            </a:r>
-          </a:p>
-          <a:p>
-            <a:pPr algn="l" fontAlgn="base"/>
-            <a:r>
-              <a:rPr lang="en-US" dirty="0" smtClean="0"/>
-              <a:t>Exterior1st</a:t>
-            </a:r>
-          </a:p>
-          <a:p>
-            <a:pPr algn="l" fontAlgn="base"/>
-            <a:r>
-              <a:rPr lang="en-US" dirty="0"/>
-              <a:t>	</a:t>
-            </a:r>
-            <a:r>
-              <a:rPr lang="en-US" dirty="0" smtClean="0"/>
-              <a:t>Exterior </a:t>
-            </a:r>
-            <a:r>
-              <a:rPr lang="en-US" dirty="0"/>
-              <a:t>covering on house</a:t>
-            </a:r>
-          </a:p>
-          <a:p>
-            <a:pPr algn="l" fontAlgn="base"/>
-            <a:r>
-              <a:rPr lang="en-US" dirty="0" smtClean="0"/>
-              <a:t>Exterior2nd</a:t>
-            </a:r>
-          </a:p>
-          <a:p>
-            <a:pPr algn="l" fontAlgn="base"/>
-            <a:r>
-              <a:rPr lang="en-US" dirty="0"/>
-              <a:t>	</a:t>
-            </a:r>
-            <a:r>
-              <a:rPr lang="en-US" dirty="0" smtClean="0"/>
-              <a:t>Exterior </a:t>
-            </a:r>
-            <a:r>
-              <a:rPr lang="en-US" dirty="0"/>
-              <a:t>covering on house (if more than one material)</a:t>
-            </a:r>
-          </a:p>
-          <a:p>
-            <a:pPr algn="l" fontAlgn="base"/>
-            <a:r>
-              <a:rPr lang="en-US" dirty="0" err="1" smtClean="0"/>
-              <a:t>MasVnrType</a:t>
-            </a:r>
-            <a:endParaRPr lang="en-US" dirty="0" smtClean="0"/>
-          </a:p>
-          <a:p>
-            <a:pPr algn="l" fontAlgn="base"/>
-            <a:r>
-              <a:rPr lang="en-US" dirty="0"/>
-              <a:t>	</a:t>
-            </a:r>
-            <a:r>
-              <a:rPr lang="en-US" dirty="0" smtClean="0"/>
-              <a:t>Masonry </a:t>
-            </a:r>
-            <a:r>
-              <a:rPr lang="en-US" dirty="0"/>
-              <a:t>veneer type</a:t>
-            </a:r>
-          </a:p>
-          <a:p>
-            <a:pPr algn="l" fontAlgn="base"/>
-            <a:r>
-              <a:rPr lang="en-US" dirty="0" err="1" smtClean="0"/>
-              <a:t>MasVnrArea</a:t>
-            </a:r>
-            <a:endParaRPr lang="en-US" dirty="0" smtClean="0"/>
-          </a:p>
-          <a:p>
-            <a:pPr algn="l" fontAlgn="base"/>
-            <a:r>
-              <a:rPr lang="en-US" dirty="0"/>
-              <a:t>	</a:t>
-            </a:r>
-            <a:r>
-              <a:rPr lang="en-US" dirty="0" smtClean="0"/>
-              <a:t>Masonry </a:t>
-            </a:r>
-            <a:r>
-              <a:rPr lang="en-US" dirty="0"/>
-              <a:t>veneer area in square feet</a:t>
-            </a:r>
-          </a:p>
-          <a:p>
-            <a:pPr algn="l" fontAlgn="base"/>
-            <a:r>
-              <a:rPr lang="en-US" dirty="0" err="1" smtClean="0"/>
-              <a:t>ExterQual</a:t>
-            </a:r>
-            <a:endParaRPr lang="en-US" dirty="0" smtClean="0"/>
-          </a:p>
-          <a:p>
-            <a:pPr algn="l" fontAlgn="base"/>
-            <a:r>
-              <a:rPr lang="en-US" dirty="0"/>
-              <a:t>	</a:t>
-            </a:r>
-            <a:r>
-              <a:rPr lang="en-US" dirty="0" smtClean="0"/>
-              <a:t>Exterior </a:t>
-            </a:r>
-            <a:r>
-              <a:rPr lang="en-US" dirty="0"/>
-              <a:t>material quality</a:t>
-            </a:r>
-          </a:p>
-          <a:p>
-            <a:pPr algn="l" fontAlgn="base"/>
-            <a:r>
-              <a:rPr lang="en-US" dirty="0" err="1" smtClean="0"/>
-              <a:t>ExterCond</a:t>
-            </a:r>
-            <a:endParaRPr lang="en-US" dirty="0" smtClean="0"/>
-          </a:p>
-          <a:p>
-            <a:pPr algn="l" fontAlgn="base"/>
-            <a:r>
-              <a:rPr lang="en-US" dirty="0"/>
-              <a:t>	</a:t>
-            </a:r>
-            <a:r>
-              <a:rPr lang="en-US" dirty="0" smtClean="0"/>
-              <a:t>Present </a:t>
-            </a:r>
-            <a:r>
-              <a:rPr lang="en-US" dirty="0"/>
-              <a:t>condition of the material on the </a:t>
-            </a:r>
-            <a:r>
-              <a:rPr lang="en-US" dirty="0" smtClean="0"/>
-              <a:t>exterior</a:t>
-            </a:r>
-            <a:endParaRPr lang="en-US" dirty="0"/>
-          </a:p>
-        </p:txBody>
-      </p:sp>
+      </p:pic>
     </p:spTree>
     <p:extLst>
       <p:ext uri="{BB962C8B-B14F-4D97-AF65-F5344CB8AC3E}">
-        <p14:creationId xmlns:p14="http://schemas.microsoft.com/office/powerpoint/2010/main" val="3095745031"/>
+        <p14:creationId xmlns:p14="http://schemas.microsoft.com/office/powerpoint/2010/main" val="3989209891"/>
       </p:ext>
     </p:extLst>
   </p:cSld>
@@ -11301,12 +10288,12 @@
           <a:lstStyle/>
           <a:p>
             <a:r>
-              <a:rPr lang="en-US" sz="4500" b="1" dirty="0" smtClean="0">
+              <a:rPr lang="en-US" sz="4500" b="1" dirty="0">
                 <a:latin typeface="Verdana" panose="020B0604030504040204" pitchFamily="34" charset="0"/>
                 <a:ea typeface="Verdana" panose="020B0604030504040204" pitchFamily="34" charset="0"/>
                 <a:cs typeface="Verdana" panose="020B0604030504040204" pitchFamily="34" charset="0"/>
               </a:rPr>
-              <a:t>Data Description</a:t>
+              <a:t>Missing Data Analysis</a:t>
             </a:r>
             <a:endParaRPr lang="en-US" sz="4500" b="1" dirty="0">
               <a:latin typeface="Verdana" panose="020B0604030504040204" pitchFamily="34" charset="0"/>
@@ -11316,235 +10303,34 @@
           </a:p>
         </p:txBody>
       </p:sp>
-      <p:sp>
-        <p:nvSpPr>
-          <p:cNvPr id="3" name="Subtitle 2"/>
-          <p:cNvSpPr>
-            <a:spLocks noGrp="1"/>
-          </p:cNvSpPr>
-          <p:nvPr>
-            <p:ph type="subTitle" idx="1"/>
-          </p:nvPr>
-        </p:nvSpPr>
+      <p:pic>
+        <p:nvPicPr>
+          <p:cNvPr id="5" name="Picture 4"/>
+          <p:cNvPicPr>
+            <a:picLocks noChangeAspect="1"/>
+          </p:cNvPicPr>
+          <p:nvPr/>
+        </p:nvPicPr>
+        <p:blipFill>
+          <a:blip r:embed="rId2"/>
+          <a:stretch>
+            <a:fillRect/>
+          </a:stretch>
+        </p:blipFill>
         <p:spPr>
           <a:xfrm>
-            <a:off x="138545" y="1126836"/>
-            <a:ext cx="11877964" cy="5320146"/>
+            <a:off x="1709737" y="2305050"/>
+            <a:ext cx="8772525" cy="2247900"/>
           </a:xfrm>
+          <a:prstGeom prst="rect">
+            <a:avLst/>
+          </a:prstGeom>
         </p:spPr>
-        <p:txBody>
-          <a:bodyPr>
-            <a:normAutofit fontScale="62500" lnSpcReduction="20000"/>
-          </a:bodyPr>
-          <a:lstStyle/>
-          <a:p>
-            <a:pPr algn="l" fontAlgn="base"/>
-            <a:r>
-              <a:rPr lang="en-US" dirty="0" smtClean="0"/>
-              <a:t>Foundation</a:t>
-            </a:r>
-          </a:p>
-          <a:p>
-            <a:pPr algn="l" fontAlgn="base"/>
-            <a:r>
-              <a:rPr lang="en-US" dirty="0"/>
-              <a:t>	</a:t>
-            </a:r>
-            <a:r>
-              <a:rPr lang="en-US" dirty="0" smtClean="0"/>
-              <a:t>Type </a:t>
-            </a:r>
-            <a:r>
-              <a:rPr lang="en-US" dirty="0"/>
-              <a:t>of foundation</a:t>
-            </a:r>
-          </a:p>
-          <a:p>
-            <a:pPr algn="l" fontAlgn="base"/>
-            <a:r>
-              <a:rPr lang="en-US" dirty="0" err="1" smtClean="0"/>
-              <a:t>BsmtQual</a:t>
-            </a:r>
-            <a:endParaRPr lang="en-US" dirty="0" smtClean="0"/>
-          </a:p>
-          <a:p>
-            <a:pPr algn="l" fontAlgn="base"/>
-            <a:r>
-              <a:rPr lang="en-US" dirty="0"/>
-              <a:t>	</a:t>
-            </a:r>
-            <a:r>
-              <a:rPr lang="en-US" dirty="0" smtClean="0"/>
-              <a:t>Height </a:t>
-            </a:r>
-            <a:r>
-              <a:rPr lang="en-US" dirty="0"/>
-              <a:t>of the basement</a:t>
-            </a:r>
-          </a:p>
-          <a:p>
-            <a:pPr algn="l" fontAlgn="base"/>
-            <a:r>
-              <a:rPr lang="en-US" dirty="0" err="1" smtClean="0"/>
-              <a:t>BsmtCond</a:t>
-            </a:r>
-            <a:endParaRPr lang="en-US" dirty="0" smtClean="0"/>
-          </a:p>
-          <a:p>
-            <a:pPr algn="l" fontAlgn="base"/>
-            <a:r>
-              <a:rPr lang="en-US" dirty="0"/>
-              <a:t>	</a:t>
-            </a:r>
-            <a:r>
-              <a:rPr lang="en-US" dirty="0" smtClean="0"/>
-              <a:t>General </a:t>
-            </a:r>
-            <a:r>
-              <a:rPr lang="en-US" dirty="0"/>
-              <a:t>condition of the basement</a:t>
-            </a:r>
-          </a:p>
-          <a:p>
-            <a:pPr algn="l" fontAlgn="base"/>
-            <a:r>
-              <a:rPr lang="en-US" dirty="0" err="1" smtClean="0"/>
-              <a:t>BsmtExposure</a:t>
-            </a:r>
-            <a:endParaRPr lang="en-US" dirty="0" smtClean="0"/>
-          </a:p>
-          <a:p>
-            <a:pPr algn="l" fontAlgn="base"/>
-            <a:r>
-              <a:rPr lang="en-US" dirty="0"/>
-              <a:t>	</a:t>
-            </a:r>
-            <a:r>
-              <a:rPr lang="en-US" dirty="0" smtClean="0"/>
-              <a:t>Walkout </a:t>
-            </a:r>
-            <a:r>
-              <a:rPr lang="en-US" dirty="0"/>
-              <a:t>or garden level basement walls</a:t>
-            </a:r>
-          </a:p>
-          <a:p>
-            <a:pPr algn="l" fontAlgn="base"/>
-            <a:r>
-              <a:rPr lang="en-US" dirty="0" smtClean="0"/>
-              <a:t>BsmtFinType1</a:t>
-            </a:r>
-          </a:p>
-          <a:p>
-            <a:pPr algn="l" fontAlgn="base"/>
-            <a:r>
-              <a:rPr lang="en-US" dirty="0"/>
-              <a:t>	</a:t>
-            </a:r>
-            <a:r>
-              <a:rPr lang="en-US" dirty="0" smtClean="0"/>
-              <a:t>Quality </a:t>
-            </a:r>
-            <a:r>
-              <a:rPr lang="en-US" dirty="0"/>
-              <a:t>of basement finished area</a:t>
-            </a:r>
-          </a:p>
-          <a:p>
-            <a:pPr algn="l" fontAlgn="base"/>
-            <a:r>
-              <a:rPr lang="en-US" dirty="0" smtClean="0"/>
-              <a:t>BsmtFinSF1</a:t>
-            </a:r>
-          </a:p>
-          <a:p>
-            <a:pPr algn="l" fontAlgn="base"/>
-            <a:r>
-              <a:rPr lang="en-US" dirty="0"/>
-              <a:t>	</a:t>
-            </a:r>
-            <a:r>
-              <a:rPr lang="en-US" dirty="0" smtClean="0"/>
-              <a:t>Type </a:t>
-            </a:r>
-            <a:r>
-              <a:rPr lang="en-US" dirty="0"/>
-              <a:t>1 finished square feet</a:t>
-            </a:r>
-          </a:p>
-          <a:p>
-            <a:pPr algn="l" fontAlgn="base"/>
-            <a:r>
-              <a:rPr lang="en-US" dirty="0" smtClean="0"/>
-              <a:t>BsmtFinType2</a:t>
-            </a:r>
-          </a:p>
-          <a:p>
-            <a:pPr algn="l" fontAlgn="base"/>
-            <a:r>
-              <a:rPr lang="en-US" dirty="0"/>
-              <a:t>	</a:t>
-            </a:r>
-            <a:r>
-              <a:rPr lang="en-US" dirty="0" smtClean="0"/>
-              <a:t>Quality </a:t>
-            </a:r>
-            <a:r>
-              <a:rPr lang="en-US" dirty="0"/>
-              <a:t>of second finished area (if present)</a:t>
-            </a:r>
-          </a:p>
-          <a:p>
-            <a:pPr algn="l" fontAlgn="base"/>
-            <a:r>
-              <a:rPr lang="en-US" dirty="0" smtClean="0"/>
-              <a:t>BsmtFinSF2</a:t>
-            </a:r>
-          </a:p>
-          <a:p>
-            <a:pPr algn="l" fontAlgn="base"/>
-            <a:r>
-              <a:rPr lang="en-US" dirty="0"/>
-              <a:t>	</a:t>
-            </a:r>
-            <a:r>
-              <a:rPr lang="en-US" dirty="0" smtClean="0"/>
-              <a:t>Type </a:t>
-            </a:r>
-            <a:r>
-              <a:rPr lang="en-US" dirty="0"/>
-              <a:t>2 finished square feet</a:t>
-            </a:r>
-          </a:p>
-          <a:p>
-            <a:pPr algn="l" fontAlgn="base"/>
-            <a:r>
-              <a:rPr lang="en-US" dirty="0" err="1" smtClean="0"/>
-              <a:t>BsmtUnfSF</a:t>
-            </a:r>
-            <a:endParaRPr lang="en-US" dirty="0" smtClean="0"/>
-          </a:p>
-          <a:p>
-            <a:pPr algn="l" fontAlgn="base"/>
-            <a:r>
-              <a:rPr lang="en-US" dirty="0"/>
-              <a:t>	</a:t>
-            </a:r>
-            <a:r>
-              <a:rPr lang="en-US" dirty="0" smtClean="0"/>
-              <a:t>Unfinished </a:t>
-            </a:r>
-            <a:r>
-              <a:rPr lang="en-US" dirty="0"/>
-              <a:t>square feet of basement area</a:t>
-            </a:r>
-          </a:p>
-        </p:txBody>
-      </p:sp>
+      </p:pic>
     </p:spTree>
     <p:extLst>
       <p:ext uri="{BB962C8B-B14F-4D97-AF65-F5344CB8AC3E}">
-        <p14:creationId xmlns:p14="http://schemas.microsoft.com/office/powerpoint/2010/main" val="3231626867"/>
+        <p14:creationId xmlns:p14="http://schemas.microsoft.com/office/powerpoint/2010/main" val="1031143950"/>
       </p:ext>
     </p:extLst>
   </p:cSld>
